--- a/Presentaion.pptx
+++ b/Presentaion.pptx
@@ -10,14 +10,15 @@
     <p:sldId id="264" r:id="rId7"/>
     <p:sldId id="263" r:id="rId8"/>
     <p:sldId id="265" r:id="rId9"/>
-    <p:sldId id="271" r:id="rId10"/>
-    <p:sldId id="268" r:id="rId11"/>
-    <p:sldId id="267" r:id="rId12"/>
-    <p:sldId id="269" r:id="rId13"/>
-    <p:sldId id="270" r:id="rId14"/>
-    <p:sldId id="266" r:id="rId15"/>
-    <p:sldId id="272" r:id="rId16"/>
-    <p:sldId id="273" r:id="rId17"/>
+    <p:sldId id="272" r:id="rId10"/>
+    <p:sldId id="271" r:id="rId11"/>
+    <p:sldId id="270" r:id="rId12"/>
+    <p:sldId id="273" r:id="rId13"/>
+    <p:sldId id="269" r:id="rId14"/>
+    <p:sldId id="268" r:id="rId15"/>
+    <p:sldId id="267" r:id="rId16"/>
+    <p:sldId id="266" r:id="rId17"/>
+    <p:sldId id="274" r:id="rId18"/>
   </p:sldIdLst>
   <p:sldSz cx="12192000" cy="6858000"/>
   <p:notesSz cx="6858000" cy="9144000"/>
@@ -127,13 +128,308 @@
 <file path=ppt/revisionInfo.xml><?xml version="1.0" encoding="utf-8"?>
 <p1510:revInfo xmlns:a="http://schemas.openxmlformats.org/drawingml/2006/main" xmlns:r="http://schemas.openxmlformats.org/officeDocument/2006/relationships" xmlns:p1510="http://schemas.microsoft.com/office/powerpoint/2015/10/main">
   <p1510:revLst>
-    <p1510:client id="{404800CD-CA5B-4E0E-949C-32FD67085100}" v="12" dt="2022-02-12T19:39:38.362"/>
+    <p1510:client id="{09195C97-C5F0-4ECB-83D4-D1631AF5F0FD}" v="8" dt="2022-02-15T03:30:49.461"/>
   </p1510:revLst>
 </p1510:revInfo>
 </file>
 
 <file path=ppt/changesInfos/changesInfo1.xml><?xml version="1.0" encoding="utf-8"?>
 <pc:chgInfo xmlns:a="http://schemas.openxmlformats.org/drawingml/2006/main" xmlns:r="http://schemas.openxmlformats.org/officeDocument/2006/relationships" xmlns:ac="http://schemas.microsoft.com/office/drawing/2013/main/command" xmlns:pc="http://schemas.microsoft.com/office/powerpoint/2013/main/command">
+  <pc:docChgLst>
+    <pc:chgData name="Emanuel Villa" userId="5c282a8693169257" providerId="LiveId" clId="{09195C97-C5F0-4ECB-83D4-D1631AF5F0FD}"/>
+    <pc:docChg chg="custSel modSld sldOrd">
+      <pc:chgData name="Emanuel Villa" userId="5c282a8693169257" providerId="LiveId" clId="{09195C97-C5F0-4ECB-83D4-D1631AF5F0FD}" dt="2022-02-15T16:42:48.653" v="501"/>
+      <pc:docMkLst>
+        <pc:docMk/>
+      </pc:docMkLst>
+      <pc:sldChg chg="modSp mod">
+        <pc:chgData name="Emanuel Villa" userId="5c282a8693169257" providerId="LiveId" clId="{09195C97-C5F0-4ECB-83D4-D1631AF5F0FD}" dt="2022-02-15T00:19:36.768" v="0" actId="20577"/>
+        <pc:sldMkLst>
+          <pc:docMk/>
+          <pc:sldMk cId="2584280759" sldId="257"/>
+        </pc:sldMkLst>
+        <pc:spChg chg="mod">
+          <ac:chgData name="Emanuel Villa" userId="5c282a8693169257" providerId="LiveId" clId="{09195C97-C5F0-4ECB-83D4-D1631AF5F0FD}" dt="2022-02-15T00:19:36.768" v="0" actId="20577"/>
+          <ac:spMkLst>
+            <pc:docMk/>
+            <pc:sldMk cId="2584280759" sldId="257"/>
+            <ac:spMk id="3" creationId="{C8722DDC-8EEE-4A06-8DFE-B44871EAA2CF}"/>
+          </ac:spMkLst>
+        </pc:spChg>
+      </pc:sldChg>
+      <pc:sldChg chg="addSp delSp mod">
+        <pc:chgData name="Emanuel Villa" userId="5c282a8693169257" providerId="LiveId" clId="{09195C97-C5F0-4ECB-83D4-D1631AF5F0FD}" dt="2022-02-15T03:30:49.461" v="483"/>
+        <pc:sldMkLst>
+          <pc:docMk/>
+          <pc:sldMk cId="404013062" sldId="263"/>
+        </pc:sldMkLst>
+        <pc:inkChg chg="add del">
+          <ac:chgData name="Emanuel Villa" userId="5c282a8693169257" providerId="LiveId" clId="{09195C97-C5F0-4ECB-83D4-D1631AF5F0FD}" dt="2022-02-15T03:30:49.461" v="483"/>
+          <ac:inkMkLst>
+            <pc:docMk/>
+            <pc:sldMk cId="404013062" sldId="263"/>
+            <ac:inkMk id="4" creationId="{9AA50CFD-A7BB-400E-8FCA-F4961D85607F}"/>
+          </ac:inkMkLst>
+        </pc:inkChg>
+        <pc:inkChg chg="add del">
+          <ac:chgData name="Emanuel Villa" userId="5c282a8693169257" providerId="LiveId" clId="{09195C97-C5F0-4ECB-83D4-D1631AF5F0FD}" dt="2022-02-15T03:30:49.458" v="482"/>
+          <ac:inkMkLst>
+            <pc:docMk/>
+            <pc:sldMk cId="404013062" sldId="263"/>
+            <ac:inkMk id="5" creationId="{47DEA496-6BEC-4ECC-86DC-6AD07961102D}"/>
+          </ac:inkMkLst>
+        </pc:inkChg>
+      </pc:sldChg>
+      <pc:sldChg chg="modSp mod">
+        <pc:chgData name="Emanuel Villa" userId="5c282a8693169257" providerId="LiveId" clId="{09195C97-C5F0-4ECB-83D4-D1631AF5F0FD}" dt="2022-02-15T02:40:18.555" v="198" actId="20577"/>
+        <pc:sldMkLst>
+          <pc:docMk/>
+          <pc:sldMk cId="377852309" sldId="265"/>
+        </pc:sldMkLst>
+        <pc:spChg chg="mod">
+          <ac:chgData name="Emanuel Villa" userId="5c282a8693169257" providerId="LiveId" clId="{09195C97-C5F0-4ECB-83D4-D1631AF5F0FD}" dt="2022-02-15T02:40:18.555" v="198" actId="20577"/>
+          <ac:spMkLst>
+            <pc:docMk/>
+            <pc:sldMk cId="377852309" sldId="265"/>
+            <ac:spMk id="7" creationId="{1A3C1A6E-C600-47CD-8EC2-0B70FE96926D}"/>
+          </ac:spMkLst>
+        </pc:spChg>
+      </pc:sldChg>
+      <pc:sldChg chg="modSp mod ord">
+        <pc:chgData name="Emanuel Villa" userId="5c282a8693169257" providerId="LiveId" clId="{09195C97-C5F0-4ECB-83D4-D1631AF5F0FD}" dt="2022-02-15T16:41:43.535" v="487"/>
+        <pc:sldMkLst>
+          <pc:docMk/>
+          <pc:sldMk cId="213121028" sldId="266"/>
+        </pc:sldMkLst>
+        <pc:spChg chg="mod">
+          <ac:chgData name="Emanuel Villa" userId="5c282a8693169257" providerId="LiveId" clId="{09195C97-C5F0-4ECB-83D4-D1631AF5F0FD}" dt="2022-02-15T02:37:19.666" v="126" actId="14100"/>
+          <ac:spMkLst>
+            <pc:docMk/>
+            <pc:sldMk cId="213121028" sldId="266"/>
+            <ac:spMk id="2" creationId="{75A77B7C-33FD-483E-844C-A0E4CCD61C67}"/>
+          </ac:spMkLst>
+        </pc:spChg>
+        <pc:spChg chg="mod">
+          <ac:chgData name="Emanuel Villa" userId="5c282a8693169257" providerId="LiveId" clId="{09195C97-C5F0-4ECB-83D4-D1631AF5F0FD}" dt="2022-02-15T02:37:24.941" v="127" actId="20577"/>
+          <ac:spMkLst>
+            <pc:docMk/>
+            <pc:sldMk cId="213121028" sldId="266"/>
+            <ac:spMk id="10" creationId="{1382F994-5450-43B0-955A-8F242E08DD71}"/>
+          </ac:spMkLst>
+        </pc:spChg>
+        <pc:spChg chg="mod">
+          <ac:chgData name="Emanuel Villa" userId="5c282a8693169257" providerId="LiveId" clId="{09195C97-C5F0-4ECB-83D4-D1631AF5F0FD}" dt="2022-02-15T02:38:39.020" v="133" actId="1076"/>
+          <ac:spMkLst>
+            <pc:docMk/>
+            <pc:sldMk cId="213121028" sldId="266"/>
+            <ac:spMk id="11" creationId="{C4ED3154-1D82-4225-B5F2-980B2CA44101}"/>
+          </ac:spMkLst>
+        </pc:spChg>
+        <pc:spChg chg="mod">
+          <ac:chgData name="Emanuel Villa" userId="5c282a8693169257" providerId="LiveId" clId="{09195C97-C5F0-4ECB-83D4-D1631AF5F0FD}" dt="2022-02-15T02:38:34.426" v="132" actId="1076"/>
+          <ac:spMkLst>
+            <pc:docMk/>
+            <pc:sldMk cId="213121028" sldId="266"/>
+            <ac:spMk id="12" creationId="{65A327CB-5DB1-42C3-91CF-456EE71D9FD9}"/>
+          </ac:spMkLst>
+        </pc:spChg>
+        <pc:picChg chg="mod">
+          <ac:chgData name="Emanuel Villa" userId="5c282a8693169257" providerId="LiveId" clId="{09195C97-C5F0-4ECB-83D4-D1631AF5F0FD}" dt="2022-02-15T02:38:24.931" v="130" actId="1076"/>
+          <ac:picMkLst>
+            <pc:docMk/>
+            <pc:sldMk cId="213121028" sldId="266"/>
+            <ac:picMk id="5" creationId="{B3B0B8DA-3871-4240-A2A3-156249A0B487}"/>
+          </ac:picMkLst>
+        </pc:picChg>
+        <pc:picChg chg="mod">
+          <ac:chgData name="Emanuel Villa" userId="5c282a8693169257" providerId="LiveId" clId="{09195C97-C5F0-4ECB-83D4-D1631AF5F0FD}" dt="2022-02-15T02:38:21.947" v="129" actId="1076"/>
+          <ac:picMkLst>
+            <pc:docMk/>
+            <pc:sldMk cId="213121028" sldId="266"/>
+            <ac:picMk id="9" creationId="{90F3EE2C-28A3-480D-A7CE-EDABCA4D26C2}"/>
+          </ac:picMkLst>
+        </pc:picChg>
+      </pc:sldChg>
+      <pc:sldChg chg="delSp modSp mod ord">
+        <pc:chgData name="Emanuel Villa" userId="5c282a8693169257" providerId="LiveId" clId="{09195C97-C5F0-4ECB-83D4-D1631AF5F0FD}" dt="2022-02-15T16:42:42.982" v="497"/>
+        <pc:sldMkLst>
+          <pc:docMk/>
+          <pc:sldMk cId="3979760519" sldId="267"/>
+        </pc:sldMkLst>
+        <pc:spChg chg="mod">
+          <ac:chgData name="Emanuel Villa" userId="5c282a8693169257" providerId="LiveId" clId="{09195C97-C5F0-4ECB-83D4-D1631AF5F0FD}" dt="2022-02-15T02:58:51.869" v="350" actId="20577"/>
+          <ac:spMkLst>
+            <pc:docMk/>
+            <pc:sldMk cId="3979760519" sldId="267"/>
+            <ac:spMk id="9" creationId="{DF365B5A-CD57-4E16-99D4-8756AF59A1F8}"/>
+          </ac:spMkLst>
+        </pc:spChg>
+        <pc:spChg chg="mod">
+          <ac:chgData name="Emanuel Villa" userId="5c282a8693169257" providerId="LiveId" clId="{09195C97-C5F0-4ECB-83D4-D1631AF5F0FD}" dt="2022-02-15T02:59:56.802" v="475" actId="20577"/>
+          <ac:spMkLst>
+            <pc:docMk/>
+            <pc:sldMk cId="3979760519" sldId="267"/>
+            <ac:spMk id="10" creationId="{1382F994-5450-43B0-955A-8F242E08DD71}"/>
+          </ac:spMkLst>
+        </pc:spChg>
+        <pc:picChg chg="mod">
+          <ac:chgData name="Emanuel Villa" userId="5c282a8693169257" providerId="LiveId" clId="{09195C97-C5F0-4ECB-83D4-D1631AF5F0FD}" dt="2022-02-15T02:58:42.387" v="345" actId="1076"/>
+          <ac:picMkLst>
+            <pc:docMk/>
+            <pc:sldMk cId="3979760519" sldId="267"/>
+            <ac:picMk id="7" creationId="{215BC6F2-D9D7-4A4B-BC06-9197171570DF}"/>
+          </ac:picMkLst>
+        </pc:picChg>
+        <pc:picChg chg="del">
+          <ac:chgData name="Emanuel Villa" userId="5c282a8693169257" providerId="LiveId" clId="{09195C97-C5F0-4ECB-83D4-D1631AF5F0FD}" dt="2022-02-15T02:45:15.797" v="341" actId="478"/>
+          <ac:picMkLst>
+            <pc:docMk/>
+            <pc:sldMk cId="3979760519" sldId="267"/>
+            <ac:picMk id="8" creationId="{622DB0EB-B300-4F7C-8049-28C812FAD8DB}"/>
+          </ac:picMkLst>
+        </pc:picChg>
+      </pc:sldChg>
+      <pc:sldChg chg="ord">
+        <pc:chgData name="Emanuel Villa" userId="5c282a8693169257" providerId="LiveId" clId="{09195C97-C5F0-4ECB-83D4-D1631AF5F0FD}" dt="2022-02-15T16:42:48.653" v="501"/>
+        <pc:sldMkLst>
+          <pc:docMk/>
+          <pc:sldMk cId="1703085492" sldId="268"/>
+        </pc:sldMkLst>
+      </pc:sldChg>
+      <pc:sldChg chg="ord">
+        <pc:chgData name="Emanuel Villa" userId="5c282a8693169257" providerId="LiveId" clId="{09195C97-C5F0-4ECB-83D4-D1631AF5F0FD}" dt="2022-02-15T16:42:45.501" v="499"/>
+        <pc:sldMkLst>
+          <pc:docMk/>
+          <pc:sldMk cId="484813950" sldId="269"/>
+        </pc:sldMkLst>
+      </pc:sldChg>
+      <pc:sldChg chg="modSp mod">
+        <pc:chgData name="Emanuel Villa" userId="5c282a8693169257" providerId="LiveId" clId="{09195C97-C5F0-4ECB-83D4-D1631AF5F0FD}" dt="2022-02-15T02:34:20.785" v="5" actId="20577"/>
+        <pc:sldMkLst>
+          <pc:docMk/>
+          <pc:sldMk cId="3271766303" sldId="271"/>
+        </pc:sldMkLst>
+        <pc:spChg chg="mod">
+          <ac:chgData name="Emanuel Villa" userId="5c282a8693169257" providerId="LiveId" clId="{09195C97-C5F0-4ECB-83D4-D1631AF5F0FD}" dt="2022-02-15T02:34:20.785" v="5" actId="20577"/>
+          <ac:spMkLst>
+            <pc:docMk/>
+            <pc:sldMk cId="3271766303" sldId="271"/>
+            <ac:spMk id="4" creationId="{4A673B90-8D4C-46CF-AC6F-4CE5A1C0151A}"/>
+          </ac:spMkLst>
+        </pc:spChg>
+      </pc:sldChg>
+      <pc:sldChg chg="addSp delSp mod ord">
+        <pc:chgData name="Emanuel Villa" userId="5c282a8693169257" providerId="LiveId" clId="{09195C97-C5F0-4ECB-83D4-D1631AF5F0FD}" dt="2022-02-15T03:30:39.117" v="481"/>
+        <pc:sldMkLst>
+          <pc:docMk/>
+          <pc:sldMk cId="1700402683" sldId="272"/>
+        </pc:sldMkLst>
+        <pc:inkChg chg="add del">
+          <ac:chgData name="Emanuel Villa" userId="5c282a8693169257" providerId="LiveId" clId="{09195C97-C5F0-4ECB-83D4-D1631AF5F0FD}" dt="2022-02-15T03:30:39.117" v="481"/>
+          <ac:inkMkLst>
+            <pc:docMk/>
+            <pc:sldMk cId="1700402683" sldId="272"/>
+            <ac:inkMk id="3" creationId="{B1E047BD-D9FA-4A03-BF11-BBBFAB6BFEFB}"/>
+          </ac:inkMkLst>
+        </pc:inkChg>
+      </pc:sldChg>
+      <pc:sldChg chg="addSp delSp modSp mod ord">
+        <pc:chgData name="Emanuel Villa" userId="5c282a8693169257" providerId="LiveId" clId="{09195C97-C5F0-4ECB-83D4-D1631AF5F0FD}" dt="2022-02-15T16:42:12.301" v="493"/>
+        <pc:sldMkLst>
+          <pc:docMk/>
+          <pc:sldMk cId="1892987204" sldId="274"/>
+        </pc:sldMkLst>
+        <pc:spChg chg="mod">
+          <ac:chgData name="Emanuel Villa" userId="5c282a8693169257" providerId="LiveId" clId="{09195C97-C5F0-4ECB-83D4-D1631AF5F0FD}" dt="2022-02-15T02:43:19.480" v="308" actId="20577"/>
+          <ac:spMkLst>
+            <pc:docMk/>
+            <pc:sldMk cId="1892987204" sldId="274"/>
+            <ac:spMk id="4" creationId="{9B408C85-1DEF-4B6F-8926-7A3E11FF7A02}"/>
+          </ac:spMkLst>
+        </pc:spChg>
+        <pc:spChg chg="add del mod">
+          <ac:chgData name="Emanuel Villa" userId="5c282a8693169257" providerId="LiveId" clId="{09195C97-C5F0-4ECB-83D4-D1631AF5F0FD}" dt="2022-02-15T02:41:14.693" v="204"/>
+          <ac:spMkLst>
+            <pc:docMk/>
+            <pc:sldMk cId="1892987204" sldId="274"/>
+            <ac:spMk id="5" creationId="{557A8557-8146-429E-9190-621F63AE8D06}"/>
+          </ac:spMkLst>
+        </pc:spChg>
+        <pc:spChg chg="mod">
+          <ac:chgData name="Emanuel Villa" userId="5c282a8693169257" providerId="LiveId" clId="{09195C97-C5F0-4ECB-83D4-D1631AF5F0FD}" dt="2022-02-15T02:42:44.415" v="232" actId="20577"/>
+          <ac:spMkLst>
+            <pc:docMk/>
+            <pc:sldMk cId="1892987204" sldId="274"/>
+            <ac:spMk id="20" creationId="{4FFF714F-DDA4-4AC3-8B95-20022241CBF5}"/>
+          </ac:spMkLst>
+        </pc:spChg>
+        <pc:picChg chg="del">
+          <ac:chgData name="Emanuel Villa" userId="5c282a8693169257" providerId="LiveId" clId="{09195C97-C5F0-4ECB-83D4-D1631AF5F0FD}" dt="2022-02-15T02:40:54.952" v="200" actId="478"/>
+          <ac:picMkLst>
+            <pc:docMk/>
+            <pc:sldMk cId="1892987204" sldId="274"/>
+            <ac:picMk id="6" creationId="{F9485AFD-D5E2-4711-941A-9849EF62DB70}"/>
+          </ac:picMkLst>
+        </pc:picChg>
+        <pc:picChg chg="del">
+          <ac:chgData name="Emanuel Villa" userId="5c282a8693169257" providerId="LiveId" clId="{09195C97-C5F0-4ECB-83D4-D1631AF5F0FD}" dt="2022-02-15T02:40:53.135" v="199" actId="478"/>
+          <ac:picMkLst>
+            <pc:docMk/>
+            <pc:sldMk cId="1892987204" sldId="274"/>
+            <ac:picMk id="9" creationId="{312CC7AB-6711-4256-BFD8-9C0C93A7C727}"/>
+          </ac:picMkLst>
+        </pc:picChg>
+        <pc:picChg chg="add mod">
+          <ac:chgData name="Emanuel Villa" userId="5c282a8693169257" providerId="LiveId" clId="{09195C97-C5F0-4ECB-83D4-D1631AF5F0FD}" dt="2022-02-15T02:42:07.986" v="218" actId="1076"/>
+          <ac:picMkLst>
+            <pc:docMk/>
+            <pc:sldMk cId="1892987204" sldId="274"/>
+            <ac:picMk id="11" creationId="{FB8CCA09-1E14-4321-9520-A6FAFE629DA0}"/>
+          </ac:picMkLst>
+        </pc:picChg>
+        <pc:picChg chg="del">
+          <ac:chgData name="Emanuel Villa" userId="5c282a8693169257" providerId="LiveId" clId="{09195C97-C5F0-4ECB-83D4-D1631AF5F0FD}" dt="2022-02-15T02:41:05.108" v="203" actId="478"/>
+          <ac:picMkLst>
+            <pc:docMk/>
+            <pc:sldMk cId="1892987204" sldId="274"/>
+            <ac:picMk id="12" creationId="{B5C93C7E-31A0-40BF-91D9-691CB9A7A87A}"/>
+          </ac:picMkLst>
+        </pc:picChg>
+        <pc:picChg chg="add mod">
+          <ac:chgData name="Emanuel Villa" userId="5c282a8693169257" providerId="LiveId" clId="{09195C97-C5F0-4ECB-83D4-D1631AF5F0FD}" dt="2022-02-15T02:42:21.042" v="221" actId="14100"/>
+          <ac:picMkLst>
+            <pc:docMk/>
+            <pc:sldMk cId="1892987204" sldId="274"/>
+            <ac:picMk id="13" creationId="{B95256B8-8DC6-457B-AE8D-FDC8B81F0A6A}"/>
+          </ac:picMkLst>
+        </pc:picChg>
+        <pc:picChg chg="add mod">
+          <ac:chgData name="Emanuel Villa" userId="5c282a8693169257" providerId="LiveId" clId="{09195C97-C5F0-4ECB-83D4-D1631AF5F0FD}" dt="2022-02-15T02:42:11.979" v="219" actId="1076"/>
+          <ac:picMkLst>
+            <pc:docMk/>
+            <pc:sldMk cId="1892987204" sldId="274"/>
+            <ac:picMk id="14" creationId="{15846255-AEC7-477A-96AC-AC28A06B3A01}"/>
+          </ac:picMkLst>
+        </pc:picChg>
+        <pc:picChg chg="del mod">
+          <ac:chgData name="Emanuel Villa" userId="5c282a8693169257" providerId="LiveId" clId="{09195C97-C5F0-4ECB-83D4-D1631AF5F0FD}" dt="2022-02-15T02:41:04.043" v="202" actId="478"/>
+          <ac:picMkLst>
+            <pc:docMk/>
+            <pc:sldMk cId="1892987204" sldId="274"/>
+            <ac:picMk id="15" creationId="{A75C6BF4-9A35-4278-B62B-0A8A117BA323}"/>
+          </ac:picMkLst>
+        </pc:picChg>
+        <pc:picChg chg="add mod">
+          <ac:chgData name="Emanuel Villa" userId="5c282a8693169257" providerId="LiveId" clId="{09195C97-C5F0-4ECB-83D4-D1631AF5F0FD}" dt="2022-02-15T02:42:26.882" v="223" actId="14100"/>
+          <ac:picMkLst>
+            <pc:docMk/>
+            <pc:sldMk cId="1892987204" sldId="274"/>
+            <ac:picMk id="16" creationId="{3758999E-2E86-4BA1-BF31-07377AB9084E}"/>
+          </ac:picMkLst>
+        </pc:picChg>
+      </pc:sldChg>
+    </pc:docChg>
+  </pc:docChgLst>
   <pc:docChgLst>
     <pc:chgData name="Emanuel Villa" userId="5c282a8693169257" providerId="LiveId" clId="{404800CD-CA5B-4E0E-949C-32FD67085100}"/>
     <pc:docChg chg="undo custSel addSld modSld sldOrd">
@@ -1055,7 +1351,7 @@
           <a:p>
             <a:fld id="{EA0C0817-A112-4847-8014-A94B7D2A4EA3}" type="datetime1">
               <a:rPr lang="en-US" smtClean="0"/>
-              <a:t>2/12/2022</a:t>
+              <a:t>2/14/2022</a:t>
             </a:fld>
             <a:endParaRPr lang="en-US" dirty="0"/>
           </a:p>
@@ -1257,7 +1553,7 @@
           <a:p>
             <a:fld id="{7332B432-ACDA-4023-A761-2BAB76577B62}" type="datetime1">
               <a:rPr lang="en-US" smtClean="0"/>
-              <a:t>2/12/2022</a:t>
+              <a:t>2/14/2022</a:t>
             </a:fld>
             <a:endParaRPr lang="en-US" dirty="0"/>
           </a:p>
@@ -1856,7 +2152,7 @@
           <a:p>
             <a:fld id="{D9C646AA-F36E-4540-911D-FFFC0A0EF24A}" type="datetime1">
               <a:rPr lang="en-US" smtClean="0"/>
-              <a:t>2/12/2022</a:t>
+              <a:t>2/14/2022</a:t>
             </a:fld>
             <a:endParaRPr lang="en-US" dirty="0"/>
           </a:p>
@@ -2176,7 +2472,7 @@
           <a:p>
             <a:fld id="{69186D26-FA5F-4637-B602-B7C2DC34CFD4}" type="datetime1">
               <a:rPr lang="en-US" smtClean="0"/>
-              <a:t>2/12/2022</a:t>
+              <a:t>2/14/2022</a:t>
             </a:fld>
             <a:endParaRPr lang="en-US" dirty="0"/>
           </a:p>
@@ -2613,7 +2909,7 @@
           <a:p>
             <a:fld id="{8A7F15D8-96D1-4781-BC50-CA8A088B2FE4}" type="datetime1">
               <a:rPr lang="en-US" smtClean="0"/>
-              <a:t>2/12/2022</a:t>
+              <a:t>2/14/2022</a:t>
             </a:fld>
             <a:endParaRPr lang="en-US" dirty="0"/>
           </a:p>
@@ -2731,7 +3027,7 @@
           <a:p>
             <a:fld id="{F9A96C99-B8F8-4528-BD05-0E16E943DC09}" type="datetime1">
               <a:rPr lang="en-US" smtClean="0"/>
-              <a:t>2/12/2022</a:t>
+              <a:t>2/14/2022</a:t>
             </a:fld>
             <a:endParaRPr lang="en-US" dirty="0"/>
           </a:p>
@@ -2826,7 +3122,7 @@
           <a:p>
             <a:fld id="{03636942-C211-4B28-8DBD-C953E00AF71B}" type="datetime1">
               <a:rPr lang="en-US" smtClean="0"/>
-              <a:t>2/12/2022</a:t>
+              <a:t>2/14/2022</a:t>
             </a:fld>
             <a:endParaRPr lang="en-US" dirty="0"/>
           </a:p>
@@ -3243,7 +3539,7 @@
           <a:p>
             <a:fld id="{7E8D12A6-918A-48BD-8CB9-CA713993B0EA}" type="datetime1">
               <a:rPr lang="en-US" smtClean="0"/>
-              <a:t>2/12/2022</a:t>
+              <a:t>2/14/2022</a:t>
             </a:fld>
             <a:endParaRPr lang="en-US" dirty="0"/>
           </a:p>
@@ -3505,7 +3801,7 @@
             <a:fld id="{E778CE86-875F-4587-BCF6-FA054AFC0D53}" type="datetime1">
               <a:rPr lang="en-US" smtClean="0"/>
               <a:pPr/>
-              <a:t>2/12/2022</a:t>
+              <a:t>2/14/2022</a:t>
             </a:fld>
             <a:endParaRPr lang="en-US" dirty="0"/>
           </a:p>
@@ -4021,7 +4317,7 @@
           <a:p>
             <a:fld id="{F6FA2B21-3FCD-4721-B95C-427943F61125}" type="datetime1">
               <a:rPr lang="en-US" smtClean="0"/>
-              <a:t>2/12/2022</a:t>
+              <a:t>2/14/2022</a:t>
             </a:fld>
             <a:endParaRPr lang="en-US" dirty="0"/>
           </a:p>
@@ -4789,6 +5085,18 @@
                 <a:spcPts val="600"/>
               </a:spcAft>
             </a:pPr>
+            <a:endParaRPr lang="en-US" sz="1100" dirty="0">
+              <a:solidFill>
+                <a:schemeClr val="tx1"/>
+              </a:solidFill>
+            </a:endParaRPr>
+          </a:p>
+          <a:p>
+            <a:pPr>
+              <a:spcAft>
+                <a:spcPts val="600"/>
+              </a:spcAft>
+            </a:pPr>
             <a:endParaRPr lang="en-US" dirty="0">
               <a:solidFill>
                 <a:schemeClr val="tx1"/>
@@ -4880,7 +5188,7 @@
           <p:cNvPr id="2" name="Title 1">
             <a:extLst>
               <a:ext uri="{FF2B5EF4-FFF2-40B4-BE49-F238E27FC236}">
-                <a16:creationId xmlns:a16="http://schemas.microsoft.com/office/drawing/2014/main" id="{75A77B7C-33FD-483E-844C-A0E4CCD61C67}"/>
+                <a16:creationId xmlns:a16="http://schemas.microsoft.com/office/drawing/2014/main" id="{EAD0C8B5-6B5B-4F41-A718-7FBA3FEA3AB4}"/>
               </a:ext>
             </a:extLst>
           </p:cNvPr>
@@ -4893,18 +5201,19 @@
         </p:nvSpPr>
         <p:spPr>
           <a:xfrm>
-            <a:off x="8458200" y="2173644"/>
-            <a:ext cx="3161963" cy="462456"/>
-          </a:xfrm>
-        </p:spPr>
-        <p:txBody>
-          <a:bodyPr anchor="b">
+            <a:off x="8458200" y="1132405"/>
+            <a:ext cx="3161963" cy="526464"/>
+          </a:xfrm>
+        </p:spPr>
+        <p:txBody>
+          <a:bodyPr>
             <a:normAutofit/>
           </a:bodyPr>
           <a:lstStyle/>
           <a:p>
-            <a:r>
-              <a:rPr lang="en-US" sz="2200" dirty="0"/>
+            <a:pPr algn="ctr"/>
+            <a:r>
+              <a:rPr lang="en-US" sz="2400" dirty="0"/>
               <a:t>Energy Price Trends</a:t>
             </a:r>
           </a:p>
@@ -4912,10 +5221,10 @@
       </p:sp>
       <p:sp>
         <p:nvSpPr>
-          <p:cNvPr id="10" name="Text Placeholder 3">
+          <p:cNvPr id="4" name="Text Placeholder 3">
             <a:extLst>
               <a:ext uri="{FF2B5EF4-FFF2-40B4-BE49-F238E27FC236}">
-                <a16:creationId xmlns:a16="http://schemas.microsoft.com/office/drawing/2014/main" id="{1382F994-5450-43B0-955A-8F242E08DD71}"/>
+                <a16:creationId xmlns:a16="http://schemas.microsoft.com/office/drawing/2014/main" id="{9B408C85-1DEF-4B6F-8926-7A3E11FF7A02}"/>
               </a:ext>
             </a:extLst>
           </p:cNvPr>
@@ -4928,13 +5237,29 @@
         </p:nvSpPr>
         <p:spPr>
           <a:xfrm>
-            <a:off x="8458200" y="2853345"/>
-            <a:ext cx="3161963" cy="2635465"/>
-          </a:xfrm>
-        </p:spPr>
-        <p:txBody>
-          <a:bodyPr/>
+            <a:off x="8458200" y="1987065"/>
+            <a:ext cx="3161963" cy="2655824"/>
+          </a:xfrm>
+        </p:spPr>
+        <p:txBody>
+          <a:bodyPr>
+            <a:normAutofit/>
+          </a:bodyPr>
           <a:lstStyle/>
+          <a:p>
+            <a:pPr algn="ctr"/>
+            <a:r>
+              <a:rPr lang="en-US" sz="1600" dirty="0"/>
+              <a:t>In the last four years the South has had small increments to price.</a:t>
+            </a:r>
+          </a:p>
+          <a:p>
+            <a:pPr algn="ctr"/>
+            <a:r>
+              <a:rPr lang="en-US" sz="1600" dirty="0"/>
+              <a:t>The Midwest has had a high increase between 2007-2017</a:t>
+            </a:r>
+          </a:p>
           <a:p>
             <a:pPr algn="ctr"/>
             <a:r>
@@ -4943,16 +5268,24 @@
             </a:r>
           </a:p>
           <a:p>
-            <a:endParaRPr lang="en-US" dirty="0"/>
-          </a:p>
-        </p:txBody>
-      </p:sp>
-      <p:sp>
-        <p:nvSpPr>
-          <p:cNvPr id="9" name="TextBox 8">
+            <a:pPr algn="ctr"/>
+            <a:endParaRPr lang="en-US" sz="1600" dirty="0"/>
+          </a:p>
+          <a:p>
+            <a:pPr algn="ctr"/>
+            <a:r>
+              <a:rPr lang="en-US" sz="1600" dirty="0"/>
+              <a:t> </a:t>
+            </a:r>
+          </a:p>
+        </p:txBody>
+      </p:sp>
+      <p:sp>
+        <p:nvSpPr>
+          <p:cNvPr id="20" name="TextBox 19">
             <a:extLst>
               <a:ext uri="{FF2B5EF4-FFF2-40B4-BE49-F238E27FC236}">
-                <a16:creationId xmlns:a16="http://schemas.microsoft.com/office/drawing/2014/main" id="{DF365B5A-CD57-4E16-99D4-8756AF59A1F8}"/>
+                <a16:creationId xmlns:a16="http://schemas.microsoft.com/office/drawing/2014/main" id="{4FFF714F-DDA4-4AC3-8B95-20022241CBF5}"/>
               </a:ext>
             </a:extLst>
           </p:cNvPr>
@@ -4961,8 +5294,8 @@
         </p:nvSpPr>
         <p:spPr>
           <a:xfrm>
-            <a:off x="2261975" y="723900"/>
-            <a:ext cx="4291225" cy="369332"/>
+            <a:off x="1907574" y="594548"/>
+            <a:ext cx="4480560" cy="369332"/>
           </a:xfrm>
           <a:prstGeom prst="rect">
             <a:avLst/>
@@ -5007,17 +5340,17 @@
                 <a:ea typeface="+mn-ea"/>
                 <a:cs typeface="+mn-cs"/>
               </a:rPr>
-              <a:t>Side by Side Price Commentary</a:t>
+              <a:t>Energy Price Trends per U.S. Region</a:t>
             </a:r>
           </a:p>
         </p:txBody>
       </p:sp>
       <p:pic>
         <p:nvPicPr>
-          <p:cNvPr id="6" name="Picture 5">
+          <p:cNvPr id="8" name="Picture 7">
             <a:extLst>
               <a:ext uri="{FF2B5EF4-FFF2-40B4-BE49-F238E27FC236}">
-                <a16:creationId xmlns:a16="http://schemas.microsoft.com/office/drawing/2014/main" id="{F241FF86-48C3-4E72-8401-D3CB8996A640}"/>
+                <a16:creationId xmlns:a16="http://schemas.microsoft.com/office/drawing/2014/main" id="{33B37FE9-8070-475C-B82E-C5B399B87C02}"/>
               </a:ext>
             </a:extLst>
           </p:cNvPr>
@@ -5034,8 +5367,8 @@
         </p:blipFill>
         <p:spPr>
           <a:xfrm>
-            <a:off x="489026" y="2753897"/>
-            <a:ext cx="3696216" cy="2886478"/>
+            <a:off x="571837" y="1064363"/>
+            <a:ext cx="3373154" cy="2655825"/>
           </a:xfrm>
           <a:prstGeom prst="rect">
             <a:avLst/>
@@ -5044,10 +5377,10 @@
       </p:pic>
       <p:pic>
         <p:nvPicPr>
-          <p:cNvPr id="12" name="Picture 11">
+          <p:cNvPr id="11" name="Picture 10">
             <a:extLst>
               <a:ext uri="{FF2B5EF4-FFF2-40B4-BE49-F238E27FC236}">
-                <a16:creationId xmlns:a16="http://schemas.microsoft.com/office/drawing/2014/main" id="{4E3A2816-6853-466B-BCCD-EB7CE2A102AD}"/>
+                <a16:creationId xmlns:a16="http://schemas.microsoft.com/office/drawing/2014/main" id="{FBBF011A-DF74-4D43-B392-7F6D6FE766DB}"/>
               </a:ext>
             </a:extLst>
           </p:cNvPr>
@@ -5064,8 +5397,68 @@
         </p:blipFill>
         <p:spPr>
           <a:xfrm>
-            <a:off x="4399447" y="2565668"/>
-            <a:ext cx="3393105" cy="3262935"/>
+            <a:off x="4559121" y="1064363"/>
+            <a:ext cx="3523924" cy="2694240"/>
+          </a:xfrm>
+          <a:prstGeom prst="rect">
+            <a:avLst/>
+          </a:prstGeom>
+        </p:spPr>
+      </p:pic>
+      <p:pic>
+        <p:nvPicPr>
+          <p:cNvPr id="14" name="Picture 13">
+            <a:extLst>
+              <a:ext uri="{FF2B5EF4-FFF2-40B4-BE49-F238E27FC236}">
+                <a16:creationId xmlns:a16="http://schemas.microsoft.com/office/drawing/2014/main" id="{6D80A884-7D50-4767-8A4A-305B64395AB5}"/>
+              </a:ext>
+            </a:extLst>
+          </p:cNvPr>
+          <p:cNvPicPr>
+            <a:picLocks noChangeAspect="1"/>
+          </p:cNvPicPr>
+          <p:nvPr/>
+        </p:nvPicPr>
+        <p:blipFill>
+          <a:blip r:embed="rId4"/>
+          <a:stretch>
+            <a:fillRect/>
+          </a:stretch>
+        </p:blipFill>
+        <p:spPr>
+          <a:xfrm>
+            <a:off x="571837" y="3976044"/>
+            <a:ext cx="3398409" cy="2655826"/>
+          </a:xfrm>
+          <a:prstGeom prst="rect">
+            <a:avLst/>
+          </a:prstGeom>
+        </p:spPr>
+      </p:pic>
+      <p:pic>
+        <p:nvPicPr>
+          <p:cNvPr id="17" name="Picture 16">
+            <a:extLst>
+              <a:ext uri="{FF2B5EF4-FFF2-40B4-BE49-F238E27FC236}">
+                <a16:creationId xmlns:a16="http://schemas.microsoft.com/office/drawing/2014/main" id="{6A278536-347B-4A9B-8232-745763532DAD}"/>
+              </a:ext>
+            </a:extLst>
+          </p:cNvPr>
+          <p:cNvPicPr>
+            <a:picLocks noChangeAspect="1"/>
+          </p:cNvPicPr>
+          <p:nvPr/>
+        </p:nvPicPr>
+        <p:blipFill>
+          <a:blip r:embed="rId5"/>
+          <a:stretch>
+            <a:fillRect/>
+          </a:stretch>
+        </p:blipFill>
+        <p:spPr>
+          <a:xfrm>
+            <a:off x="4559121" y="3977958"/>
+            <a:ext cx="3398409" cy="2653912"/>
           </a:xfrm>
           <a:prstGeom prst="rect">
             <a:avLst/>
@@ -5075,7 +5468,7 @@
     </p:spTree>
     <p:extLst>
       <p:ext uri="{BB962C8B-B14F-4D97-AF65-F5344CB8AC3E}">
-        <p14:creationId xmlns:p14="http://schemas.microsoft.com/office/powerpoint/2010/main" val="525377556"/>
+        <p14:creationId xmlns:p14="http://schemas.microsoft.com/office/powerpoint/2010/main" val="484813950"/>
       </p:ext>
     </p:extLst>
   </p:cSld>
@@ -5107,7 +5500,7 @@
           <p:cNvPr id="2" name="Title 1">
             <a:extLst>
               <a:ext uri="{FF2B5EF4-FFF2-40B4-BE49-F238E27FC236}">
-                <a16:creationId xmlns:a16="http://schemas.microsoft.com/office/drawing/2014/main" id="{75A77B7C-33FD-483E-844C-A0E4CCD61C67}"/>
+                <a16:creationId xmlns:a16="http://schemas.microsoft.com/office/drawing/2014/main" id="{EAD0C8B5-6B5B-4F41-A718-7FBA3FEA3AB4}"/>
               </a:ext>
             </a:extLst>
           </p:cNvPr>
@@ -5120,30 +5513,30 @@
         </p:nvSpPr>
         <p:spPr>
           <a:xfrm>
-            <a:off x="8458200" y="607392"/>
-            <a:ext cx="3161963" cy="901368"/>
-          </a:xfrm>
-        </p:spPr>
-        <p:txBody>
-          <a:bodyPr anchor="b">
-            <a:normAutofit/>
+            <a:off x="8458200" y="1132405"/>
+            <a:ext cx="3161963" cy="526464"/>
+          </a:xfrm>
+        </p:spPr>
+        <p:txBody>
+          <a:bodyPr>
+            <a:normAutofit fontScale="90000"/>
           </a:bodyPr>
           <a:lstStyle/>
           <a:p>
             <a:pPr algn="ctr"/>
             <a:r>
-              <a:rPr lang="en-US" sz="2200" dirty="0"/>
-              <a:t>Data collected over 10 years</a:t>
+              <a:rPr lang="en-US" sz="2400" dirty="0"/>
+              <a:t>Energy Usage Trends</a:t>
             </a:r>
           </a:p>
         </p:txBody>
       </p:sp>
       <p:pic>
         <p:nvPicPr>
-          <p:cNvPr id="5" name="Content Placeholder 4">
+          <p:cNvPr id="6" name="Content Placeholder 5">
             <a:extLst>
               <a:ext uri="{FF2B5EF4-FFF2-40B4-BE49-F238E27FC236}">
-                <a16:creationId xmlns:a16="http://schemas.microsoft.com/office/drawing/2014/main" id="{B3B0B8DA-3871-4240-A2A3-156249A0B487}"/>
+                <a16:creationId xmlns:a16="http://schemas.microsoft.com/office/drawing/2014/main" id="{F9485AFD-D5E2-4711-941A-9849EF62DB70}"/>
               </a:ext>
             </a:extLst>
           </p:cNvPr>
@@ -5162,18 +5555,17 @@
         </p:blipFill>
         <p:spPr>
           <a:xfrm>
-            <a:off x="2174577" y="1402206"/>
-            <a:ext cx="4110228" cy="2142663"/>
-          </a:xfrm>
-          <a:noFill/>
+            <a:off x="4147854" y="1289304"/>
+            <a:ext cx="3359371" cy="2434556"/>
+          </a:xfrm>
         </p:spPr>
       </p:pic>
       <p:sp>
         <p:nvSpPr>
-          <p:cNvPr id="10" name="Text Placeholder 3">
+          <p:cNvPr id="4" name="Text Placeholder 3">
             <a:extLst>
               <a:ext uri="{FF2B5EF4-FFF2-40B4-BE49-F238E27FC236}">
-                <a16:creationId xmlns:a16="http://schemas.microsoft.com/office/drawing/2014/main" id="{1382F994-5450-43B0-955A-8F242E08DD71}"/>
+                <a16:creationId xmlns:a16="http://schemas.microsoft.com/office/drawing/2014/main" id="{9B408C85-1DEF-4B6F-8926-7A3E11FF7A02}"/>
               </a:ext>
             </a:extLst>
           </p:cNvPr>
@@ -5186,70 +5578,45 @@
         </p:nvSpPr>
         <p:spPr>
           <a:xfrm>
-            <a:off x="8458200" y="2336800"/>
-            <a:ext cx="3161963" cy="3606800"/>
+            <a:off x="8458200" y="1987065"/>
+            <a:ext cx="3161963" cy="2655824"/>
           </a:xfrm>
         </p:spPr>
         <p:txBody>
           <a:bodyPr>
-            <a:normAutofit/>
+            <a:normAutofit fontScale="85000" lnSpcReduction="10000"/>
           </a:bodyPr>
           <a:lstStyle/>
           <a:p>
             <a:pPr algn="ctr"/>
             <a:r>
               <a:rPr lang="en-US" sz="1600" dirty="0"/>
-              <a:t>Consumption in the South is very high as a Region.</a:t>
+              <a:t>Energy usage is considerable higher in the South region.</a:t>
             </a:r>
           </a:p>
           <a:p>
             <a:pPr algn="ctr"/>
             <a:r>
               <a:rPr lang="en-US" sz="1600" dirty="0"/>
-              <a:t> However, California seems to be higher usage compared to the other state in its region.</a:t>
+              <a:t>Usage in the West has a low rate of increase, despite having California as much higher usage state.</a:t>
             </a:r>
           </a:p>
           <a:p>
             <a:pPr algn="ctr"/>
             <a:r>
               <a:rPr lang="en-US" sz="1600" dirty="0"/>
-              <a:t>The price is much higher in the northeast region and it doe have one hotspot in Pennsylvania.</a:t>
-            </a:r>
-          </a:p>
-        </p:txBody>
-      </p:sp>
-      <p:sp>
-        <p:nvSpPr>
-          <p:cNvPr id="6" name="TextBox 5">
-            <a:extLst>
-              <a:ext uri="{FF2B5EF4-FFF2-40B4-BE49-F238E27FC236}">
-                <a16:creationId xmlns:a16="http://schemas.microsoft.com/office/drawing/2014/main" id="{D6B28FEB-2209-4F9F-B088-9DB4D9A3C5C1}"/>
-              </a:ext>
-            </a:extLst>
-          </p:cNvPr>
-          <p:cNvSpPr txBox="1"/>
-          <p:nvPr/>
-        </p:nvSpPr>
-        <p:spPr>
-          <a:xfrm>
-            <a:off x="2231135" y="437544"/>
-            <a:ext cx="3931920" cy="369332"/>
-          </a:xfrm>
-          <a:prstGeom prst="rect">
-            <a:avLst/>
-          </a:prstGeom>
-          <a:noFill/>
-        </p:spPr>
-        <p:txBody>
-          <a:bodyPr wrap="square" rtlCol="0">
-            <a:spAutoFit/>
-          </a:bodyPr>
-          <a:lstStyle/>
+              <a:t>The Midwest showed a higher rate of increase during this time period.</a:t>
+            </a:r>
+          </a:p>
           <a:p>
             <a:pPr algn="ctr"/>
-            <a:r>
-              <a:rPr lang="en-US" dirty="0"/>
-              <a:t>Comparing Price vs Usage</a:t>
+            <a:endParaRPr lang="en-US" sz="1600" dirty="0"/>
+          </a:p>
+          <a:p>
+            <a:pPr algn="ctr"/>
+            <a:r>
+              <a:rPr lang="en-US" sz="1600" dirty="0"/>
+              <a:t> </a:t>
             </a:r>
           </a:p>
         </p:txBody>
@@ -5259,7 +5626,7 @@
           <p:cNvPr id="9" name="Picture 8">
             <a:extLst>
               <a:ext uri="{FF2B5EF4-FFF2-40B4-BE49-F238E27FC236}">
-                <a16:creationId xmlns:a16="http://schemas.microsoft.com/office/drawing/2014/main" id="{90F3EE2C-28A3-480D-A7CE-EDABCA4D26C2}"/>
+                <a16:creationId xmlns:a16="http://schemas.microsoft.com/office/drawing/2014/main" id="{312CC7AB-6711-4256-BFD8-9C0C93A7C727}"/>
               </a:ext>
             </a:extLst>
           </p:cNvPr>
@@ -5276,20 +5643,80 @@
         </p:blipFill>
         <p:spPr>
           <a:xfrm>
-            <a:off x="2141982" y="4140200"/>
-            <a:ext cx="4175419" cy="2142664"/>
+            <a:off x="566169" y="1395637"/>
+            <a:ext cx="3331010" cy="2402695"/>
           </a:xfrm>
           <a:prstGeom prst="rect">
             <a:avLst/>
           </a:prstGeom>
         </p:spPr>
       </p:pic>
-      <p:sp>
-        <p:nvSpPr>
-          <p:cNvPr id="11" name="TextBox 10">
+      <p:pic>
+        <p:nvPicPr>
+          <p:cNvPr id="12" name="Picture 11">
             <a:extLst>
               <a:ext uri="{FF2B5EF4-FFF2-40B4-BE49-F238E27FC236}">
-                <a16:creationId xmlns:a16="http://schemas.microsoft.com/office/drawing/2014/main" id="{C4ED3154-1D82-4225-B5F2-980B2CA44101}"/>
+                <a16:creationId xmlns:a16="http://schemas.microsoft.com/office/drawing/2014/main" id="{B5C93C7E-31A0-40BF-91D9-691CB9A7A87A}"/>
+              </a:ext>
+            </a:extLst>
+          </p:cNvPr>
+          <p:cNvPicPr>
+            <a:picLocks noChangeAspect="1"/>
+          </p:cNvPicPr>
+          <p:nvPr/>
+        </p:nvPicPr>
+        <p:blipFill>
+          <a:blip r:embed="rId4"/>
+          <a:stretch>
+            <a:fillRect/>
+          </a:stretch>
+        </p:blipFill>
+        <p:spPr>
+          <a:xfrm>
+            <a:off x="566169" y="4014216"/>
+            <a:ext cx="3359370" cy="2446066"/>
+          </a:xfrm>
+          <a:prstGeom prst="rect">
+            <a:avLst/>
+          </a:prstGeom>
+        </p:spPr>
+      </p:pic>
+      <p:pic>
+        <p:nvPicPr>
+          <p:cNvPr id="15" name="Picture 14">
+            <a:extLst>
+              <a:ext uri="{FF2B5EF4-FFF2-40B4-BE49-F238E27FC236}">
+                <a16:creationId xmlns:a16="http://schemas.microsoft.com/office/drawing/2014/main" id="{A75C6BF4-9A35-4278-B62B-0A8A117BA323}"/>
+              </a:ext>
+            </a:extLst>
+          </p:cNvPr>
+          <p:cNvPicPr>
+            <a:picLocks noChangeAspect="1"/>
+          </p:cNvPicPr>
+          <p:nvPr/>
+        </p:nvPicPr>
+        <p:blipFill>
+          <a:blip r:embed="rId5"/>
+          <a:stretch>
+            <a:fillRect/>
+          </a:stretch>
+        </p:blipFill>
+        <p:spPr>
+          <a:xfrm>
+            <a:off x="4147854" y="3945128"/>
+            <a:ext cx="3359370" cy="2448220"/>
+          </a:xfrm>
+          <a:prstGeom prst="rect">
+            <a:avLst/>
+          </a:prstGeom>
+        </p:spPr>
+      </p:pic>
+      <p:sp>
+        <p:nvSpPr>
+          <p:cNvPr id="20" name="TextBox 19">
+            <a:extLst>
+              <a:ext uri="{FF2B5EF4-FFF2-40B4-BE49-F238E27FC236}">
+                <a16:creationId xmlns:a16="http://schemas.microsoft.com/office/drawing/2014/main" id="{4FFF714F-DDA4-4AC3-8B95-20022241CBF5}"/>
               </a:ext>
             </a:extLst>
           </p:cNvPr>
@@ -5298,8 +5725,8 @@
         </p:nvSpPr>
         <p:spPr>
           <a:xfrm>
-            <a:off x="3136391" y="1085285"/>
-            <a:ext cx="2121408" cy="307777"/>
+            <a:off x="1907574" y="594548"/>
+            <a:ext cx="4480560" cy="369332"/>
           </a:xfrm>
           <a:prstGeom prst="rect">
             <a:avLst/>
@@ -5314,44 +5741,8 @@
           <a:p>
             <a:pPr algn="ctr"/>
             <a:r>
-              <a:rPr lang="en-US" sz="1400" dirty="0"/>
-              <a:t>Price Heatmap</a:t>
-            </a:r>
-          </a:p>
-        </p:txBody>
-      </p:sp>
-      <p:sp>
-        <p:nvSpPr>
-          <p:cNvPr id="12" name="TextBox 11">
-            <a:extLst>
-              <a:ext uri="{FF2B5EF4-FFF2-40B4-BE49-F238E27FC236}">
-                <a16:creationId xmlns:a16="http://schemas.microsoft.com/office/drawing/2014/main" id="{65A327CB-5DB1-42C3-91CF-456EE71D9FD9}"/>
-              </a:ext>
-            </a:extLst>
-          </p:cNvPr>
-          <p:cNvSpPr txBox="1"/>
-          <p:nvPr/>
-        </p:nvSpPr>
-        <p:spPr>
-          <a:xfrm>
-            <a:off x="3136391" y="3832422"/>
-            <a:ext cx="2121408" cy="307777"/>
-          </a:xfrm>
-          <a:prstGeom prst="rect">
-            <a:avLst/>
-          </a:prstGeom>
-          <a:noFill/>
-        </p:spPr>
-        <p:txBody>
-          <a:bodyPr wrap="square" rtlCol="0">
-            <a:spAutoFit/>
-          </a:bodyPr>
-          <a:lstStyle/>
-          <a:p>
-            <a:pPr algn="ctr"/>
-            <a:r>
-              <a:rPr lang="en-US" sz="1400" dirty="0"/>
-              <a:t>Usage Heatmap</a:t>
+              <a:rPr lang="en-US" dirty="0"/>
+              <a:t>Energy Usage Trends per U.S. Region</a:t>
             </a:r>
           </a:p>
         </p:txBody>
@@ -5359,7 +5750,7 @@
     </p:spTree>
     <p:extLst>
       <p:ext uri="{BB962C8B-B14F-4D97-AF65-F5344CB8AC3E}">
-        <p14:creationId xmlns:p14="http://schemas.microsoft.com/office/powerpoint/2010/main" val="213121028"/>
+        <p14:creationId xmlns:p14="http://schemas.microsoft.com/office/powerpoint/2010/main" val="1703085492"/>
       </p:ext>
     </p:extLst>
   </p:cSld>
@@ -5391,7 +5782,7 @@
           <p:cNvPr id="2" name="Title 1">
             <a:extLst>
               <a:ext uri="{FF2B5EF4-FFF2-40B4-BE49-F238E27FC236}">
-                <a16:creationId xmlns:a16="http://schemas.microsoft.com/office/drawing/2014/main" id="{EAD0C8B5-6B5B-4F41-A718-7FBA3FEA3AB4}"/>
+                <a16:creationId xmlns:a16="http://schemas.microsoft.com/office/drawing/2014/main" id="{75A77B7C-33FD-483E-844C-A0E4CCD61C67}"/>
               </a:ext>
             </a:extLst>
           </p:cNvPr>
@@ -5404,30 +5795,29 @@
         </p:nvSpPr>
         <p:spPr>
           <a:xfrm>
-            <a:off x="8482385" y="1498165"/>
-            <a:ext cx="3161963" cy="526464"/>
-          </a:xfrm>
-        </p:spPr>
-        <p:txBody>
-          <a:bodyPr>
-            <a:normAutofit fontScale="90000"/>
+            <a:off x="8458200" y="2173644"/>
+            <a:ext cx="3161963" cy="462456"/>
+          </a:xfrm>
+        </p:spPr>
+        <p:txBody>
+          <a:bodyPr anchor="b">
+            <a:normAutofit/>
           </a:bodyPr>
           <a:lstStyle/>
           <a:p>
-            <a:pPr algn="ctr"/>
-            <a:r>
-              <a:rPr lang="en-US" sz="2400" dirty="0"/>
-              <a:t>Production Cost Trends</a:t>
-            </a:r>
-          </a:p>
-        </p:txBody>
-      </p:sp>
-      <p:sp>
-        <p:nvSpPr>
-          <p:cNvPr id="4" name="Text Placeholder 3">
+            <a:r>
+              <a:rPr lang="en-US" sz="2200" dirty="0"/>
+              <a:t>Energy Usage Trends</a:t>
+            </a:r>
+          </a:p>
+        </p:txBody>
+      </p:sp>
+      <p:sp>
+        <p:nvSpPr>
+          <p:cNvPr id="10" name="Text Placeholder 3">
             <a:extLst>
               <a:ext uri="{FF2B5EF4-FFF2-40B4-BE49-F238E27FC236}">
-                <a16:creationId xmlns:a16="http://schemas.microsoft.com/office/drawing/2014/main" id="{9B408C85-1DEF-4B6F-8926-7A3E11FF7A02}"/>
+                <a16:creationId xmlns:a16="http://schemas.microsoft.com/office/drawing/2014/main" id="{1382F994-5450-43B0-955A-8F242E08DD71}"/>
               </a:ext>
             </a:extLst>
           </p:cNvPr>
@@ -5440,141 +5830,47 @@
         </p:nvSpPr>
         <p:spPr>
           <a:xfrm>
-            <a:off x="8484939" y="2362925"/>
-            <a:ext cx="3161963" cy="2655824"/>
-          </a:xfrm>
-        </p:spPr>
-        <p:txBody>
-          <a:bodyPr>
-            <a:normAutofit lnSpcReduction="10000"/>
-          </a:bodyPr>
+            <a:off x="8458200" y="2853345"/>
+            <a:ext cx="3161963" cy="2635465"/>
+          </a:xfrm>
+        </p:spPr>
+        <p:txBody>
+          <a:bodyPr/>
           <a:lstStyle/>
           <a:p>
             <a:pPr algn="ctr"/>
             <a:r>
               <a:rPr lang="en-US" sz="1600" dirty="0"/>
-              <a:t>Monthly Rate of increase of Production Costs:</a:t>
+              <a:t>Energy usage will increase year after year.</a:t>
             </a:r>
           </a:p>
           <a:p>
             <a:pPr algn="ctr"/>
             <a:r>
               <a:rPr lang="en-US" sz="1600" dirty="0"/>
-              <a:t>North: Undetermined</a:t>
-            </a:r>
-          </a:p>
-          <a:p>
-            <a:pPr algn="ctr"/>
-            <a:r>
-              <a:rPr lang="en-US" sz="1600" dirty="0"/>
-              <a:t>South: 1.83%</a:t>
-            </a:r>
-          </a:p>
-          <a:p>
-            <a:pPr algn="ctr"/>
-            <a:r>
-              <a:rPr lang="en-US" sz="1600" dirty="0"/>
-              <a:t>Mid-West: 2.91%</a:t>
-            </a:r>
-          </a:p>
-          <a:p>
-            <a:pPr algn="ctr"/>
-            <a:r>
-              <a:rPr lang="en-US" sz="1600" dirty="0"/>
-              <a:t>West: 1.23%</a:t>
-            </a:r>
-          </a:p>
-          <a:p>
-            <a:pPr algn="ctr"/>
-            <a:endParaRPr lang="en-US" sz="1600" dirty="0"/>
-          </a:p>
-          <a:p>
-            <a:pPr algn="ctr"/>
-            <a:r>
-              <a:rPr lang="en-US" sz="1600" dirty="0"/>
-              <a:t> </a:t>
-            </a:r>
-          </a:p>
-        </p:txBody>
-      </p:sp>
-      <p:sp>
-        <p:nvSpPr>
-          <p:cNvPr id="20" name="TextBox 19">
+              <a:t>.</a:t>
+            </a:r>
+          </a:p>
+          <a:p>
+            <a:endParaRPr lang="en-US" dirty="0"/>
+          </a:p>
+        </p:txBody>
+      </p:sp>
+      <p:pic>
+        <p:nvPicPr>
+          <p:cNvPr id="7" name="Content Placeholder 6">
             <a:extLst>
               <a:ext uri="{FF2B5EF4-FFF2-40B4-BE49-F238E27FC236}">
-                <a16:creationId xmlns:a16="http://schemas.microsoft.com/office/drawing/2014/main" id="{4FFF714F-DDA4-4AC3-8B95-20022241CBF5}"/>
-              </a:ext>
-            </a:extLst>
-          </p:cNvPr>
-          <p:cNvSpPr txBox="1"/>
-          <p:nvPr/>
-        </p:nvSpPr>
-        <p:spPr>
-          <a:xfrm>
-            <a:off x="1907574" y="594548"/>
-            <a:ext cx="4480560" cy="369332"/>
-          </a:xfrm>
-          <a:prstGeom prst="rect">
-            <a:avLst/>
-          </a:prstGeom>
-          <a:noFill/>
-        </p:spPr>
-        <p:txBody>
-          <a:bodyPr wrap="square" rtlCol="0">
-            <a:spAutoFit/>
-          </a:bodyPr>
-          <a:lstStyle/>
-          <a:p>
-            <a:pPr marL="0" marR="0" lvl="0" indent="0" algn="ctr" defTabSz="914400" rtl="0" eaLnBrk="1" fontAlgn="auto" latinLnBrk="0" hangingPunct="1">
-              <a:lnSpc>
-                <a:spcPct val="100000"/>
-              </a:lnSpc>
-              <a:spcBef>
-                <a:spcPts val="0"/>
-              </a:spcBef>
-              <a:spcAft>
-                <a:spcPts val="0"/>
-              </a:spcAft>
-              <a:buClrTx/>
-              <a:buSzTx/>
-              <a:buFontTx/>
-              <a:buNone/>
-              <a:tabLst/>
-              <a:defRPr/>
-            </a:pPr>
-            <a:r>
-              <a:rPr kumimoji="0" lang="en-US" sz="1800" b="0" i="0" u="none" strike="noStrike" kern="1200" cap="none" spc="0" normalizeH="0" baseline="0" noProof="0" dirty="0">
-                <a:ln>
-                  <a:noFill/>
-                </a:ln>
-                <a:solidFill>
-                  <a:prstClr val="black"/>
-                </a:solidFill>
-                <a:effectLst/>
-                <a:uLnTx/>
-                <a:uFillTx/>
-                <a:latin typeface="Century Gothic" panose="020F0302020204030204"/>
-                <a:ea typeface="+mn-ea"/>
-                <a:cs typeface="+mn-cs"/>
-              </a:rPr>
-              <a:t>Production Cost Trends per U.S. Region</a:t>
-            </a:r>
-          </a:p>
-        </p:txBody>
-      </p:sp>
-      <p:pic>
-        <p:nvPicPr>
-          <p:cNvPr id="5" name="Picture 4">
-            <a:extLst>
-              <a:ext uri="{FF2B5EF4-FFF2-40B4-BE49-F238E27FC236}">
-                <a16:creationId xmlns:a16="http://schemas.microsoft.com/office/drawing/2014/main" id="{722CA9AC-A547-4488-A416-7B42A2A2758A}"/>
+                <a16:creationId xmlns:a16="http://schemas.microsoft.com/office/drawing/2014/main" id="{215BC6F2-D9D7-4A4B-BC06-9197171570DF}"/>
               </a:ext>
             </a:extLst>
           </p:cNvPr>
           <p:cNvPicPr>
-            <a:picLocks noChangeAspect="1"/>
+            <a:picLocks noGrp="1" noChangeAspect="1"/>
           </p:cNvPicPr>
-          <p:nvPr/>
+          <p:nvPr>
+            <p:ph idx="1"/>
+          </p:nvPr>
         </p:nvPicPr>
         <p:blipFill>
           <a:blip r:embed="rId2"/>
@@ -5584,108 +5880,54 @@
         </p:blipFill>
         <p:spPr>
           <a:xfrm>
-            <a:off x="684386" y="1165988"/>
-            <a:ext cx="3279787" cy="2480651"/>
+            <a:off x="1811990" y="1508969"/>
+            <a:ext cx="5191193" cy="3840061"/>
           </a:xfrm>
           <a:prstGeom prst="rect">
             <a:avLst/>
           </a:prstGeom>
         </p:spPr>
       </p:pic>
-      <p:pic>
-        <p:nvPicPr>
-          <p:cNvPr id="7" name="Picture 6">
+      <p:sp>
+        <p:nvSpPr>
+          <p:cNvPr id="9" name="TextBox 8">
             <a:extLst>
               <a:ext uri="{FF2B5EF4-FFF2-40B4-BE49-F238E27FC236}">
-                <a16:creationId xmlns:a16="http://schemas.microsoft.com/office/drawing/2014/main" id="{FCB6FD4F-B6B3-403D-8CFF-B4FF5E671CAA}"/>
+                <a16:creationId xmlns:a16="http://schemas.microsoft.com/office/drawing/2014/main" id="{DF365B5A-CD57-4E16-99D4-8756AF59A1F8}"/>
               </a:ext>
             </a:extLst>
           </p:cNvPr>
-          <p:cNvPicPr>
-            <a:picLocks noChangeAspect="1"/>
-          </p:cNvPicPr>
+          <p:cNvSpPr txBox="1"/>
           <p:nvPr/>
-        </p:nvPicPr>
-        <p:blipFill>
-          <a:blip r:embed="rId3"/>
-          <a:stretch>
-            <a:fillRect/>
-          </a:stretch>
-        </p:blipFill>
-        <p:spPr>
-          <a:xfrm>
-            <a:off x="4348789" y="1165988"/>
-            <a:ext cx="3279787" cy="2524849"/>
+        </p:nvSpPr>
+        <p:spPr>
+          <a:xfrm>
+            <a:off x="2261975" y="723900"/>
+            <a:ext cx="4291225" cy="369332"/>
           </a:xfrm>
           <a:prstGeom prst="rect">
             <a:avLst/>
           </a:prstGeom>
-        </p:spPr>
-      </p:pic>
-      <p:pic>
-        <p:nvPicPr>
-          <p:cNvPr id="10" name="Picture 9">
-            <a:extLst>
-              <a:ext uri="{FF2B5EF4-FFF2-40B4-BE49-F238E27FC236}">
-                <a16:creationId xmlns:a16="http://schemas.microsoft.com/office/drawing/2014/main" id="{488EAF29-4985-4B19-AA9D-C283CAF2A961}"/>
-              </a:ext>
-            </a:extLst>
-          </p:cNvPr>
-          <p:cNvPicPr>
-            <a:picLocks noChangeAspect="1"/>
-          </p:cNvPicPr>
-          <p:nvPr/>
-        </p:nvPicPr>
-        <p:blipFill>
-          <a:blip r:embed="rId4"/>
-          <a:stretch>
-            <a:fillRect/>
-          </a:stretch>
-        </p:blipFill>
-        <p:spPr>
-          <a:xfrm>
-            <a:off x="548393" y="4069049"/>
-            <a:ext cx="3415780" cy="2663443"/>
-          </a:xfrm>
-          <a:prstGeom prst="rect">
-            <a:avLst/>
-          </a:prstGeom>
-        </p:spPr>
-      </p:pic>
-      <p:pic>
-        <p:nvPicPr>
-          <p:cNvPr id="13" name="Picture 12">
-            <a:extLst>
-              <a:ext uri="{FF2B5EF4-FFF2-40B4-BE49-F238E27FC236}">
-                <a16:creationId xmlns:a16="http://schemas.microsoft.com/office/drawing/2014/main" id="{C3C1FCEF-590C-4CC5-BEEF-24354D0DF7D0}"/>
-              </a:ext>
-            </a:extLst>
-          </p:cNvPr>
-          <p:cNvPicPr>
-            <a:picLocks noChangeAspect="1"/>
-          </p:cNvPicPr>
-          <p:nvPr/>
-        </p:nvPicPr>
-        <p:blipFill>
-          <a:blip r:embed="rId5"/>
-          <a:stretch>
-            <a:fillRect/>
-          </a:stretch>
-        </p:blipFill>
-        <p:spPr>
-          <a:xfrm>
-            <a:off x="4358315" y="4069049"/>
-            <a:ext cx="3415780" cy="2686963"/>
-          </a:xfrm>
-          <a:prstGeom prst="rect">
-            <a:avLst/>
-          </a:prstGeom>
-        </p:spPr>
-      </p:pic>
+          <a:noFill/>
+        </p:spPr>
+        <p:txBody>
+          <a:bodyPr wrap="square" rtlCol="0">
+            <a:spAutoFit/>
+          </a:bodyPr>
+          <a:lstStyle/>
+          <a:p>
+            <a:pPr algn="ctr"/>
+            <a:r>
+              <a:rPr lang="en-US" dirty="0"/>
+              <a:t>Projected Energy Usage</a:t>
+            </a:r>
+          </a:p>
+        </p:txBody>
+      </p:sp>
     </p:spTree>
     <p:extLst>
       <p:ext uri="{BB962C8B-B14F-4D97-AF65-F5344CB8AC3E}">
-        <p14:creationId xmlns:p14="http://schemas.microsoft.com/office/powerpoint/2010/main" val="1700402683"/>
+        <p14:creationId xmlns:p14="http://schemas.microsoft.com/office/powerpoint/2010/main" val="3979760519"/>
       </p:ext>
     </p:extLst>
   </p:cSld>
@@ -5730,24 +5972,54 @@
         </p:nvSpPr>
         <p:spPr>
           <a:xfrm>
-            <a:off x="8458200" y="1719072"/>
-            <a:ext cx="3161963" cy="917028"/>
+            <a:off x="8458200" y="607392"/>
+            <a:ext cx="3161963" cy="1355632"/>
           </a:xfrm>
         </p:spPr>
         <p:txBody>
           <a:bodyPr anchor="b">
-            <a:noAutofit/>
+            <a:normAutofit/>
           </a:bodyPr>
           <a:lstStyle/>
           <a:p>
             <a:pPr algn="ctr"/>
             <a:r>
               <a:rPr lang="en-US" sz="2200" dirty="0"/>
-              <a:t>Production Cost Trends</a:t>
-            </a:r>
-          </a:p>
-        </p:txBody>
-      </p:sp>
+              <a:t>Average Price over 10 years vs Average Usage over 10 years.</a:t>
+            </a:r>
+          </a:p>
+        </p:txBody>
+      </p:sp>
+      <p:pic>
+        <p:nvPicPr>
+          <p:cNvPr id="5" name="Content Placeholder 4">
+            <a:extLst>
+              <a:ext uri="{FF2B5EF4-FFF2-40B4-BE49-F238E27FC236}">
+                <a16:creationId xmlns:a16="http://schemas.microsoft.com/office/drawing/2014/main" id="{B3B0B8DA-3871-4240-A2A3-156249A0B487}"/>
+              </a:ext>
+            </a:extLst>
+          </p:cNvPr>
+          <p:cNvPicPr>
+            <a:picLocks noGrp="1" noChangeAspect="1"/>
+          </p:cNvPicPr>
+          <p:nvPr>
+            <p:ph idx="1"/>
+          </p:nvPr>
+        </p:nvPicPr>
+        <p:blipFill>
+          <a:blip r:embed="rId2"/>
+          <a:stretch>
+            <a:fillRect/>
+          </a:stretch>
+        </p:blipFill>
+        <p:spPr>
+          <a:xfrm>
+            <a:off x="2174576" y="4140199"/>
+            <a:ext cx="4110228" cy="2142663"/>
+          </a:xfrm>
+          <a:noFill/>
+        </p:spPr>
+      </p:pic>
       <p:sp>
         <p:nvSpPr>
           <p:cNvPr id="10" name="Text Placeholder 3">
@@ -5766,31 +6038,48 @@
         </p:nvSpPr>
         <p:spPr>
           <a:xfrm>
-            <a:off x="8458200" y="2853345"/>
-            <a:ext cx="3161963" cy="2635465"/>
-          </a:xfrm>
-        </p:spPr>
-        <p:txBody>
-          <a:bodyPr/>
+            <a:off x="8458200" y="2336800"/>
+            <a:ext cx="3161963" cy="3606800"/>
+          </a:xfrm>
+        </p:spPr>
+        <p:txBody>
+          <a:bodyPr>
+            <a:normAutofit/>
+          </a:bodyPr>
           <a:lstStyle/>
           <a:p>
             <a:pPr algn="ctr"/>
             <a:r>
               <a:rPr lang="en-US" sz="1600" dirty="0"/>
-              <a:t>.</a:t>
-            </a:r>
-          </a:p>
-          <a:p>
-            <a:endParaRPr lang="en-US" dirty="0"/>
-          </a:p>
-        </p:txBody>
-      </p:sp>
-      <p:sp>
-        <p:nvSpPr>
-          <p:cNvPr id="9" name="TextBox 8">
+              <a:t>The price is much higher in the northern region.</a:t>
+            </a:r>
+          </a:p>
+          <a:p>
+            <a:pPr algn="ctr"/>
+            <a:r>
+              <a:rPr lang="en-US" sz="1600" dirty="0"/>
+              <a:t>California seems to have higher usage compared to the other state in its region.</a:t>
+            </a:r>
+          </a:p>
+          <a:p>
+            <a:pPr algn="ctr"/>
+            <a:r>
+              <a:rPr lang="en-US" sz="1600" dirty="0"/>
+              <a:t>Consumption in the South is very high as a Region.</a:t>
+            </a:r>
+          </a:p>
+          <a:p>
+            <a:pPr algn="ctr"/>
+            <a:endParaRPr lang="en-US" sz="1600" dirty="0"/>
+          </a:p>
+        </p:txBody>
+      </p:sp>
+      <p:sp>
+        <p:nvSpPr>
+          <p:cNvPr id="6" name="TextBox 5">
             <a:extLst>
               <a:ext uri="{FF2B5EF4-FFF2-40B4-BE49-F238E27FC236}">
-                <a16:creationId xmlns:a16="http://schemas.microsoft.com/office/drawing/2014/main" id="{DF365B5A-CD57-4E16-99D4-8756AF59A1F8}"/>
+                <a16:creationId xmlns:a16="http://schemas.microsoft.com/office/drawing/2014/main" id="{D6B28FEB-2209-4F9F-B088-9DB4D9A3C5C1}"/>
               </a:ext>
             </a:extLst>
           </p:cNvPr>
@@ -5799,8 +6088,273 @@
         </p:nvSpPr>
         <p:spPr>
           <a:xfrm>
-            <a:off x="2261975" y="723900"/>
-            <a:ext cx="4291225" cy="646331"/>
+            <a:off x="2231135" y="437544"/>
+            <a:ext cx="3931920" cy="369332"/>
+          </a:xfrm>
+          <a:prstGeom prst="rect">
+            <a:avLst/>
+          </a:prstGeom>
+          <a:noFill/>
+        </p:spPr>
+        <p:txBody>
+          <a:bodyPr wrap="square" rtlCol="0">
+            <a:spAutoFit/>
+          </a:bodyPr>
+          <a:lstStyle/>
+          <a:p>
+            <a:pPr algn="ctr"/>
+            <a:r>
+              <a:rPr lang="en-US" dirty="0"/>
+              <a:t>Comparing Price vs Usage</a:t>
+            </a:r>
+          </a:p>
+        </p:txBody>
+      </p:sp>
+      <p:pic>
+        <p:nvPicPr>
+          <p:cNvPr id="9" name="Picture 8">
+            <a:extLst>
+              <a:ext uri="{FF2B5EF4-FFF2-40B4-BE49-F238E27FC236}">
+                <a16:creationId xmlns:a16="http://schemas.microsoft.com/office/drawing/2014/main" id="{90F3EE2C-28A3-480D-A7CE-EDABCA4D26C2}"/>
+              </a:ext>
+            </a:extLst>
+          </p:cNvPr>
+          <p:cNvPicPr>
+            <a:picLocks noChangeAspect="1"/>
+          </p:cNvPicPr>
+          <p:nvPr/>
+        </p:nvPicPr>
+        <p:blipFill>
+          <a:blip r:embed="rId3"/>
+          <a:stretch>
+            <a:fillRect/>
+          </a:stretch>
+        </p:blipFill>
+        <p:spPr>
+          <a:xfrm>
+            <a:off x="2109385" y="1384924"/>
+            <a:ext cx="4175419" cy="2142664"/>
+          </a:xfrm>
+          <a:prstGeom prst="rect">
+            <a:avLst/>
+          </a:prstGeom>
+        </p:spPr>
+      </p:pic>
+      <p:sp>
+        <p:nvSpPr>
+          <p:cNvPr id="11" name="TextBox 10">
+            <a:extLst>
+              <a:ext uri="{FF2B5EF4-FFF2-40B4-BE49-F238E27FC236}">
+                <a16:creationId xmlns:a16="http://schemas.microsoft.com/office/drawing/2014/main" id="{C4ED3154-1D82-4225-B5F2-980B2CA44101}"/>
+              </a:ext>
+            </a:extLst>
+          </p:cNvPr>
+          <p:cNvSpPr txBox="1"/>
+          <p:nvPr/>
+        </p:nvSpPr>
+        <p:spPr>
+          <a:xfrm>
+            <a:off x="3168986" y="3832422"/>
+            <a:ext cx="2121408" cy="307777"/>
+          </a:xfrm>
+          <a:prstGeom prst="rect">
+            <a:avLst/>
+          </a:prstGeom>
+          <a:noFill/>
+        </p:spPr>
+        <p:txBody>
+          <a:bodyPr wrap="square" rtlCol="0">
+            <a:spAutoFit/>
+          </a:bodyPr>
+          <a:lstStyle/>
+          <a:p>
+            <a:pPr algn="ctr"/>
+            <a:r>
+              <a:rPr lang="en-US" sz="1400" dirty="0"/>
+              <a:t>Price Heatmap</a:t>
+            </a:r>
+          </a:p>
+        </p:txBody>
+      </p:sp>
+      <p:sp>
+        <p:nvSpPr>
+          <p:cNvPr id="12" name="TextBox 11">
+            <a:extLst>
+              <a:ext uri="{FF2B5EF4-FFF2-40B4-BE49-F238E27FC236}">
+                <a16:creationId xmlns:a16="http://schemas.microsoft.com/office/drawing/2014/main" id="{65A327CB-5DB1-42C3-91CF-456EE71D9FD9}"/>
+              </a:ext>
+            </a:extLst>
+          </p:cNvPr>
+          <p:cNvSpPr txBox="1"/>
+          <p:nvPr/>
+        </p:nvSpPr>
+        <p:spPr>
+          <a:xfrm>
+            <a:off x="3136390" y="1077146"/>
+            <a:ext cx="2121408" cy="307777"/>
+          </a:xfrm>
+          <a:prstGeom prst="rect">
+            <a:avLst/>
+          </a:prstGeom>
+          <a:noFill/>
+        </p:spPr>
+        <p:txBody>
+          <a:bodyPr wrap="square" rtlCol="0">
+            <a:spAutoFit/>
+          </a:bodyPr>
+          <a:lstStyle/>
+          <a:p>
+            <a:pPr algn="ctr"/>
+            <a:r>
+              <a:rPr lang="en-US" sz="1400" dirty="0"/>
+              <a:t>Usage Heatmap</a:t>
+            </a:r>
+          </a:p>
+        </p:txBody>
+      </p:sp>
+    </p:spTree>
+    <p:extLst>
+      <p:ext uri="{BB962C8B-B14F-4D97-AF65-F5344CB8AC3E}">
+        <p14:creationId xmlns:p14="http://schemas.microsoft.com/office/powerpoint/2010/main" val="213121028"/>
+      </p:ext>
+    </p:extLst>
+  </p:cSld>
+  <p:clrMapOvr>
+    <a:masterClrMapping/>
+  </p:clrMapOvr>
+</p:sld>
+</file>
+
+<file path=ppt/slides/slide14.xml><?xml version="1.0" encoding="utf-8"?>
+<p:sld xmlns:a="http://schemas.openxmlformats.org/drawingml/2006/main" xmlns:r="http://schemas.openxmlformats.org/officeDocument/2006/relationships" xmlns:p="http://schemas.openxmlformats.org/presentationml/2006/main">
+  <p:cSld>
+    <p:spTree>
+      <p:nvGrpSpPr>
+        <p:cNvPr id="1" name=""/>
+        <p:cNvGrpSpPr/>
+        <p:nvPr/>
+      </p:nvGrpSpPr>
+      <p:grpSpPr>
+        <a:xfrm>
+          <a:off x="0" y="0"/>
+          <a:ext cx="0" cy="0"/>
+          <a:chOff x="0" y="0"/>
+          <a:chExt cx="0" cy="0"/>
+        </a:xfrm>
+      </p:grpSpPr>
+      <p:sp>
+        <p:nvSpPr>
+          <p:cNvPr id="2" name="Title 1">
+            <a:extLst>
+              <a:ext uri="{FF2B5EF4-FFF2-40B4-BE49-F238E27FC236}">
+                <a16:creationId xmlns:a16="http://schemas.microsoft.com/office/drawing/2014/main" id="{EAD0C8B5-6B5B-4F41-A718-7FBA3FEA3AB4}"/>
+              </a:ext>
+            </a:extLst>
+          </p:cNvPr>
+          <p:cNvSpPr>
+            <a:spLocks noGrp="1"/>
+          </p:cNvSpPr>
+          <p:nvPr>
+            <p:ph type="title"/>
+          </p:nvPr>
+        </p:nvSpPr>
+        <p:spPr>
+          <a:xfrm>
+            <a:off x="8458200" y="1132405"/>
+            <a:ext cx="3161963" cy="526464"/>
+          </a:xfrm>
+        </p:spPr>
+        <p:txBody>
+          <a:bodyPr>
+            <a:normAutofit fontScale="90000"/>
+          </a:bodyPr>
+          <a:lstStyle/>
+          <a:p>
+            <a:pPr algn="ctr"/>
+            <a:r>
+              <a:rPr lang="en-US" sz="2400" dirty="0"/>
+              <a:t>Energy Usage Trends</a:t>
+            </a:r>
+          </a:p>
+        </p:txBody>
+      </p:sp>
+      <p:sp>
+        <p:nvSpPr>
+          <p:cNvPr id="4" name="Text Placeholder 3">
+            <a:extLst>
+              <a:ext uri="{FF2B5EF4-FFF2-40B4-BE49-F238E27FC236}">
+                <a16:creationId xmlns:a16="http://schemas.microsoft.com/office/drawing/2014/main" id="{9B408C85-1DEF-4B6F-8926-7A3E11FF7A02}"/>
+              </a:ext>
+            </a:extLst>
+          </p:cNvPr>
+          <p:cNvSpPr>
+            <a:spLocks noGrp="1"/>
+          </p:cNvSpPr>
+          <p:nvPr>
+            <p:ph type="body" sz="half" idx="2"/>
+          </p:nvPr>
+        </p:nvSpPr>
+        <p:spPr>
+          <a:xfrm>
+            <a:off x="8458200" y="1987065"/>
+            <a:ext cx="3161963" cy="2655824"/>
+          </a:xfrm>
+        </p:spPr>
+        <p:txBody>
+          <a:bodyPr>
+            <a:normAutofit fontScale="85000" lnSpcReduction="10000"/>
+          </a:bodyPr>
+          <a:lstStyle/>
+          <a:p>
+            <a:pPr algn="ctr"/>
+            <a:r>
+              <a:rPr lang="en-US" sz="1600" dirty="0"/>
+              <a:t>No matter the price increase the usage seems to be the same.</a:t>
+            </a:r>
+          </a:p>
+          <a:p>
+            <a:pPr algn="ctr"/>
+            <a:r>
+              <a:rPr lang="en-US" sz="1600" dirty="0"/>
+              <a:t>Usage in the West has a low rate of increase, despite having California as much higher usage state.</a:t>
+            </a:r>
+          </a:p>
+          <a:p>
+            <a:pPr algn="ctr"/>
+            <a:r>
+              <a:rPr lang="en-US" sz="1600" dirty="0"/>
+              <a:t>The Midwest showed a higher rate of increase during this time period.</a:t>
+            </a:r>
+          </a:p>
+          <a:p>
+            <a:pPr algn="ctr"/>
+            <a:endParaRPr lang="en-US" sz="1600" dirty="0"/>
+          </a:p>
+          <a:p>
+            <a:pPr algn="ctr"/>
+            <a:r>
+              <a:rPr lang="en-US" sz="1600" dirty="0"/>
+              <a:t> </a:t>
+            </a:r>
+          </a:p>
+        </p:txBody>
+      </p:sp>
+      <p:sp>
+        <p:nvSpPr>
+          <p:cNvPr id="20" name="TextBox 19">
+            <a:extLst>
+              <a:ext uri="{FF2B5EF4-FFF2-40B4-BE49-F238E27FC236}">
+                <a16:creationId xmlns:a16="http://schemas.microsoft.com/office/drawing/2014/main" id="{4FFF714F-DDA4-4AC3-8B95-20022241CBF5}"/>
+              </a:ext>
+            </a:extLst>
+          </p:cNvPr>
+          <p:cNvSpPr txBox="1"/>
+          <p:nvPr/>
+        </p:nvSpPr>
+        <p:spPr>
+          <a:xfrm>
+            <a:off x="1907574" y="594548"/>
+            <a:ext cx="4480560" cy="369332"/>
           </a:xfrm>
           <a:prstGeom prst="rect">
             <a:avLst/>
@@ -5845,24 +6399,26 @@
                 <a:ea typeface="+mn-ea"/>
                 <a:cs typeface="+mn-cs"/>
               </a:rPr>
-              <a:t>Side by Side Production Cost Commentary</a:t>
+              <a:t>Energy Usage vs Price</a:t>
             </a:r>
           </a:p>
         </p:txBody>
       </p:sp>
       <p:pic>
         <p:nvPicPr>
-          <p:cNvPr id="4" name="Picture 3">
+          <p:cNvPr id="11" name="Content Placeholder 10" descr="Chart, scatter chart&#10;&#10;Description automatically generated">
             <a:extLst>
               <a:ext uri="{FF2B5EF4-FFF2-40B4-BE49-F238E27FC236}">
-                <a16:creationId xmlns:a16="http://schemas.microsoft.com/office/drawing/2014/main" id="{19123EA1-8C46-43B6-AC91-264848BA878B}"/>
+                <a16:creationId xmlns:a16="http://schemas.microsoft.com/office/drawing/2014/main" id="{FB8CCA09-1E14-4321-9520-A6FAFE629DA0}"/>
               </a:ext>
             </a:extLst>
           </p:cNvPr>
           <p:cNvPicPr>
-            <a:picLocks noChangeAspect="1"/>
+            <a:picLocks noGrp="1" noChangeAspect="1"/>
           </p:cNvPicPr>
-          <p:nvPr/>
+          <p:nvPr>
+            <p:ph idx="1"/>
+          </p:nvPr>
         </p:nvPicPr>
         <p:blipFill>
           <a:blip r:embed="rId2"/>
@@ -5872,8 +6428,8 @@
         </p:blipFill>
         <p:spPr>
           <a:xfrm>
-            <a:off x="571837" y="2704022"/>
-            <a:ext cx="3667637" cy="2934109"/>
+            <a:off x="696312" y="1308220"/>
+            <a:ext cx="3690488" cy="2379613"/>
           </a:xfrm>
           <a:prstGeom prst="rect">
             <a:avLst/>
@@ -5882,10 +6438,10 @@
       </p:pic>
       <p:pic>
         <p:nvPicPr>
-          <p:cNvPr id="7" name="Picture 6">
+          <p:cNvPr id="13" name="Picture 12" descr="Chart, scatter chart&#10;&#10;Description automatically generated">
             <a:extLst>
               <a:ext uri="{FF2B5EF4-FFF2-40B4-BE49-F238E27FC236}">
-                <a16:creationId xmlns:a16="http://schemas.microsoft.com/office/drawing/2014/main" id="{F91CBC8D-94BB-4A31-A33A-F2D62298010F}"/>
+                <a16:creationId xmlns:a16="http://schemas.microsoft.com/office/drawing/2014/main" id="{B95256B8-8DC6-457B-AE8D-FDC8B81F0A6A}"/>
               </a:ext>
             </a:extLst>
           </p:cNvPr>
@@ -5902,8 +6458,68 @@
         </p:blipFill>
         <p:spPr>
           <a:xfrm>
-            <a:off x="4524155" y="2383684"/>
-            <a:ext cx="3143689" cy="3334215"/>
+            <a:off x="4386800" y="1308221"/>
+            <a:ext cx="3622167" cy="2392288"/>
+          </a:xfrm>
+          <a:prstGeom prst="rect">
+            <a:avLst/>
+          </a:prstGeom>
+        </p:spPr>
+      </p:pic>
+      <p:pic>
+        <p:nvPicPr>
+          <p:cNvPr id="14" name="Picture 13" descr="Chart, scatter chart&#10;&#10;Description automatically generated">
+            <a:extLst>
+              <a:ext uri="{FF2B5EF4-FFF2-40B4-BE49-F238E27FC236}">
+                <a16:creationId xmlns:a16="http://schemas.microsoft.com/office/drawing/2014/main" id="{15846255-AEC7-477A-96AC-AC28A06B3A01}"/>
+              </a:ext>
+            </a:extLst>
+          </p:cNvPr>
+          <p:cNvPicPr>
+            <a:picLocks noChangeAspect="1"/>
+          </p:cNvPicPr>
+          <p:nvPr/>
+        </p:nvPicPr>
+        <p:blipFill>
+          <a:blip r:embed="rId4"/>
+          <a:stretch>
+            <a:fillRect/>
+          </a:stretch>
+        </p:blipFill>
+        <p:spPr>
+          <a:xfrm>
+            <a:off x="696312" y="3687833"/>
+            <a:ext cx="3690488" cy="2392287"/>
+          </a:xfrm>
+          <a:prstGeom prst="rect">
+            <a:avLst/>
+          </a:prstGeom>
+        </p:spPr>
+      </p:pic>
+      <p:pic>
+        <p:nvPicPr>
+          <p:cNvPr id="16" name="Picture 15" descr="Chart, scatter chart&#10;&#10;Description automatically generated">
+            <a:extLst>
+              <a:ext uri="{FF2B5EF4-FFF2-40B4-BE49-F238E27FC236}">
+                <a16:creationId xmlns:a16="http://schemas.microsoft.com/office/drawing/2014/main" id="{3758999E-2E86-4BA1-BF31-07377AB9084E}"/>
+              </a:ext>
+            </a:extLst>
+          </p:cNvPr>
+          <p:cNvPicPr>
+            <a:picLocks noChangeAspect="1"/>
+          </p:cNvPicPr>
+          <p:nvPr/>
+        </p:nvPicPr>
+        <p:blipFill>
+          <a:blip r:embed="rId5"/>
+          <a:stretch>
+            <a:fillRect/>
+          </a:stretch>
+        </p:blipFill>
+        <p:spPr>
+          <a:xfrm>
+            <a:off x="4386800" y="3687833"/>
+            <a:ext cx="3515629" cy="2392918"/>
           </a:xfrm>
           <a:prstGeom prst="rect">
             <a:avLst/>
@@ -5913,7 +6529,7 @@
     </p:spTree>
     <p:extLst>
       <p:ext uri="{BB962C8B-B14F-4D97-AF65-F5344CB8AC3E}">
-        <p14:creationId xmlns:p14="http://schemas.microsoft.com/office/powerpoint/2010/main" val="287446111"/>
+        <p14:creationId xmlns:p14="http://schemas.microsoft.com/office/powerpoint/2010/main" val="1892987204"/>
       </p:ext>
     </p:extLst>
   </p:cSld>
@@ -6664,8 +7280,8 @@
         </p:nvSpPr>
         <p:spPr>
           <a:xfrm>
-            <a:off x="1066800" y="2646045"/>
-            <a:ext cx="5267325" cy="2740687"/>
+            <a:off x="1066799" y="2014194"/>
+            <a:ext cx="5392723" cy="4109769"/>
           </a:xfrm>
           <a:prstGeom prst="rect">
             <a:avLst/>
@@ -6673,28 +7289,9 @@
         </p:spPr>
         <p:txBody>
           <a:bodyPr vert="horz" lIns="91440" tIns="45720" rIns="91440" bIns="45720" rtlCol="0">
-            <a:normAutofit fontScale="70000" lnSpcReduction="20000"/>
+            <a:normAutofit fontScale="92500" lnSpcReduction="10000"/>
           </a:bodyPr>
           <a:lstStyle/>
-          <a:p>
-            <a:pPr indent="-182880">
-              <a:spcAft>
-                <a:spcPts val="600"/>
-              </a:spcAft>
-              <a:buClr>
-                <a:schemeClr val="tx1">
-                  <a:lumMod val="85000"/>
-                  <a:lumOff val="15000"/>
-                </a:schemeClr>
-              </a:buClr>
-              <a:buFont typeface="Garamond" pitchFamily="18" charset="0"/>
-              <a:buChar char="◦"/>
-            </a:pPr>
-            <a:r>
-              <a:rPr lang="en-US" dirty="0"/>
-              <a:t>Energy Consumption per region</a:t>
-            </a:r>
-          </a:p>
           <a:p>
             <a:pPr indent="-182880">
               <a:spcAft>
@@ -6727,7 +7324,7 @@
             </a:pPr>
             <a:r>
               <a:rPr lang="en-US" dirty="0"/>
-              <a:t>Price per Region</a:t>
+              <a:t>Energy Consumption over a ten year period</a:t>
             </a:r>
           </a:p>
           <a:p>
@@ -6762,7 +7359,7 @@
             </a:pPr>
             <a:r>
               <a:rPr lang="en-US" dirty="0"/>
-              <a:t>Energy Consumption dating back 10 years</a:t>
+              <a:t>Energy Price over a ten year period</a:t>
             </a:r>
           </a:p>
           <a:p>
@@ -6797,7 +7394,7 @@
             </a:pPr>
             <a:r>
               <a:rPr lang="en-US" dirty="0"/>
-              <a:t>Total Consumption</a:t>
+              <a:t>Energy Consumption per region</a:t>
             </a:r>
           </a:p>
           <a:p>
@@ -6832,7 +7429,7 @@
             </a:pPr>
             <a:r>
               <a:rPr lang="en-US" dirty="0"/>
-              <a:t>Production Costs</a:t>
+              <a:t>Energy Price per Region</a:t>
             </a:r>
           </a:p>
           <a:p>
@@ -6867,7 +7464,7 @@
             </a:pPr>
             <a:r>
               <a:rPr lang="en-US" dirty="0"/>
-              <a:t>Usage Trends</a:t>
+              <a:t>Production Costs</a:t>
             </a:r>
           </a:p>
           <a:p>
@@ -6885,6 +7482,25 @@
               <a:buChar char="◦"/>
             </a:pPr>
             <a:endParaRPr lang="en-US" dirty="0"/>
+          </a:p>
+          <a:p>
+            <a:pPr indent="-182880">
+              <a:spcAft>
+                <a:spcPts val="600"/>
+              </a:spcAft>
+              <a:buClr>
+                <a:schemeClr val="tx1">
+                  <a:lumMod val="85000"/>
+                  <a:lumOff val="15000"/>
+                </a:schemeClr>
+              </a:buClr>
+              <a:buFont typeface="Garamond" pitchFamily="18" charset="0"/>
+              <a:buChar char="◦"/>
+            </a:pPr>
+            <a:r>
+              <a:rPr lang="en-US" dirty="0"/>
+              <a:t>Usage Trends</a:t>
+            </a:r>
           </a:p>
           <a:p>
             <a:pPr indent="-182880">
@@ -7053,7 +7669,7 @@
           <p:cNvPr id="2" name="Title 1">
             <a:extLst>
               <a:ext uri="{FF2B5EF4-FFF2-40B4-BE49-F238E27FC236}">
-                <a16:creationId xmlns:a16="http://schemas.microsoft.com/office/drawing/2014/main" id="{70D8700C-16F8-43DD-A919-332898570D3F}"/>
+                <a16:creationId xmlns:a16="http://schemas.microsoft.com/office/drawing/2014/main" id="{EAD0C8B5-6B5B-4F41-A718-7FBA3FEA3AB4}"/>
               </a:ext>
             </a:extLst>
           </p:cNvPr>
@@ -7064,17 +7680,22 @@
             <p:ph type="title"/>
           </p:nvPr>
         </p:nvSpPr>
-        <p:spPr/>
+        <p:spPr>
+          <a:xfrm>
+            <a:off x="8482385" y="1498165"/>
+            <a:ext cx="3161963" cy="526464"/>
+          </a:xfrm>
+        </p:spPr>
         <p:txBody>
           <a:bodyPr>
-            <a:normAutofit/>
+            <a:normAutofit fontScale="90000"/>
           </a:bodyPr>
           <a:lstStyle/>
           <a:p>
             <a:pPr algn="ctr"/>
             <a:r>
-              <a:rPr lang="en-US" sz="2200" dirty="0"/>
-              <a:t>Price per Kilowatt-hour</a:t>
+              <a:rPr lang="en-US" sz="2400" dirty="0"/>
+              <a:t>Production Cost Trends</a:t>
             </a:r>
           </a:p>
         </p:txBody>
@@ -7084,7 +7705,7 @@
           <p:cNvPr id="4" name="Text Placeholder 3">
             <a:extLst>
               <a:ext uri="{FF2B5EF4-FFF2-40B4-BE49-F238E27FC236}">
-                <a16:creationId xmlns:a16="http://schemas.microsoft.com/office/drawing/2014/main" id="{4A673B90-8D4C-46CF-AC6F-4CE5A1C0151A}"/>
+                <a16:creationId xmlns:a16="http://schemas.microsoft.com/office/drawing/2014/main" id="{9B408C85-1DEF-4B6F-8926-7A3E11FF7A02}"/>
               </a:ext>
             </a:extLst>
           </p:cNvPr>
@@ -7097,44 +7718,69 @@
         </p:nvSpPr>
         <p:spPr>
           <a:xfrm>
-            <a:off x="8458200" y="2336800"/>
-            <a:ext cx="3161963" cy="2637536"/>
+            <a:off x="8484939" y="2362925"/>
+            <a:ext cx="3161963" cy="2655824"/>
           </a:xfrm>
         </p:spPr>
         <p:txBody>
           <a:bodyPr>
-            <a:noAutofit/>
+            <a:normAutofit lnSpcReduction="10000"/>
           </a:bodyPr>
           <a:lstStyle/>
           <a:p>
             <a:pPr algn="ctr"/>
             <a:r>
               <a:rPr lang="en-US" sz="1600" dirty="0"/>
-              <a:t>Retail increasing over time.</a:t>
+              <a:t>Monthly Rate of increase of Production Costs:</a:t>
             </a:r>
           </a:p>
           <a:p>
             <a:pPr algn="ctr"/>
             <a:r>
               <a:rPr lang="en-US" sz="1600" dirty="0"/>
-              <a:t>North has the highest cost for electricity.</a:t>
+              <a:t>North: Undetermined</a:t>
             </a:r>
           </a:p>
           <a:p>
             <a:pPr algn="ctr"/>
             <a:r>
               <a:rPr lang="en-US" sz="1600" dirty="0"/>
-              <a:t>Variations happen throughout the year for seasonal changes.</a:t>
-            </a:r>
-          </a:p>
-        </p:txBody>
-      </p:sp>
-      <p:sp>
-        <p:nvSpPr>
-          <p:cNvPr id="7" name="TextBox 6">
+              <a:t>South: 1.83%</a:t>
+            </a:r>
+          </a:p>
+          <a:p>
+            <a:pPr algn="ctr"/>
+            <a:r>
+              <a:rPr lang="en-US" sz="1600" dirty="0"/>
+              <a:t>Mid-West: 2.91%</a:t>
+            </a:r>
+          </a:p>
+          <a:p>
+            <a:pPr algn="ctr"/>
+            <a:r>
+              <a:rPr lang="en-US" sz="1600" dirty="0"/>
+              <a:t>West: 1.23%</a:t>
+            </a:r>
+          </a:p>
+          <a:p>
+            <a:pPr algn="ctr"/>
+            <a:endParaRPr lang="en-US" sz="1600" dirty="0"/>
+          </a:p>
+          <a:p>
+            <a:pPr algn="ctr"/>
+            <a:r>
+              <a:rPr lang="en-US" sz="1600" dirty="0"/>
+              <a:t> </a:t>
+            </a:r>
+          </a:p>
+        </p:txBody>
+      </p:sp>
+      <p:sp>
+        <p:nvSpPr>
+          <p:cNvPr id="20" name="TextBox 19">
             <a:extLst>
               <a:ext uri="{FF2B5EF4-FFF2-40B4-BE49-F238E27FC236}">
-                <a16:creationId xmlns:a16="http://schemas.microsoft.com/office/drawing/2014/main" id="{A494DF82-8815-48E1-B47E-8D022E74AB63}"/>
+                <a16:creationId xmlns:a16="http://schemas.microsoft.com/office/drawing/2014/main" id="{4FFF714F-DDA4-4AC3-8B95-20022241CBF5}"/>
               </a:ext>
             </a:extLst>
           </p:cNvPr>
@@ -7143,8 +7789,8 @@
         </p:nvSpPr>
         <p:spPr>
           <a:xfrm>
-            <a:off x="2559290" y="846963"/>
-            <a:ext cx="3161963" cy="369332"/>
+            <a:off x="1907574" y="594548"/>
+            <a:ext cx="4480560" cy="369332"/>
           </a:xfrm>
           <a:prstGeom prst="rect">
             <a:avLst/>
@@ -7157,20 +7803,49 @@
           </a:bodyPr>
           <a:lstStyle/>
           <a:p>
-            <a:pPr algn="ctr"/>
-            <a:r>
-              <a:rPr lang="en-US" dirty="0"/>
-              <a:t>Retail Price for Electricity</a:t>
+            <a:pPr marL="0" marR="0" lvl="0" indent="0" algn="ctr" defTabSz="914400" rtl="0" eaLnBrk="1" fontAlgn="auto" latinLnBrk="0" hangingPunct="1">
+              <a:lnSpc>
+                <a:spcPct val="100000"/>
+              </a:lnSpc>
+              <a:spcBef>
+                <a:spcPts val="0"/>
+              </a:spcBef>
+              <a:spcAft>
+                <a:spcPts val="0"/>
+              </a:spcAft>
+              <a:buClrTx/>
+              <a:buSzTx/>
+              <a:buFontTx/>
+              <a:buNone/>
+              <a:tabLst/>
+              <a:defRPr/>
+            </a:pPr>
+            <a:r>
+              <a:rPr kumimoji="0" lang="en-US" sz="1800" b="0" i="0" u="none" strike="noStrike" kern="1200" cap="none" spc="0" normalizeH="0" baseline="0" noProof="0" dirty="0">
+                <a:ln>
+                  <a:noFill/>
+                </a:ln>
+                <a:solidFill>
+                  <a:prstClr val="black"/>
+                </a:solidFill>
+                <a:effectLst/>
+                <a:uLnTx/>
+                <a:uFillTx/>
+                <a:latin typeface="Century Gothic" panose="020F0302020204030204"/>
+                <a:ea typeface="+mn-ea"/>
+                <a:cs typeface="+mn-cs"/>
+              </a:rPr>
+              <a:t>Production Cost Trends per U.S. Region</a:t>
             </a:r>
           </a:p>
         </p:txBody>
       </p:sp>
       <p:pic>
         <p:nvPicPr>
-          <p:cNvPr id="11" name="Picture 10">
+          <p:cNvPr id="5" name="Picture 4">
             <a:extLst>
               <a:ext uri="{FF2B5EF4-FFF2-40B4-BE49-F238E27FC236}">
-                <a16:creationId xmlns:a16="http://schemas.microsoft.com/office/drawing/2014/main" id="{909F61BF-17C2-469D-A41E-A281EB381712}"/>
+                <a16:creationId xmlns:a16="http://schemas.microsoft.com/office/drawing/2014/main" id="{722CA9AC-A547-4488-A416-7B42A2A2758A}"/>
               </a:ext>
             </a:extLst>
           </p:cNvPr>
@@ -7187,8 +7862,98 @@
         </p:blipFill>
         <p:spPr>
           <a:xfrm>
-            <a:off x="1616479" y="1756988"/>
-            <a:ext cx="5047583" cy="3344023"/>
+            <a:off x="684386" y="1165988"/>
+            <a:ext cx="3279787" cy="2480651"/>
+          </a:xfrm>
+          <a:prstGeom prst="rect">
+            <a:avLst/>
+          </a:prstGeom>
+        </p:spPr>
+      </p:pic>
+      <p:pic>
+        <p:nvPicPr>
+          <p:cNvPr id="7" name="Picture 6">
+            <a:extLst>
+              <a:ext uri="{FF2B5EF4-FFF2-40B4-BE49-F238E27FC236}">
+                <a16:creationId xmlns:a16="http://schemas.microsoft.com/office/drawing/2014/main" id="{FCB6FD4F-B6B3-403D-8CFF-B4FF5E671CAA}"/>
+              </a:ext>
+            </a:extLst>
+          </p:cNvPr>
+          <p:cNvPicPr>
+            <a:picLocks noChangeAspect="1"/>
+          </p:cNvPicPr>
+          <p:nvPr/>
+        </p:nvPicPr>
+        <p:blipFill>
+          <a:blip r:embed="rId3"/>
+          <a:stretch>
+            <a:fillRect/>
+          </a:stretch>
+        </p:blipFill>
+        <p:spPr>
+          <a:xfrm>
+            <a:off x="4348789" y="1165988"/>
+            <a:ext cx="3279787" cy="2524849"/>
+          </a:xfrm>
+          <a:prstGeom prst="rect">
+            <a:avLst/>
+          </a:prstGeom>
+        </p:spPr>
+      </p:pic>
+      <p:pic>
+        <p:nvPicPr>
+          <p:cNvPr id="10" name="Picture 9">
+            <a:extLst>
+              <a:ext uri="{FF2B5EF4-FFF2-40B4-BE49-F238E27FC236}">
+                <a16:creationId xmlns:a16="http://schemas.microsoft.com/office/drawing/2014/main" id="{488EAF29-4985-4B19-AA9D-C283CAF2A961}"/>
+              </a:ext>
+            </a:extLst>
+          </p:cNvPr>
+          <p:cNvPicPr>
+            <a:picLocks noChangeAspect="1"/>
+          </p:cNvPicPr>
+          <p:nvPr/>
+        </p:nvPicPr>
+        <p:blipFill>
+          <a:blip r:embed="rId4"/>
+          <a:stretch>
+            <a:fillRect/>
+          </a:stretch>
+        </p:blipFill>
+        <p:spPr>
+          <a:xfrm>
+            <a:off x="548393" y="4069049"/>
+            <a:ext cx="3415780" cy="2663443"/>
+          </a:xfrm>
+          <a:prstGeom prst="rect">
+            <a:avLst/>
+          </a:prstGeom>
+        </p:spPr>
+      </p:pic>
+      <p:pic>
+        <p:nvPicPr>
+          <p:cNvPr id="13" name="Picture 12">
+            <a:extLst>
+              <a:ext uri="{FF2B5EF4-FFF2-40B4-BE49-F238E27FC236}">
+                <a16:creationId xmlns:a16="http://schemas.microsoft.com/office/drawing/2014/main" id="{C3C1FCEF-590C-4CC5-BEEF-24354D0DF7D0}"/>
+              </a:ext>
+            </a:extLst>
+          </p:cNvPr>
+          <p:cNvPicPr>
+            <a:picLocks noChangeAspect="1"/>
+          </p:cNvPicPr>
+          <p:nvPr/>
+        </p:nvPicPr>
+        <p:blipFill>
+          <a:blip r:embed="rId5"/>
+          <a:stretch>
+            <a:fillRect/>
+          </a:stretch>
+        </p:blipFill>
+        <p:spPr>
+          <a:xfrm>
+            <a:off x="4358315" y="4069049"/>
+            <a:ext cx="3415780" cy="2686963"/>
           </a:xfrm>
           <a:prstGeom prst="rect">
             <a:avLst/>
@@ -7198,7 +7963,7 @@
     </p:spTree>
     <p:extLst>
       <p:ext uri="{BB962C8B-B14F-4D97-AF65-F5344CB8AC3E}">
-        <p14:creationId xmlns:p14="http://schemas.microsoft.com/office/powerpoint/2010/main" val="3271766303"/>
+        <p14:creationId xmlns:p14="http://schemas.microsoft.com/office/powerpoint/2010/main" val="1700402683"/>
       </p:ext>
     </p:extLst>
   </p:cSld>
@@ -7230,7 +7995,7 @@
           <p:cNvPr id="2" name="Title 1">
             <a:extLst>
               <a:ext uri="{FF2B5EF4-FFF2-40B4-BE49-F238E27FC236}">
-                <a16:creationId xmlns:a16="http://schemas.microsoft.com/office/drawing/2014/main" id="{EAD0C8B5-6B5B-4F41-A718-7FBA3FEA3AB4}"/>
+                <a16:creationId xmlns:a16="http://schemas.microsoft.com/office/drawing/2014/main" id="{70D8700C-16F8-43DD-A919-332898570D3F}"/>
               </a:ext>
             </a:extLst>
           </p:cNvPr>
@@ -7241,61 +8006,27 @@
             <p:ph type="title"/>
           </p:nvPr>
         </p:nvSpPr>
-        <p:spPr>
-          <a:xfrm>
-            <a:off x="8458200" y="1132405"/>
-            <a:ext cx="3161963" cy="526464"/>
-          </a:xfrm>
-        </p:spPr>
+        <p:spPr/>
         <p:txBody>
           <a:bodyPr>
-            <a:normAutofit fontScale="90000"/>
+            <a:normAutofit/>
           </a:bodyPr>
           <a:lstStyle/>
           <a:p>
             <a:pPr algn="ctr"/>
             <a:r>
-              <a:rPr lang="en-US" sz="2400" dirty="0"/>
-              <a:t>Energy Usage Trends</a:t>
-            </a:r>
-          </a:p>
-        </p:txBody>
-      </p:sp>
-      <p:pic>
-        <p:nvPicPr>
-          <p:cNvPr id="6" name="Content Placeholder 5">
-            <a:extLst>
-              <a:ext uri="{FF2B5EF4-FFF2-40B4-BE49-F238E27FC236}">
-                <a16:creationId xmlns:a16="http://schemas.microsoft.com/office/drawing/2014/main" id="{F9485AFD-D5E2-4711-941A-9849EF62DB70}"/>
-              </a:ext>
-            </a:extLst>
-          </p:cNvPr>
-          <p:cNvPicPr>
-            <a:picLocks noGrp="1" noChangeAspect="1"/>
-          </p:cNvPicPr>
-          <p:nvPr>
-            <p:ph idx="1"/>
-          </p:nvPr>
-        </p:nvPicPr>
-        <p:blipFill>
-          <a:blip r:embed="rId2"/>
-          <a:stretch>
-            <a:fillRect/>
-          </a:stretch>
-        </p:blipFill>
-        <p:spPr>
-          <a:xfrm>
-            <a:off x="4147854" y="1289304"/>
-            <a:ext cx="3359371" cy="2434556"/>
-          </a:xfrm>
-        </p:spPr>
-      </p:pic>
+              <a:rPr lang="en-US" sz="2200" dirty="0"/>
+              <a:t>Price per Kilowatt-hour</a:t>
+            </a:r>
+          </a:p>
+        </p:txBody>
+      </p:sp>
       <p:sp>
         <p:nvSpPr>
           <p:cNvPr id="4" name="Text Placeholder 3">
             <a:extLst>
               <a:ext uri="{FF2B5EF4-FFF2-40B4-BE49-F238E27FC236}">
-                <a16:creationId xmlns:a16="http://schemas.microsoft.com/office/drawing/2014/main" id="{9B408C85-1DEF-4B6F-8926-7A3E11FF7A02}"/>
+                <a16:creationId xmlns:a16="http://schemas.microsoft.com/office/drawing/2014/main" id="{4A673B90-8D4C-46CF-AC6F-4CE5A1C0151A}"/>
               </a:ext>
             </a:extLst>
           </p:cNvPr>
@@ -7308,55 +8039,73 @@
         </p:nvSpPr>
         <p:spPr>
           <a:xfrm>
-            <a:off x="8458200" y="1987065"/>
-            <a:ext cx="3161963" cy="2655824"/>
+            <a:off x="8458200" y="2336800"/>
+            <a:ext cx="3161963" cy="2637536"/>
           </a:xfrm>
         </p:spPr>
         <p:txBody>
           <a:bodyPr>
-            <a:normAutofit fontScale="85000" lnSpcReduction="10000"/>
+            <a:noAutofit/>
           </a:bodyPr>
           <a:lstStyle/>
           <a:p>
             <a:pPr algn="ctr"/>
             <a:r>
               <a:rPr lang="en-US" sz="1600" dirty="0"/>
-              <a:t>Energy usage is considerable higher in the South region.</a:t>
+              <a:t>Retail increasing over time.</a:t>
             </a:r>
           </a:p>
           <a:p>
             <a:pPr algn="ctr"/>
             <a:r>
               <a:rPr lang="en-US" sz="1600" dirty="0"/>
-              <a:t>Usage in the West has a low rate of increase, despite having California as much higher usage state.</a:t>
-            </a:r>
-          </a:p>
+              <a:t>North has the highest cost for electricity.</a:t>
+            </a:r>
+          </a:p>
+        </p:txBody>
+      </p:sp>
+      <p:sp>
+        <p:nvSpPr>
+          <p:cNvPr id="7" name="TextBox 6">
+            <a:extLst>
+              <a:ext uri="{FF2B5EF4-FFF2-40B4-BE49-F238E27FC236}">
+                <a16:creationId xmlns:a16="http://schemas.microsoft.com/office/drawing/2014/main" id="{A494DF82-8815-48E1-B47E-8D022E74AB63}"/>
+              </a:ext>
+            </a:extLst>
+          </p:cNvPr>
+          <p:cNvSpPr txBox="1"/>
+          <p:nvPr/>
+        </p:nvSpPr>
+        <p:spPr>
+          <a:xfrm>
+            <a:off x="2559290" y="846963"/>
+            <a:ext cx="3161963" cy="369332"/>
+          </a:xfrm>
+          <a:prstGeom prst="rect">
+            <a:avLst/>
+          </a:prstGeom>
+          <a:noFill/>
+        </p:spPr>
+        <p:txBody>
+          <a:bodyPr wrap="square" rtlCol="0">
+            <a:spAutoFit/>
+          </a:bodyPr>
+          <a:lstStyle/>
           <a:p>
             <a:pPr algn="ctr"/>
             <a:r>
-              <a:rPr lang="en-US" sz="1600" dirty="0"/>
-              <a:t>The Midwest showed a higher rate of increase during this time period.</a:t>
-            </a:r>
-          </a:p>
-          <a:p>
-            <a:pPr algn="ctr"/>
-            <a:endParaRPr lang="en-US" sz="1600" dirty="0"/>
-          </a:p>
-          <a:p>
-            <a:pPr algn="ctr"/>
-            <a:r>
-              <a:rPr lang="en-US" sz="1600" dirty="0"/>
-              <a:t> </a:t>
+              <a:rPr lang="en-US" dirty="0"/>
+              <a:t>Retail Price for Electricity</a:t>
             </a:r>
           </a:p>
         </p:txBody>
       </p:sp>
       <p:pic>
         <p:nvPicPr>
-          <p:cNvPr id="9" name="Picture 8">
+          <p:cNvPr id="11" name="Picture 10">
             <a:extLst>
               <a:ext uri="{FF2B5EF4-FFF2-40B4-BE49-F238E27FC236}">
-                <a16:creationId xmlns:a16="http://schemas.microsoft.com/office/drawing/2014/main" id="{312CC7AB-6711-4256-BFD8-9C0C93A7C727}"/>
+                <a16:creationId xmlns:a16="http://schemas.microsoft.com/office/drawing/2014/main" id="{909F61BF-17C2-469D-A41E-A281EB381712}"/>
               </a:ext>
             </a:extLst>
           </p:cNvPr>
@@ -7366,121 +8115,25 @@
           <p:nvPr/>
         </p:nvPicPr>
         <p:blipFill>
-          <a:blip r:embed="rId3"/>
+          <a:blip r:embed="rId2"/>
           <a:stretch>
             <a:fillRect/>
           </a:stretch>
         </p:blipFill>
         <p:spPr>
           <a:xfrm>
-            <a:off x="566169" y="1395637"/>
-            <a:ext cx="3331010" cy="2402695"/>
+            <a:off x="1616479" y="1756988"/>
+            <a:ext cx="5047583" cy="3344023"/>
           </a:xfrm>
           <a:prstGeom prst="rect">
             <a:avLst/>
           </a:prstGeom>
         </p:spPr>
       </p:pic>
-      <p:pic>
-        <p:nvPicPr>
-          <p:cNvPr id="12" name="Picture 11">
-            <a:extLst>
-              <a:ext uri="{FF2B5EF4-FFF2-40B4-BE49-F238E27FC236}">
-                <a16:creationId xmlns:a16="http://schemas.microsoft.com/office/drawing/2014/main" id="{B5C93C7E-31A0-40BF-91D9-691CB9A7A87A}"/>
-              </a:ext>
-            </a:extLst>
-          </p:cNvPr>
-          <p:cNvPicPr>
-            <a:picLocks noChangeAspect="1"/>
-          </p:cNvPicPr>
-          <p:nvPr/>
-        </p:nvPicPr>
-        <p:blipFill>
-          <a:blip r:embed="rId4"/>
-          <a:stretch>
-            <a:fillRect/>
-          </a:stretch>
-        </p:blipFill>
-        <p:spPr>
-          <a:xfrm>
-            <a:off x="566169" y="4014216"/>
-            <a:ext cx="3359370" cy="2446066"/>
-          </a:xfrm>
-          <a:prstGeom prst="rect">
-            <a:avLst/>
-          </a:prstGeom>
-        </p:spPr>
-      </p:pic>
-      <p:pic>
-        <p:nvPicPr>
-          <p:cNvPr id="15" name="Picture 14">
-            <a:extLst>
-              <a:ext uri="{FF2B5EF4-FFF2-40B4-BE49-F238E27FC236}">
-                <a16:creationId xmlns:a16="http://schemas.microsoft.com/office/drawing/2014/main" id="{A75C6BF4-9A35-4278-B62B-0A8A117BA323}"/>
-              </a:ext>
-            </a:extLst>
-          </p:cNvPr>
-          <p:cNvPicPr>
-            <a:picLocks noChangeAspect="1"/>
-          </p:cNvPicPr>
-          <p:nvPr/>
-        </p:nvPicPr>
-        <p:blipFill>
-          <a:blip r:embed="rId5"/>
-          <a:stretch>
-            <a:fillRect/>
-          </a:stretch>
-        </p:blipFill>
-        <p:spPr>
-          <a:xfrm>
-            <a:off x="4147854" y="3945128"/>
-            <a:ext cx="3359370" cy="2448220"/>
-          </a:xfrm>
-          <a:prstGeom prst="rect">
-            <a:avLst/>
-          </a:prstGeom>
-        </p:spPr>
-      </p:pic>
-      <p:sp>
-        <p:nvSpPr>
-          <p:cNvPr id="20" name="TextBox 19">
-            <a:extLst>
-              <a:ext uri="{FF2B5EF4-FFF2-40B4-BE49-F238E27FC236}">
-                <a16:creationId xmlns:a16="http://schemas.microsoft.com/office/drawing/2014/main" id="{4FFF714F-DDA4-4AC3-8B95-20022241CBF5}"/>
-              </a:ext>
-            </a:extLst>
-          </p:cNvPr>
-          <p:cNvSpPr txBox="1"/>
-          <p:nvPr/>
-        </p:nvSpPr>
-        <p:spPr>
-          <a:xfrm>
-            <a:off x="1907574" y="594548"/>
-            <a:ext cx="4480560" cy="369332"/>
-          </a:xfrm>
-          <a:prstGeom prst="rect">
-            <a:avLst/>
-          </a:prstGeom>
-          <a:noFill/>
-        </p:spPr>
-        <p:txBody>
-          <a:bodyPr wrap="square" rtlCol="0">
-            <a:spAutoFit/>
-          </a:bodyPr>
-          <a:lstStyle/>
-          <a:p>
-            <a:pPr algn="ctr"/>
-            <a:r>
-              <a:rPr lang="en-US" dirty="0"/>
-              <a:t>Energy Usage Trends per U.S. Region</a:t>
-            </a:r>
-          </a:p>
-        </p:txBody>
-      </p:sp>
     </p:spTree>
     <p:extLst>
       <p:ext uri="{BB962C8B-B14F-4D97-AF65-F5344CB8AC3E}">
-        <p14:creationId xmlns:p14="http://schemas.microsoft.com/office/powerpoint/2010/main" val="1703085492"/>
+        <p14:creationId xmlns:p14="http://schemas.microsoft.com/office/powerpoint/2010/main" val="3271766303"/>
       </p:ext>
     </p:extLst>
   </p:cSld>
@@ -7537,7 +8190,7 @@
           <a:p>
             <a:r>
               <a:rPr lang="en-US" sz="2200" dirty="0"/>
-              <a:t>Energy Usage Trends</a:t>
+              <a:t>Energy Price Trends</a:t>
             </a:r>
           </a:p>
         </p:txBody>
@@ -7571,36 +8224,92 @@
             <a:pPr algn="ctr"/>
             <a:r>
               <a:rPr lang="en-US" sz="1600" dirty="0"/>
-              <a:t>Energy usage is considerable higher in the South region while the mid west has a lower usage.</a:t>
-            </a:r>
-          </a:p>
-          <a:p>
-            <a:pPr algn="ctr"/>
-            <a:r>
-              <a:rPr lang="en-US" sz="1600" dirty="0"/>
               <a:t>.</a:t>
             </a:r>
           </a:p>
           <a:p>
             <a:endParaRPr lang="en-US" dirty="0"/>
+          </a:p>
+        </p:txBody>
+      </p:sp>
+      <p:sp>
+        <p:nvSpPr>
+          <p:cNvPr id="9" name="TextBox 8">
+            <a:extLst>
+              <a:ext uri="{FF2B5EF4-FFF2-40B4-BE49-F238E27FC236}">
+                <a16:creationId xmlns:a16="http://schemas.microsoft.com/office/drawing/2014/main" id="{DF365B5A-CD57-4E16-99D4-8756AF59A1F8}"/>
+              </a:ext>
+            </a:extLst>
+          </p:cNvPr>
+          <p:cNvSpPr txBox="1"/>
+          <p:nvPr/>
+        </p:nvSpPr>
+        <p:spPr>
+          <a:xfrm>
+            <a:off x="2261975" y="723900"/>
+            <a:ext cx="4291225" cy="369332"/>
+          </a:xfrm>
+          <a:prstGeom prst="rect">
+            <a:avLst/>
+          </a:prstGeom>
+          <a:noFill/>
+        </p:spPr>
+        <p:txBody>
+          <a:bodyPr wrap="square" rtlCol="0">
+            <a:spAutoFit/>
+          </a:bodyPr>
+          <a:lstStyle/>
+          <a:p>
+            <a:pPr marL="0" marR="0" lvl="0" indent="0" algn="ctr" defTabSz="914400" rtl="0" eaLnBrk="1" fontAlgn="auto" latinLnBrk="0" hangingPunct="1">
+              <a:lnSpc>
+                <a:spcPct val="100000"/>
+              </a:lnSpc>
+              <a:spcBef>
+                <a:spcPts val="0"/>
+              </a:spcBef>
+              <a:spcAft>
+                <a:spcPts val="0"/>
+              </a:spcAft>
+              <a:buClrTx/>
+              <a:buSzTx/>
+              <a:buFontTx/>
+              <a:buNone/>
+              <a:tabLst/>
+              <a:defRPr/>
+            </a:pPr>
+            <a:r>
+              <a:rPr kumimoji="0" lang="en-US" sz="1800" b="0" i="0" u="none" strike="noStrike" kern="1200" cap="none" spc="0" normalizeH="0" baseline="0" noProof="0" dirty="0">
+                <a:ln>
+                  <a:noFill/>
+                </a:ln>
+                <a:solidFill>
+                  <a:prstClr val="black"/>
+                </a:solidFill>
+                <a:effectLst/>
+                <a:uLnTx/>
+                <a:uFillTx/>
+                <a:latin typeface="Century Gothic" panose="020F0302020204030204"/>
+                <a:ea typeface="+mn-ea"/>
+                <a:cs typeface="+mn-cs"/>
+              </a:rPr>
+              <a:t>Side by Side Price Commentary</a:t>
+            </a:r>
           </a:p>
         </p:txBody>
       </p:sp>
       <p:pic>
         <p:nvPicPr>
-          <p:cNvPr id="7" name="Content Placeholder 6">
+          <p:cNvPr id="6" name="Picture 5">
             <a:extLst>
               <a:ext uri="{FF2B5EF4-FFF2-40B4-BE49-F238E27FC236}">
-                <a16:creationId xmlns:a16="http://schemas.microsoft.com/office/drawing/2014/main" id="{215BC6F2-D9D7-4A4B-BC06-9197171570DF}"/>
+                <a16:creationId xmlns:a16="http://schemas.microsoft.com/office/drawing/2014/main" id="{F241FF86-48C3-4E72-8401-D3CB8996A640}"/>
               </a:ext>
             </a:extLst>
           </p:cNvPr>
           <p:cNvPicPr>
-            <a:picLocks noGrp="1" noChangeAspect="1"/>
+            <a:picLocks noChangeAspect="1"/>
           </p:cNvPicPr>
-          <p:nvPr>
-            <p:ph idx="1"/>
-          </p:nvPr>
+          <p:nvPr/>
         </p:nvPicPr>
         <p:blipFill>
           <a:blip r:embed="rId2"/>
@@ -7610,8 +8319,8 @@
         </p:blipFill>
         <p:spPr>
           <a:xfrm>
-            <a:off x="571837" y="2057400"/>
-            <a:ext cx="3940465" cy="2914865"/>
+            <a:off x="489026" y="2753897"/>
+            <a:ext cx="3696216" cy="2886478"/>
           </a:xfrm>
           <a:prstGeom prst="rect">
             <a:avLst/>
@@ -7620,10 +8329,10 @@
       </p:pic>
       <p:pic>
         <p:nvPicPr>
-          <p:cNvPr id="8" name="Picture 7">
+          <p:cNvPr id="12" name="Picture 11">
             <a:extLst>
               <a:ext uri="{FF2B5EF4-FFF2-40B4-BE49-F238E27FC236}">
-                <a16:creationId xmlns:a16="http://schemas.microsoft.com/office/drawing/2014/main" id="{622DB0EB-B300-4F7C-8049-28C812FAD8DB}"/>
+                <a16:creationId xmlns:a16="http://schemas.microsoft.com/office/drawing/2014/main" id="{4E3A2816-6853-466B-BCCD-EB7CE2A102AD}"/>
               </a:ext>
             </a:extLst>
           </p:cNvPr>
@@ -7640,54 +8349,18 @@
         </p:blipFill>
         <p:spPr>
           <a:xfrm>
-            <a:off x="4586884" y="2057400"/>
-            <a:ext cx="3161963" cy="2806141"/>
+            <a:off x="4399447" y="2565668"/>
+            <a:ext cx="3393105" cy="3262935"/>
           </a:xfrm>
           <a:prstGeom prst="rect">
             <a:avLst/>
           </a:prstGeom>
         </p:spPr>
       </p:pic>
-      <p:sp>
-        <p:nvSpPr>
-          <p:cNvPr id="9" name="TextBox 8">
-            <a:extLst>
-              <a:ext uri="{FF2B5EF4-FFF2-40B4-BE49-F238E27FC236}">
-                <a16:creationId xmlns:a16="http://schemas.microsoft.com/office/drawing/2014/main" id="{DF365B5A-CD57-4E16-99D4-8756AF59A1F8}"/>
-              </a:ext>
-            </a:extLst>
-          </p:cNvPr>
-          <p:cNvSpPr txBox="1"/>
-          <p:nvPr/>
-        </p:nvSpPr>
-        <p:spPr>
-          <a:xfrm>
-            <a:off x="2261975" y="723900"/>
-            <a:ext cx="4291225" cy="369332"/>
-          </a:xfrm>
-          <a:prstGeom prst="rect">
-            <a:avLst/>
-          </a:prstGeom>
-          <a:noFill/>
-        </p:spPr>
-        <p:txBody>
-          <a:bodyPr wrap="square" rtlCol="0">
-            <a:spAutoFit/>
-          </a:bodyPr>
-          <a:lstStyle/>
-          <a:p>
-            <a:pPr algn="ctr"/>
-            <a:r>
-              <a:rPr lang="en-US" dirty="0"/>
-              <a:t>Side by Side Usage Commentary</a:t>
-            </a:r>
-          </a:p>
-        </p:txBody>
-      </p:sp>
     </p:spTree>
     <p:extLst>
       <p:ext uri="{BB962C8B-B14F-4D97-AF65-F5344CB8AC3E}">
-        <p14:creationId xmlns:p14="http://schemas.microsoft.com/office/powerpoint/2010/main" val="3979760519"/>
+        <p14:creationId xmlns:p14="http://schemas.microsoft.com/office/powerpoint/2010/main" val="525377556"/>
       </p:ext>
     </p:extLst>
   </p:cSld>
@@ -7719,7 +8392,7 @@
           <p:cNvPr id="2" name="Title 1">
             <a:extLst>
               <a:ext uri="{FF2B5EF4-FFF2-40B4-BE49-F238E27FC236}">
-                <a16:creationId xmlns:a16="http://schemas.microsoft.com/office/drawing/2014/main" id="{EAD0C8B5-6B5B-4F41-A718-7FBA3FEA3AB4}"/>
+                <a16:creationId xmlns:a16="http://schemas.microsoft.com/office/drawing/2014/main" id="{75A77B7C-33FD-483E-844C-A0E4CCD61C67}"/>
               </a:ext>
             </a:extLst>
           </p:cNvPr>
@@ -7732,30 +8405,30 @@
         </p:nvSpPr>
         <p:spPr>
           <a:xfrm>
-            <a:off x="8458200" y="1132405"/>
-            <a:ext cx="3161963" cy="526464"/>
-          </a:xfrm>
-        </p:spPr>
-        <p:txBody>
-          <a:bodyPr>
-            <a:normAutofit/>
+            <a:off x="8458200" y="1719072"/>
+            <a:ext cx="3161963" cy="917028"/>
+          </a:xfrm>
+        </p:spPr>
+        <p:txBody>
+          <a:bodyPr anchor="b">
+            <a:noAutofit/>
           </a:bodyPr>
           <a:lstStyle/>
           <a:p>
             <a:pPr algn="ctr"/>
             <a:r>
-              <a:rPr lang="en-US" sz="2400" dirty="0"/>
-              <a:t>Energy Price Trends</a:t>
-            </a:r>
-          </a:p>
-        </p:txBody>
-      </p:sp>
-      <p:sp>
-        <p:nvSpPr>
-          <p:cNvPr id="4" name="Text Placeholder 3">
+              <a:rPr lang="en-US" sz="2200" dirty="0"/>
+              <a:t>Production Cost Trends</a:t>
+            </a:r>
+          </a:p>
+        </p:txBody>
+      </p:sp>
+      <p:sp>
+        <p:nvSpPr>
+          <p:cNvPr id="10" name="Text Placeholder 3">
             <a:extLst>
               <a:ext uri="{FF2B5EF4-FFF2-40B4-BE49-F238E27FC236}">
-                <a16:creationId xmlns:a16="http://schemas.microsoft.com/office/drawing/2014/main" id="{9B408C85-1DEF-4B6F-8926-7A3E11FF7A02}"/>
+                <a16:creationId xmlns:a16="http://schemas.microsoft.com/office/drawing/2014/main" id="{1382F994-5450-43B0-955A-8F242E08DD71}"/>
               </a:ext>
             </a:extLst>
           </p:cNvPr>
@@ -7768,29 +8441,13 @@
         </p:nvSpPr>
         <p:spPr>
           <a:xfrm>
-            <a:off x="8458200" y="1987065"/>
-            <a:ext cx="3161963" cy="2655824"/>
-          </a:xfrm>
-        </p:spPr>
-        <p:txBody>
-          <a:bodyPr>
-            <a:normAutofit/>
-          </a:bodyPr>
+            <a:off x="8458200" y="2853345"/>
+            <a:ext cx="3161963" cy="2635465"/>
+          </a:xfrm>
+        </p:spPr>
+        <p:txBody>
+          <a:bodyPr/>
           <a:lstStyle/>
-          <a:p>
-            <a:pPr algn="ctr"/>
-            <a:r>
-              <a:rPr lang="en-US" sz="1600" dirty="0"/>
-              <a:t>In the last four years the South has had small increments to price.</a:t>
-            </a:r>
-          </a:p>
-          <a:p>
-            <a:pPr algn="ctr"/>
-            <a:r>
-              <a:rPr lang="en-US" sz="1600" dirty="0"/>
-              <a:t>The Midwest has had a high increase between 2007-2017</a:t>
-            </a:r>
-          </a:p>
           <a:p>
             <a:pPr algn="ctr"/>
             <a:r>
@@ -7799,24 +8456,16 @@
             </a:r>
           </a:p>
           <a:p>
-            <a:pPr algn="ctr"/>
-            <a:endParaRPr lang="en-US" sz="1600" dirty="0"/>
-          </a:p>
-          <a:p>
-            <a:pPr algn="ctr"/>
-            <a:r>
-              <a:rPr lang="en-US" sz="1600" dirty="0"/>
-              <a:t> </a:t>
-            </a:r>
-          </a:p>
-        </p:txBody>
-      </p:sp>
-      <p:sp>
-        <p:nvSpPr>
-          <p:cNvPr id="20" name="TextBox 19">
+            <a:endParaRPr lang="en-US" dirty="0"/>
+          </a:p>
+        </p:txBody>
+      </p:sp>
+      <p:sp>
+        <p:nvSpPr>
+          <p:cNvPr id="9" name="TextBox 8">
             <a:extLst>
               <a:ext uri="{FF2B5EF4-FFF2-40B4-BE49-F238E27FC236}">
-                <a16:creationId xmlns:a16="http://schemas.microsoft.com/office/drawing/2014/main" id="{4FFF714F-DDA4-4AC3-8B95-20022241CBF5}"/>
+                <a16:creationId xmlns:a16="http://schemas.microsoft.com/office/drawing/2014/main" id="{DF365B5A-CD57-4E16-99D4-8756AF59A1F8}"/>
               </a:ext>
             </a:extLst>
           </p:cNvPr>
@@ -7825,8 +8474,8 @@
         </p:nvSpPr>
         <p:spPr>
           <a:xfrm>
-            <a:off x="1907574" y="594548"/>
-            <a:ext cx="4480560" cy="369332"/>
+            <a:off x="2261975" y="723900"/>
+            <a:ext cx="4291225" cy="646331"/>
           </a:xfrm>
           <a:prstGeom prst="rect">
             <a:avLst/>
@@ -7871,17 +8520,17 @@
                 <a:ea typeface="+mn-ea"/>
                 <a:cs typeface="+mn-cs"/>
               </a:rPr>
-              <a:t>Energy Price Trends per U.S. Region</a:t>
+              <a:t>Side by Side Production Cost Commentary</a:t>
             </a:r>
           </a:p>
         </p:txBody>
       </p:sp>
       <p:pic>
         <p:nvPicPr>
-          <p:cNvPr id="8" name="Picture 7">
+          <p:cNvPr id="4" name="Picture 3">
             <a:extLst>
               <a:ext uri="{FF2B5EF4-FFF2-40B4-BE49-F238E27FC236}">
-                <a16:creationId xmlns:a16="http://schemas.microsoft.com/office/drawing/2014/main" id="{33B37FE9-8070-475C-B82E-C5B399B87C02}"/>
+                <a16:creationId xmlns:a16="http://schemas.microsoft.com/office/drawing/2014/main" id="{19123EA1-8C46-43B6-AC91-264848BA878B}"/>
               </a:ext>
             </a:extLst>
           </p:cNvPr>
@@ -7898,8 +8547,8 @@
         </p:blipFill>
         <p:spPr>
           <a:xfrm>
-            <a:off x="571837" y="1064363"/>
-            <a:ext cx="3373154" cy="2655825"/>
+            <a:off x="571837" y="2704022"/>
+            <a:ext cx="3667637" cy="2934109"/>
           </a:xfrm>
           <a:prstGeom prst="rect">
             <a:avLst/>
@@ -7908,10 +8557,10 @@
       </p:pic>
       <p:pic>
         <p:nvPicPr>
-          <p:cNvPr id="11" name="Picture 10">
+          <p:cNvPr id="7" name="Picture 6">
             <a:extLst>
               <a:ext uri="{FF2B5EF4-FFF2-40B4-BE49-F238E27FC236}">
-                <a16:creationId xmlns:a16="http://schemas.microsoft.com/office/drawing/2014/main" id="{FBBF011A-DF74-4D43-B392-7F6D6FE766DB}"/>
+                <a16:creationId xmlns:a16="http://schemas.microsoft.com/office/drawing/2014/main" id="{F91CBC8D-94BB-4A31-A33A-F2D62298010F}"/>
               </a:ext>
             </a:extLst>
           </p:cNvPr>
@@ -7928,68 +8577,8 @@
         </p:blipFill>
         <p:spPr>
           <a:xfrm>
-            <a:off x="4559121" y="1064363"/>
-            <a:ext cx="3523924" cy="2694240"/>
-          </a:xfrm>
-          <a:prstGeom prst="rect">
-            <a:avLst/>
-          </a:prstGeom>
-        </p:spPr>
-      </p:pic>
-      <p:pic>
-        <p:nvPicPr>
-          <p:cNvPr id="14" name="Picture 13">
-            <a:extLst>
-              <a:ext uri="{FF2B5EF4-FFF2-40B4-BE49-F238E27FC236}">
-                <a16:creationId xmlns:a16="http://schemas.microsoft.com/office/drawing/2014/main" id="{6D80A884-7D50-4767-8A4A-305B64395AB5}"/>
-              </a:ext>
-            </a:extLst>
-          </p:cNvPr>
-          <p:cNvPicPr>
-            <a:picLocks noChangeAspect="1"/>
-          </p:cNvPicPr>
-          <p:nvPr/>
-        </p:nvPicPr>
-        <p:blipFill>
-          <a:blip r:embed="rId4"/>
-          <a:stretch>
-            <a:fillRect/>
-          </a:stretch>
-        </p:blipFill>
-        <p:spPr>
-          <a:xfrm>
-            <a:off x="571837" y="3976044"/>
-            <a:ext cx="3398409" cy="2655826"/>
-          </a:xfrm>
-          <a:prstGeom prst="rect">
-            <a:avLst/>
-          </a:prstGeom>
-        </p:spPr>
-      </p:pic>
-      <p:pic>
-        <p:nvPicPr>
-          <p:cNvPr id="17" name="Picture 16">
-            <a:extLst>
-              <a:ext uri="{FF2B5EF4-FFF2-40B4-BE49-F238E27FC236}">
-                <a16:creationId xmlns:a16="http://schemas.microsoft.com/office/drawing/2014/main" id="{6A278536-347B-4A9B-8232-745763532DAD}"/>
-              </a:ext>
-            </a:extLst>
-          </p:cNvPr>
-          <p:cNvPicPr>
-            <a:picLocks noChangeAspect="1"/>
-          </p:cNvPicPr>
-          <p:nvPr/>
-        </p:nvPicPr>
-        <p:blipFill>
-          <a:blip r:embed="rId5"/>
-          <a:stretch>
-            <a:fillRect/>
-          </a:stretch>
-        </p:blipFill>
-        <p:spPr>
-          <a:xfrm>
-            <a:off x="4559121" y="3977958"/>
-            <a:ext cx="3398409" cy="2653912"/>
+            <a:off x="4524155" y="2383684"/>
+            <a:ext cx="3143689" cy="3334215"/>
           </a:xfrm>
           <a:prstGeom prst="rect">
             <a:avLst/>
@@ -7999,7 +8588,7 @@
     </p:spTree>
     <p:extLst>
       <p:ext uri="{BB962C8B-B14F-4D97-AF65-F5344CB8AC3E}">
-        <p14:creationId xmlns:p14="http://schemas.microsoft.com/office/powerpoint/2010/main" val="484813950"/>
+        <p14:creationId xmlns:p14="http://schemas.microsoft.com/office/powerpoint/2010/main" val="287446111"/>
       </p:ext>
     </p:extLst>
   </p:cSld>
@@ -8286,21 +8875,21 @@
 </file>
 
 <file path=customXml/item1.xml><?xml version="1.0" encoding="utf-8"?>
+<?mso-contentType ?>
+<FormTemplates xmlns="http://schemas.microsoft.com/sharepoint/v3/contenttype/forms">
+  <Display>DocumentLibraryForm</Display>
+  <Edit>DocumentLibraryForm</Edit>
+  <New>DocumentLibraryForm</New>
+</FormTemplates>
+</file>
+
+<file path=customXml/item2.xml><?xml version="1.0" encoding="utf-8"?>
 <p:properties xmlns:p="http://schemas.microsoft.com/office/2006/metadata/properties" xmlns:xsi="http://www.w3.org/2001/XMLSchema-instance" xmlns:pc="http://schemas.microsoft.com/office/infopath/2007/PartnerControls">
   <documentManagement>
     <Status xmlns="71af3243-3dd4-4a8d-8c0d-dd76da1f02a5">Not started</Status>
     <MediaServiceKeyPoints xmlns="71af3243-3dd4-4a8d-8c0d-dd76da1f02a5" xsi:nil="true"/>
   </documentManagement>
 </p:properties>
-</file>
-
-<file path=customXml/item2.xml><?xml version="1.0" encoding="utf-8"?>
-<?mso-contentType ?>
-<FormTemplates xmlns="http://schemas.microsoft.com/sharepoint/v3/contenttype/forms">
-  <Display>DocumentLibraryForm</Display>
-  <Edit>DocumentLibraryForm</Edit>
-  <New>DocumentLibraryForm</New>
-</FormTemplates>
 </file>
 
 <file path=customXml/item3.xml><?xml version="1.0" encoding="utf-8"?>
@@ -8525,19 +9114,19 @@
 </file>
 
 <file path=customXml/itemProps1.xml><?xml version="1.0" encoding="utf-8"?>
+<ds:datastoreItem xmlns:ds="http://schemas.openxmlformats.org/officeDocument/2006/customXml" ds:itemID="{CDB58277-F8DF-46FF-84EC-EF41B835E69F}">
+  <ds:schemaRefs>
+    <ds:schemaRef ds:uri="http://schemas.microsoft.com/sharepoint/v3/contenttype/forms"/>
+  </ds:schemaRefs>
+</ds:datastoreItem>
+</file>
+
+<file path=customXml/itemProps2.xml><?xml version="1.0" encoding="utf-8"?>
 <ds:datastoreItem xmlns:ds="http://schemas.openxmlformats.org/officeDocument/2006/customXml" ds:itemID="{137651BA-F45C-4845-9AB3-E0A65B39F5E1}">
   <ds:schemaRefs>
     <ds:schemaRef ds:uri="http://schemas.microsoft.com/office/2006/metadata/properties"/>
     <ds:schemaRef ds:uri="http://schemas.microsoft.com/office/infopath/2007/PartnerControls"/>
     <ds:schemaRef ds:uri="71af3243-3dd4-4a8d-8c0d-dd76da1f02a5"/>
-  </ds:schemaRefs>
-</ds:datastoreItem>
-</file>
-
-<file path=customXml/itemProps2.xml><?xml version="1.0" encoding="utf-8"?>
-<ds:datastoreItem xmlns:ds="http://schemas.openxmlformats.org/officeDocument/2006/customXml" ds:itemID="{CDB58277-F8DF-46FF-84EC-EF41B835E69F}">
-  <ds:schemaRefs>
-    <ds:schemaRef ds:uri="http://schemas.microsoft.com/sharepoint/v3/contenttype/forms"/>
   </ds:schemaRefs>
 </ds:datastoreItem>
 </file>

--- a/Presentaion.pptx
+++ b/Presentaion.pptx
@@ -13,8 +13,8 @@
     <p:sldId id="272" r:id="rId10"/>
     <p:sldId id="271" r:id="rId11"/>
     <p:sldId id="270" r:id="rId12"/>
-    <p:sldId id="273" r:id="rId13"/>
-    <p:sldId id="269" r:id="rId14"/>
+    <p:sldId id="269" r:id="rId13"/>
+    <p:sldId id="273" r:id="rId14"/>
     <p:sldId id="268" r:id="rId15"/>
     <p:sldId id="267" r:id="rId16"/>
     <p:sldId id="266" r:id="rId17"/>
@@ -128,7 +128,7 @@
 <file path=ppt/revisionInfo.xml><?xml version="1.0" encoding="utf-8"?>
 <p1510:revInfo xmlns:a="http://schemas.openxmlformats.org/drawingml/2006/main" xmlns:r="http://schemas.openxmlformats.org/officeDocument/2006/relationships" xmlns:p1510="http://schemas.microsoft.com/office/powerpoint/2015/10/main">
   <p1510:revLst>
-    <p1510:client id="{09195C97-C5F0-4ECB-83D4-D1631AF5F0FD}" v="8" dt="2022-02-15T03:30:49.461"/>
+    <p1510:client id="{09195C97-C5F0-4ECB-83D4-D1631AF5F0FD}" v="12" dt="2022-02-16T00:27:06.866"/>
   </p1510:revLst>
 </p1510:revInfo>
 </file>
@@ -138,7 +138,7 @@
   <pc:docChgLst>
     <pc:chgData name="Emanuel Villa" userId="5c282a8693169257" providerId="LiveId" clId="{09195C97-C5F0-4ECB-83D4-D1631AF5F0FD}"/>
     <pc:docChg chg="custSel modSld sldOrd">
-      <pc:chgData name="Emanuel Villa" userId="5c282a8693169257" providerId="LiveId" clId="{09195C97-C5F0-4ECB-83D4-D1631AF5F0FD}" dt="2022-02-15T16:42:48.653" v="501"/>
+      <pc:chgData name="Emanuel Villa" userId="5c282a8693169257" providerId="LiveId" clId="{09195C97-C5F0-4ECB-83D4-D1631AF5F0FD}" dt="2022-02-16T00:37:16.928" v="564"/>
       <pc:docMkLst>
         <pc:docMk/>
       </pc:docMkLst>
@@ -297,14 +297,37 @@
         </pc:sldMkLst>
       </pc:sldChg>
       <pc:sldChg chg="ord">
-        <pc:chgData name="Emanuel Villa" userId="5c282a8693169257" providerId="LiveId" clId="{09195C97-C5F0-4ECB-83D4-D1631AF5F0FD}" dt="2022-02-15T16:42:45.501" v="499"/>
+        <pc:chgData name="Emanuel Villa" userId="5c282a8693169257" providerId="LiveId" clId="{09195C97-C5F0-4ECB-83D4-D1631AF5F0FD}" dt="2022-02-16T00:37:16.928" v="564"/>
         <pc:sldMkLst>
           <pc:docMk/>
           <pc:sldMk cId="484813950" sldId="269"/>
         </pc:sldMkLst>
       </pc:sldChg>
+      <pc:sldChg chg="delSp modSp mod">
+        <pc:chgData name="Emanuel Villa" userId="5c282a8693169257" providerId="LiveId" clId="{09195C97-C5F0-4ECB-83D4-D1631AF5F0FD}" dt="2022-02-16T00:36:45.287" v="561" actId="14100"/>
+        <pc:sldMkLst>
+          <pc:docMk/>
+          <pc:sldMk cId="525377556" sldId="270"/>
+        </pc:sldMkLst>
+        <pc:picChg chg="mod">
+          <ac:chgData name="Emanuel Villa" userId="5c282a8693169257" providerId="LiveId" clId="{09195C97-C5F0-4ECB-83D4-D1631AF5F0FD}" dt="2022-02-16T00:36:45.287" v="561" actId="14100"/>
+          <ac:picMkLst>
+            <pc:docMk/>
+            <pc:sldMk cId="525377556" sldId="270"/>
+            <ac:picMk id="6" creationId="{F241FF86-48C3-4E72-8401-D3CB8996A640}"/>
+          </ac:picMkLst>
+        </pc:picChg>
+        <pc:picChg chg="del">
+          <ac:chgData name="Emanuel Villa" userId="5c282a8693169257" providerId="LiveId" clId="{09195C97-C5F0-4ECB-83D4-D1631AF5F0FD}" dt="2022-02-16T00:36:37.497" v="558" actId="478"/>
+          <ac:picMkLst>
+            <pc:docMk/>
+            <pc:sldMk cId="525377556" sldId="270"/>
+            <ac:picMk id="12" creationId="{4E3A2816-6853-466B-BCCD-EB7CE2A102AD}"/>
+          </ac:picMkLst>
+        </pc:picChg>
+      </pc:sldChg>
       <pc:sldChg chg="modSp mod">
-        <pc:chgData name="Emanuel Villa" userId="5c282a8693169257" providerId="LiveId" clId="{09195C97-C5F0-4ECB-83D4-D1631AF5F0FD}" dt="2022-02-15T02:34:20.785" v="5" actId="20577"/>
+        <pc:chgData name="Emanuel Villa" userId="5c282a8693169257" providerId="LiveId" clId="{09195C97-C5F0-4ECB-83D4-D1631AF5F0FD}" dt="2022-02-16T00:26:03.556" v="502" actId="1076"/>
         <pc:sldMkLst>
           <pc:docMk/>
           <pc:sldMk cId="3271766303" sldId="271"/>
@@ -317,13 +340,93 @@
             <ac:spMk id="4" creationId="{4A673B90-8D4C-46CF-AC6F-4CE5A1C0151A}"/>
           </ac:spMkLst>
         </pc:spChg>
+        <pc:picChg chg="mod">
+          <ac:chgData name="Emanuel Villa" userId="5c282a8693169257" providerId="LiveId" clId="{09195C97-C5F0-4ECB-83D4-D1631AF5F0FD}" dt="2022-02-16T00:26:03.556" v="502" actId="1076"/>
+          <ac:picMkLst>
+            <pc:docMk/>
+            <pc:sldMk cId="3271766303" sldId="271"/>
+            <ac:picMk id="11" creationId="{909F61BF-17C2-469D-A41E-A281EB381712}"/>
+          </ac:picMkLst>
+        </pc:picChg>
       </pc:sldChg>
-      <pc:sldChg chg="addSp delSp mod ord">
-        <pc:chgData name="Emanuel Villa" userId="5c282a8693169257" providerId="LiveId" clId="{09195C97-C5F0-4ECB-83D4-D1631AF5F0FD}" dt="2022-02-15T03:30:39.117" v="481"/>
+      <pc:sldChg chg="addSp delSp modSp mod ord">
+        <pc:chgData name="Emanuel Villa" userId="5c282a8693169257" providerId="LiveId" clId="{09195C97-C5F0-4ECB-83D4-D1631AF5F0FD}" dt="2022-02-16T00:29:05.839" v="556" actId="20577"/>
         <pc:sldMkLst>
           <pc:docMk/>
           <pc:sldMk cId="1700402683" sldId="272"/>
         </pc:sldMkLst>
+        <pc:spChg chg="mod">
+          <ac:chgData name="Emanuel Villa" userId="5c282a8693169257" providerId="LiveId" clId="{09195C97-C5F0-4ECB-83D4-D1631AF5F0FD}" dt="2022-02-16T00:29:05.839" v="556" actId="20577"/>
+          <ac:spMkLst>
+            <pc:docMk/>
+            <pc:sldMk cId="1700402683" sldId="272"/>
+            <ac:spMk id="4" creationId="{9B408C85-1DEF-4B6F-8926-7A3E11FF7A02}"/>
+          </ac:spMkLst>
+        </pc:spChg>
+        <pc:picChg chg="del">
+          <ac:chgData name="Emanuel Villa" userId="5c282a8693169257" providerId="LiveId" clId="{09195C97-C5F0-4ECB-83D4-D1631AF5F0FD}" dt="2022-02-16T00:26:16.299" v="503" actId="478"/>
+          <ac:picMkLst>
+            <pc:docMk/>
+            <pc:sldMk cId="1700402683" sldId="272"/>
+            <ac:picMk id="5" creationId="{722CA9AC-A547-4488-A416-7B42A2A2758A}"/>
+          </ac:picMkLst>
+        </pc:picChg>
+        <pc:picChg chg="del">
+          <ac:chgData name="Emanuel Villa" userId="5c282a8693169257" providerId="LiveId" clId="{09195C97-C5F0-4ECB-83D4-D1631AF5F0FD}" dt="2022-02-16T00:26:16.848" v="504" actId="478"/>
+          <ac:picMkLst>
+            <pc:docMk/>
+            <pc:sldMk cId="1700402683" sldId="272"/>
+            <ac:picMk id="7" creationId="{FCB6FD4F-B6B3-403D-8CFF-B4FF5E671CAA}"/>
+          </ac:picMkLst>
+        </pc:picChg>
+        <pc:picChg chg="add mod">
+          <ac:chgData name="Emanuel Villa" userId="5c282a8693169257" providerId="LiveId" clId="{09195C97-C5F0-4ECB-83D4-D1631AF5F0FD}" dt="2022-02-16T00:27:11.032" v="519" actId="1076"/>
+          <ac:picMkLst>
+            <pc:docMk/>
+            <pc:sldMk cId="1700402683" sldId="272"/>
+            <ac:picMk id="9" creationId="{16A3AC93-EC61-4236-978B-FC19FA6F99CD}"/>
+          </ac:picMkLst>
+        </pc:picChg>
+        <pc:picChg chg="del mod">
+          <ac:chgData name="Emanuel Villa" userId="5c282a8693169257" providerId="LiveId" clId="{09195C97-C5F0-4ECB-83D4-D1631AF5F0FD}" dt="2022-02-16T00:26:17.489" v="506" actId="478"/>
+          <ac:picMkLst>
+            <pc:docMk/>
+            <pc:sldMk cId="1700402683" sldId="272"/>
+            <ac:picMk id="10" creationId="{488EAF29-4985-4B19-AA9D-C283CAF2A961}"/>
+          </ac:picMkLst>
+        </pc:picChg>
+        <pc:picChg chg="add mod">
+          <ac:chgData name="Emanuel Villa" userId="5c282a8693169257" providerId="LiveId" clId="{09195C97-C5F0-4ECB-83D4-D1631AF5F0FD}" dt="2022-02-16T00:27:21.088" v="521" actId="14100"/>
+          <ac:picMkLst>
+            <pc:docMk/>
+            <pc:sldMk cId="1700402683" sldId="272"/>
+            <ac:picMk id="11" creationId="{2DBA5F8E-F749-4732-9906-A29263407075}"/>
+          </ac:picMkLst>
+        </pc:picChg>
+        <pc:picChg chg="add mod">
+          <ac:chgData name="Emanuel Villa" userId="5c282a8693169257" providerId="LiveId" clId="{09195C97-C5F0-4ECB-83D4-D1631AF5F0FD}" dt="2022-02-16T00:27:27.057" v="525" actId="1076"/>
+          <ac:picMkLst>
+            <pc:docMk/>
+            <pc:sldMk cId="1700402683" sldId="272"/>
+            <ac:picMk id="12" creationId="{118DE550-012A-496A-AA20-2F34588244D5}"/>
+          </ac:picMkLst>
+        </pc:picChg>
+        <pc:picChg chg="del">
+          <ac:chgData name="Emanuel Villa" userId="5c282a8693169257" providerId="LiveId" clId="{09195C97-C5F0-4ECB-83D4-D1631AF5F0FD}" dt="2022-02-16T00:26:18.480" v="507" actId="478"/>
+          <ac:picMkLst>
+            <pc:docMk/>
+            <pc:sldMk cId="1700402683" sldId="272"/>
+            <ac:picMk id="13" creationId="{C3C1FCEF-590C-4CC5-BEEF-24354D0DF7D0}"/>
+          </ac:picMkLst>
+        </pc:picChg>
+        <pc:picChg chg="add mod">
+          <ac:chgData name="Emanuel Villa" userId="5c282a8693169257" providerId="LiveId" clId="{09195C97-C5F0-4ECB-83D4-D1631AF5F0FD}" dt="2022-02-16T00:27:33.064" v="527" actId="14100"/>
+          <ac:picMkLst>
+            <pc:docMk/>
+            <pc:sldMk cId="1700402683" sldId="272"/>
+            <ac:picMk id="14" creationId="{C69C40BD-0EB4-41F2-A562-5EB987070BC8}"/>
+          </ac:picMkLst>
+        </pc:picChg>
         <pc:inkChg chg="add del">
           <ac:chgData name="Emanuel Villa" userId="5c282a8693169257" providerId="LiveId" clId="{09195C97-C5F0-4ECB-83D4-D1631AF5F0FD}" dt="2022-02-15T03:30:39.117" v="481"/>
           <ac:inkMkLst>
@@ -332,6 +435,29 @@
             <ac:inkMk id="3" creationId="{B1E047BD-D9FA-4A03-BF11-BBBFAB6BFEFB}"/>
           </ac:inkMkLst>
         </pc:inkChg>
+      </pc:sldChg>
+      <pc:sldChg chg="delSp modSp mod">
+        <pc:chgData name="Emanuel Villa" userId="5c282a8693169257" providerId="LiveId" clId="{09195C97-C5F0-4ECB-83D4-D1631AF5F0FD}" dt="2022-02-16T00:37:09.305" v="562" actId="1076"/>
+        <pc:sldMkLst>
+          <pc:docMk/>
+          <pc:sldMk cId="287446111" sldId="273"/>
+        </pc:sldMkLst>
+        <pc:picChg chg="mod">
+          <ac:chgData name="Emanuel Villa" userId="5c282a8693169257" providerId="LiveId" clId="{09195C97-C5F0-4ECB-83D4-D1631AF5F0FD}" dt="2022-02-16T00:37:09.305" v="562" actId="1076"/>
+          <ac:picMkLst>
+            <pc:docMk/>
+            <pc:sldMk cId="287446111" sldId="273"/>
+            <ac:picMk id="4" creationId="{19123EA1-8C46-43B6-AC91-264848BA878B}"/>
+          </ac:picMkLst>
+        </pc:picChg>
+        <pc:picChg chg="del">
+          <ac:chgData name="Emanuel Villa" userId="5c282a8693169257" providerId="LiveId" clId="{09195C97-C5F0-4ECB-83D4-D1631AF5F0FD}" dt="2022-02-16T00:35:19.738" v="557" actId="478"/>
+          <ac:picMkLst>
+            <pc:docMk/>
+            <pc:sldMk cId="287446111" sldId="273"/>
+            <ac:picMk id="7" creationId="{F91CBC8D-94BB-4A31-A33A-F2D62298010F}"/>
+          </ac:picMkLst>
+        </pc:picChg>
       </pc:sldChg>
       <pc:sldChg chg="addSp delSp modSp mod ord">
         <pc:chgData name="Emanuel Villa" userId="5c282a8693169257" providerId="LiveId" clId="{09195C97-C5F0-4ECB-83D4-D1631AF5F0FD}" dt="2022-02-15T16:42:12.301" v="493"/>
@@ -1351,7 +1477,7 @@
           <a:p>
             <a:fld id="{EA0C0817-A112-4847-8014-A94B7D2A4EA3}" type="datetime1">
               <a:rPr lang="en-US" smtClean="0"/>
-              <a:t>2/14/2022</a:t>
+              <a:t>2/15/2022</a:t>
             </a:fld>
             <a:endParaRPr lang="en-US" dirty="0"/>
           </a:p>
@@ -1553,7 +1679,7 @@
           <a:p>
             <a:fld id="{7332B432-ACDA-4023-A761-2BAB76577B62}" type="datetime1">
               <a:rPr lang="en-US" smtClean="0"/>
-              <a:t>2/14/2022</a:t>
+              <a:t>2/15/2022</a:t>
             </a:fld>
             <a:endParaRPr lang="en-US" dirty="0"/>
           </a:p>
@@ -2152,7 +2278,7 @@
           <a:p>
             <a:fld id="{D9C646AA-F36E-4540-911D-FFFC0A0EF24A}" type="datetime1">
               <a:rPr lang="en-US" smtClean="0"/>
-              <a:t>2/14/2022</a:t>
+              <a:t>2/15/2022</a:t>
             </a:fld>
             <a:endParaRPr lang="en-US" dirty="0"/>
           </a:p>
@@ -2472,7 +2598,7 @@
           <a:p>
             <a:fld id="{69186D26-FA5F-4637-B602-B7C2DC34CFD4}" type="datetime1">
               <a:rPr lang="en-US" smtClean="0"/>
-              <a:t>2/14/2022</a:t>
+              <a:t>2/15/2022</a:t>
             </a:fld>
             <a:endParaRPr lang="en-US" dirty="0"/>
           </a:p>
@@ -2909,7 +3035,7 @@
           <a:p>
             <a:fld id="{8A7F15D8-96D1-4781-BC50-CA8A088B2FE4}" type="datetime1">
               <a:rPr lang="en-US" smtClean="0"/>
-              <a:t>2/14/2022</a:t>
+              <a:t>2/15/2022</a:t>
             </a:fld>
             <a:endParaRPr lang="en-US" dirty="0"/>
           </a:p>
@@ -3027,7 +3153,7 @@
           <a:p>
             <a:fld id="{F9A96C99-B8F8-4528-BD05-0E16E943DC09}" type="datetime1">
               <a:rPr lang="en-US" smtClean="0"/>
-              <a:t>2/14/2022</a:t>
+              <a:t>2/15/2022</a:t>
             </a:fld>
             <a:endParaRPr lang="en-US" dirty="0"/>
           </a:p>
@@ -3122,7 +3248,7 @@
           <a:p>
             <a:fld id="{03636942-C211-4B28-8DBD-C953E00AF71B}" type="datetime1">
               <a:rPr lang="en-US" smtClean="0"/>
-              <a:t>2/14/2022</a:t>
+              <a:t>2/15/2022</a:t>
             </a:fld>
             <a:endParaRPr lang="en-US" dirty="0"/>
           </a:p>
@@ -3539,7 +3665,7 @@
           <a:p>
             <a:fld id="{7E8D12A6-918A-48BD-8CB9-CA713993B0EA}" type="datetime1">
               <a:rPr lang="en-US" smtClean="0"/>
-              <a:t>2/14/2022</a:t>
+              <a:t>2/15/2022</a:t>
             </a:fld>
             <a:endParaRPr lang="en-US" dirty="0"/>
           </a:p>
@@ -3801,7 +3927,7 @@
             <a:fld id="{E778CE86-875F-4587-BCF6-FA054AFC0D53}" type="datetime1">
               <a:rPr lang="en-US" smtClean="0"/>
               <a:pPr/>
-              <a:t>2/14/2022</a:t>
+              <a:t>2/15/2022</a:t>
             </a:fld>
             <a:endParaRPr lang="en-US" dirty="0"/>
           </a:p>
@@ -4317,7 +4443,7 @@
           <a:p>
             <a:fld id="{F6FA2B21-3FCD-4721-B95C-427943F61125}" type="datetime1">
               <a:rPr lang="en-US" smtClean="0"/>
-              <a:t>2/14/2022</a:t>
+              <a:t>2/15/2022</a:t>
             </a:fld>
             <a:endParaRPr lang="en-US" dirty="0"/>
           </a:p>
@@ -5188,7 +5314,7 @@
           <p:cNvPr id="2" name="Title 1">
             <a:extLst>
               <a:ext uri="{FF2B5EF4-FFF2-40B4-BE49-F238E27FC236}">
-                <a16:creationId xmlns:a16="http://schemas.microsoft.com/office/drawing/2014/main" id="{EAD0C8B5-6B5B-4F41-A718-7FBA3FEA3AB4}"/>
+                <a16:creationId xmlns:a16="http://schemas.microsoft.com/office/drawing/2014/main" id="{75A77B7C-33FD-483E-844C-A0E4CCD61C67}"/>
               </a:ext>
             </a:extLst>
           </p:cNvPr>
@@ -5201,30 +5327,30 @@
         </p:nvSpPr>
         <p:spPr>
           <a:xfrm>
-            <a:off x="8458200" y="1132405"/>
-            <a:ext cx="3161963" cy="526464"/>
-          </a:xfrm>
-        </p:spPr>
-        <p:txBody>
-          <a:bodyPr>
-            <a:normAutofit/>
+            <a:off x="8458200" y="1719072"/>
+            <a:ext cx="3161963" cy="917028"/>
+          </a:xfrm>
+        </p:spPr>
+        <p:txBody>
+          <a:bodyPr anchor="b">
+            <a:noAutofit/>
           </a:bodyPr>
           <a:lstStyle/>
           <a:p>
             <a:pPr algn="ctr"/>
             <a:r>
-              <a:rPr lang="en-US" sz="2400" dirty="0"/>
-              <a:t>Energy Price Trends</a:t>
-            </a:r>
-          </a:p>
-        </p:txBody>
-      </p:sp>
-      <p:sp>
-        <p:nvSpPr>
-          <p:cNvPr id="4" name="Text Placeholder 3">
+              <a:rPr lang="en-US" sz="2200" dirty="0"/>
+              <a:t>Production Cost Trends</a:t>
+            </a:r>
+          </a:p>
+        </p:txBody>
+      </p:sp>
+      <p:sp>
+        <p:nvSpPr>
+          <p:cNvPr id="10" name="Text Placeholder 3">
             <a:extLst>
               <a:ext uri="{FF2B5EF4-FFF2-40B4-BE49-F238E27FC236}">
-                <a16:creationId xmlns:a16="http://schemas.microsoft.com/office/drawing/2014/main" id="{9B408C85-1DEF-4B6F-8926-7A3E11FF7A02}"/>
+                <a16:creationId xmlns:a16="http://schemas.microsoft.com/office/drawing/2014/main" id="{1382F994-5450-43B0-955A-8F242E08DD71}"/>
               </a:ext>
             </a:extLst>
           </p:cNvPr>
@@ -5237,29 +5363,13 @@
         </p:nvSpPr>
         <p:spPr>
           <a:xfrm>
-            <a:off x="8458200" y="1987065"/>
-            <a:ext cx="3161963" cy="2655824"/>
-          </a:xfrm>
-        </p:spPr>
-        <p:txBody>
-          <a:bodyPr>
-            <a:normAutofit/>
-          </a:bodyPr>
+            <a:off x="8458200" y="2853345"/>
+            <a:ext cx="3161963" cy="2635465"/>
+          </a:xfrm>
+        </p:spPr>
+        <p:txBody>
+          <a:bodyPr/>
           <a:lstStyle/>
-          <a:p>
-            <a:pPr algn="ctr"/>
-            <a:r>
-              <a:rPr lang="en-US" sz="1600" dirty="0"/>
-              <a:t>In the last four years the South has had small increments to price.</a:t>
-            </a:r>
-          </a:p>
-          <a:p>
-            <a:pPr algn="ctr"/>
-            <a:r>
-              <a:rPr lang="en-US" sz="1600" dirty="0"/>
-              <a:t>The Midwest has had a high increase between 2007-2017</a:t>
-            </a:r>
-          </a:p>
           <a:p>
             <a:pPr algn="ctr"/>
             <a:r>
@@ -5268,24 +5378,16 @@
             </a:r>
           </a:p>
           <a:p>
-            <a:pPr algn="ctr"/>
-            <a:endParaRPr lang="en-US" sz="1600" dirty="0"/>
-          </a:p>
-          <a:p>
-            <a:pPr algn="ctr"/>
-            <a:r>
-              <a:rPr lang="en-US" sz="1600" dirty="0"/>
-              <a:t> </a:t>
-            </a:r>
-          </a:p>
-        </p:txBody>
-      </p:sp>
-      <p:sp>
-        <p:nvSpPr>
-          <p:cNvPr id="20" name="TextBox 19">
+            <a:endParaRPr lang="en-US" dirty="0"/>
+          </a:p>
+        </p:txBody>
+      </p:sp>
+      <p:sp>
+        <p:nvSpPr>
+          <p:cNvPr id="9" name="TextBox 8">
             <a:extLst>
               <a:ext uri="{FF2B5EF4-FFF2-40B4-BE49-F238E27FC236}">
-                <a16:creationId xmlns:a16="http://schemas.microsoft.com/office/drawing/2014/main" id="{4FFF714F-DDA4-4AC3-8B95-20022241CBF5}"/>
+                <a16:creationId xmlns:a16="http://schemas.microsoft.com/office/drawing/2014/main" id="{DF365B5A-CD57-4E16-99D4-8756AF59A1F8}"/>
               </a:ext>
             </a:extLst>
           </p:cNvPr>
@@ -5294,8 +5396,8 @@
         </p:nvSpPr>
         <p:spPr>
           <a:xfrm>
-            <a:off x="1907574" y="594548"/>
-            <a:ext cx="4480560" cy="369332"/>
+            <a:off x="2261975" y="723900"/>
+            <a:ext cx="4291225" cy="646331"/>
           </a:xfrm>
           <a:prstGeom prst="rect">
             <a:avLst/>
@@ -5340,17 +5442,17 @@
                 <a:ea typeface="+mn-ea"/>
                 <a:cs typeface="+mn-cs"/>
               </a:rPr>
-              <a:t>Energy Price Trends per U.S. Region</a:t>
+              <a:t>Side by Side Production Cost Commentary</a:t>
             </a:r>
           </a:p>
         </p:txBody>
       </p:sp>
       <p:pic>
         <p:nvPicPr>
-          <p:cNvPr id="8" name="Picture 7">
+          <p:cNvPr id="4" name="Picture 3">
             <a:extLst>
               <a:ext uri="{FF2B5EF4-FFF2-40B4-BE49-F238E27FC236}">
-                <a16:creationId xmlns:a16="http://schemas.microsoft.com/office/drawing/2014/main" id="{33B37FE9-8070-475C-B82E-C5B399B87C02}"/>
+                <a16:creationId xmlns:a16="http://schemas.microsoft.com/office/drawing/2014/main" id="{19123EA1-8C46-43B6-AC91-264848BA878B}"/>
               </a:ext>
             </a:extLst>
           </p:cNvPr>
@@ -5367,98 +5469,8 @@
         </p:blipFill>
         <p:spPr>
           <a:xfrm>
-            <a:off x="571837" y="1064363"/>
-            <a:ext cx="3373154" cy="2655825"/>
-          </a:xfrm>
-          <a:prstGeom prst="rect">
-            <a:avLst/>
-          </a:prstGeom>
-        </p:spPr>
-      </p:pic>
-      <p:pic>
-        <p:nvPicPr>
-          <p:cNvPr id="11" name="Picture 10">
-            <a:extLst>
-              <a:ext uri="{FF2B5EF4-FFF2-40B4-BE49-F238E27FC236}">
-                <a16:creationId xmlns:a16="http://schemas.microsoft.com/office/drawing/2014/main" id="{FBBF011A-DF74-4D43-B392-7F6D6FE766DB}"/>
-              </a:ext>
-            </a:extLst>
-          </p:cNvPr>
-          <p:cNvPicPr>
-            <a:picLocks noChangeAspect="1"/>
-          </p:cNvPicPr>
-          <p:nvPr/>
-        </p:nvPicPr>
-        <p:blipFill>
-          <a:blip r:embed="rId3"/>
-          <a:stretch>
-            <a:fillRect/>
-          </a:stretch>
-        </p:blipFill>
-        <p:spPr>
-          <a:xfrm>
-            <a:off x="4559121" y="1064363"/>
-            <a:ext cx="3523924" cy="2694240"/>
-          </a:xfrm>
-          <a:prstGeom prst="rect">
-            <a:avLst/>
-          </a:prstGeom>
-        </p:spPr>
-      </p:pic>
-      <p:pic>
-        <p:nvPicPr>
-          <p:cNvPr id="14" name="Picture 13">
-            <a:extLst>
-              <a:ext uri="{FF2B5EF4-FFF2-40B4-BE49-F238E27FC236}">
-                <a16:creationId xmlns:a16="http://schemas.microsoft.com/office/drawing/2014/main" id="{6D80A884-7D50-4767-8A4A-305B64395AB5}"/>
-              </a:ext>
-            </a:extLst>
-          </p:cNvPr>
-          <p:cNvPicPr>
-            <a:picLocks noChangeAspect="1"/>
-          </p:cNvPicPr>
-          <p:nvPr/>
-        </p:nvPicPr>
-        <p:blipFill>
-          <a:blip r:embed="rId4"/>
-          <a:stretch>
-            <a:fillRect/>
-          </a:stretch>
-        </p:blipFill>
-        <p:spPr>
-          <a:xfrm>
-            <a:off x="571837" y="3976044"/>
-            <a:ext cx="3398409" cy="2655826"/>
-          </a:xfrm>
-          <a:prstGeom prst="rect">
-            <a:avLst/>
-          </a:prstGeom>
-        </p:spPr>
-      </p:pic>
-      <p:pic>
-        <p:nvPicPr>
-          <p:cNvPr id="17" name="Picture 16">
-            <a:extLst>
-              <a:ext uri="{FF2B5EF4-FFF2-40B4-BE49-F238E27FC236}">
-                <a16:creationId xmlns:a16="http://schemas.microsoft.com/office/drawing/2014/main" id="{6A278536-347B-4A9B-8232-745763532DAD}"/>
-              </a:ext>
-            </a:extLst>
-          </p:cNvPr>
-          <p:cNvPicPr>
-            <a:picLocks noChangeAspect="1"/>
-          </p:cNvPicPr>
-          <p:nvPr/>
-        </p:nvPicPr>
-        <p:blipFill>
-          <a:blip r:embed="rId5"/>
-          <a:stretch>
-            <a:fillRect/>
-          </a:stretch>
-        </p:blipFill>
-        <p:spPr>
-          <a:xfrm>
-            <a:off x="4559121" y="3977958"/>
-            <a:ext cx="3398409" cy="2653912"/>
+            <a:off x="2573768" y="2177586"/>
+            <a:ext cx="3667637" cy="2934109"/>
           </a:xfrm>
           <a:prstGeom prst="rect">
             <a:avLst/>
@@ -5468,7 +5480,7 @@
     </p:spTree>
     <p:extLst>
       <p:ext uri="{BB962C8B-B14F-4D97-AF65-F5344CB8AC3E}">
-        <p14:creationId xmlns:p14="http://schemas.microsoft.com/office/powerpoint/2010/main" val="484813950"/>
+        <p14:creationId xmlns:p14="http://schemas.microsoft.com/office/powerpoint/2010/main" val="287446111"/>
       </p:ext>
     </p:extLst>
   </p:cSld>
@@ -7738,28 +7750,28 @@
             <a:pPr algn="ctr"/>
             <a:r>
               <a:rPr lang="en-US" sz="1600" dirty="0"/>
-              <a:t>North: Undetermined</a:t>
+              <a:t>North: 14.28%</a:t>
             </a:r>
           </a:p>
           <a:p>
             <a:pPr algn="ctr"/>
             <a:r>
               <a:rPr lang="en-US" sz="1600" dirty="0"/>
-              <a:t>South: 1.83%</a:t>
+              <a:t>South: -3.89%</a:t>
             </a:r>
           </a:p>
           <a:p>
             <a:pPr algn="ctr"/>
             <a:r>
               <a:rPr lang="en-US" sz="1600" dirty="0"/>
-              <a:t>Mid-West: 2.91%</a:t>
+              <a:t>Mid-West: -1.64%</a:t>
             </a:r>
           </a:p>
           <a:p>
             <a:pPr algn="ctr"/>
             <a:r>
               <a:rPr lang="en-US" sz="1600" dirty="0"/>
-              <a:t>West: 1.23%</a:t>
+              <a:t>West: -0.74%</a:t>
             </a:r>
           </a:p>
           <a:p>
@@ -7842,10 +7854,10 @@
       </p:sp>
       <p:pic>
         <p:nvPicPr>
-          <p:cNvPr id="5" name="Picture 4">
+          <p:cNvPr id="9" name="Picture 8" descr="Chart, scatter chart&#10;&#10;Description automatically generated">
             <a:extLst>
               <a:ext uri="{FF2B5EF4-FFF2-40B4-BE49-F238E27FC236}">
-                <a16:creationId xmlns:a16="http://schemas.microsoft.com/office/drawing/2014/main" id="{722CA9AC-A547-4488-A416-7B42A2A2758A}"/>
+                <a16:creationId xmlns:a16="http://schemas.microsoft.com/office/drawing/2014/main" id="{16A3AC93-EC61-4236-978B-FC19FA6F99CD}"/>
               </a:ext>
             </a:extLst>
           </p:cNvPr>
@@ -7862,8 +7874,8 @@
         </p:blipFill>
         <p:spPr>
           <a:xfrm>
-            <a:off x="684386" y="1165988"/>
-            <a:ext cx="3279787" cy="2480651"/>
+            <a:off x="701727" y="1498165"/>
+            <a:ext cx="3361297" cy="2510858"/>
           </a:xfrm>
           <a:prstGeom prst="rect">
             <a:avLst/>
@@ -7872,10 +7884,10 @@
       </p:pic>
       <p:pic>
         <p:nvPicPr>
-          <p:cNvPr id="7" name="Picture 6">
+          <p:cNvPr id="11" name="Picture 10" descr="Chart, scatter chart&#10;&#10;Description automatically generated">
             <a:extLst>
               <a:ext uri="{FF2B5EF4-FFF2-40B4-BE49-F238E27FC236}">
-                <a16:creationId xmlns:a16="http://schemas.microsoft.com/office/drawing/2014/main" id="{FCB6FD4F-B6B3-403D-8CFF-B4FF5E671CAA}"/>
+                <a16:creationId xmlns:a16="http://schemas.microsoft.com/office/drawing/2014/main" id="{2DBA5F8E-F749-4732-9906-A29263407075}"/>
               </a:ext>
             </a:extLst>
           </p:cNvPr>
@@ -7892,8 +7904,8 @@
         </p:blipFill>
         <p:spPr>
           <a:xfrm>
-            <a:off x="4348789" y="1165988"/>
-            <a:ext cx="3279787" cy="2524849"/>
+            <a:off x="4063024" y="1498164"/>
+            <a:ext cx="3361296" cy="2527197"/>
           </a:xfrm>
           <a:prstGeom prst="rect">
             <a:avLst/>
@@ -7902,10 +7914,10 @@
       </p:pic>
       <p:pic>
         <p:nvPicPr>
-          <p:cNvPr id="10" name="Picture 9">
+          <p:cNvPr id="12" name="Picture 11" descr="Chart, scatter chart&#10;&#10;Description automatically generated">
             <a:extLst>
               <a:ext uri="{FF2B5EF4-FFF2-40B4-BE49-F238E27FC236}">
-                <a16:creationId xmlns:a16="http://schemas.microsoft.com/office/drawing/2014/main" id="{488EAF29-4985-4B19-AA9D-C283CAF2A961}"/>
+                <a16:creationId xmlns:a16="http://schemas.microsoft.com/office/drawing/2014/main" id="{118DE550-012A-496A-AA20-2F34588244D5}"/>
               </a:ext>
             </a:extLst>
           </p:cNvPr>
@@ -7922,8 +7934,8 @@
         </p:blipFill>
         <p:spPr>
           <a:xfrm>
-            <a:off x="548393" y="4069049"/>
-            <a:ext cx="3415780" cy="2663443"/>
+            <a:off x="701728" y="4080772"/>
+            <a:ext cx="3361296" cy="2517082"/>
           </a:xfrm>
           <a:prstGeom prst="rect">
             <a:avLst/>
@@ -7932,10 +7944,10 @@
       </p:pic>
       <p:pic>
         <p:nvPicPr>
-          <p:cNvPr id="13" name="Picture 12">
+          <p:cNvPr id="14" name="Picture 13" descr="Chart, scatter chart&#10;&#10;Description automatically generated">
             <a:extLst>
               <a:ext uri="{FF2B5EF4-FFF2-40B4-BE49-F238E27FC236}">
-                <a16:creationId xmlns:a16="http://schemas.microsoft.com/office/drawing/2014/main" id="{C3C1FCEF-590C-4CC5-BEEF-24354D0DF7D0}"/>
+                <a16:creationId xmlns:a16="http://schemas.microsoft.com/office/drawing/2014/main" id="{C69C40BD-0EB4-41F2-A562-5EB987070BC8}"/>
               </a:ext>
             </a:extLst>
           </p:cNvPr>
@@ -7952,8 +7964,8 @@
         </p:blipFill>
         <p:spPr>
           <a:xfrm>
-            <a:off x="4358315" y="4069049"/>
-            <a:ext cx="3415780" cy="2686963"/>
+            <a:off x="4147854" y="4080771"/>
+            <a:ext cx="3276466" cy="2541601"/>
           </a:xfrm>
           <a:prstGeom prst="rect">
             <a:avLst/>
@@ -8122,7 +8134,7 @@
         </p:blipFill>
         <p:spPr>
           <a:xfrm>
-            <a:off x="1616479" y="1756988"/>
+            <a:off x="1574534" y="1756988"/>
             <a:ext cx="5047583" cy="3344023"/>
           </a:xfrm>
           <a:prstGeom prst="rect">
@@ -8319,38 +8331,8 @@
         </p:blipFill>
         <p:spPr>
           <a:xfrm>
-            <a:off x="489026" y="2753897"/>
-            <a:ext cx="3696216" cy="2886478"/>
-          </a:xfrm>
-          <a:prstGeom prst="rect">
-            <a:avLst/>
-          </a:prstGeom>
-        </p:spPr>
-      </p:pic>
-      <p:pic>
-        <p:nvPicPr>
-          <p:cNvPr id="12" name="Picture 11">
-            <a:extLst>
-              <a:ext uri="{FF2B5EF4-FFF2-40B4-BE49-F238E27FC236}">
-                <a16:creationId xmlns:a16="http://schemas.microsoft.com/office/drawing/2014/main" id="{4E3A2816-6853-466B-BCCD-EB7CE2A102AD}"/>
-              </a:ext>
-            </a:extLst>
-          </p:cNvPr>
-          <p:cNvPicPr>
-            <a:picLocks noChangeAspect="1"/>
-          </p:cNvPicPr>
-          <p:nvPr/>
-        </p:nvPicPr>
-        <p:blipFill>
-          <a:blip r:embed="rId3"/>
-          <a:stretch>
-            <a:fillRect/>
-          </a:stretch>
-        </p:blipFill>
-        <p:spPr>
-          <a:xfrm>
-            <a:off x="4399447" y="2565668"/>
-            <a:ext cx="3393105" cy="3262935"/>
+            <a:off x="2027485" y="2137674"/>
+            <a:ext cx="4525714" cy="3534256"/>
           </a:xfrm>
           <a:prstGeom prst="rect">
             <a:avLst/>
@@ -8392,7 +8374,7 @@
           <p:cNvPr id="2" name="Title 1">
             <a:extLst>
               <a:ext uri="{FF2B5EF4-FFF2-40B4-BE49-F238E27FC236}">
-                <a16:creationId xmlns:a16="http://schemas.microsoft.com/office/drawing/2014/main" id="{75A77B7C-33FD-483E-844C-A0E4CCD61C67}"/>
+                <a16:creationId xmlns:a16="http://schemas.microsoft.com/office/drawing/2014/main" id="{EAD0C8B5-6B5B-4F41-A718-7FBA3FEA3AB4}"/>
               </a:ext>
             </a:extLst>
           </p:cNvPr>
@@ -8405,30 +8387,30 @@
         </p:nvSpPr>
         <p:spPr>
           <a:xfrm>
-            <a:off x="8458200" y="1719072"/>
-            <a:ext cx="3161963" cy="917028"/>
-          </a:xfrm>
-        </p:spPr>
-        <p:txBody>
-          <a:bodyPr anchor="b">
-            <a:noAutofit/>
+            <a:off x="8458200" y="1132405"/>
+            <a:ext cx="3161963" cy="526464"/>
+          </a:xfrm>
+        </p:spPr>
+        <p:txBody>
+          <a:bodyPr>
+            <a:normAutofit/>
           </a:bodyPr>
           <a:lstStyle/>
           <a:p>
             <a:pPr algn="ctr"/>
             <a:r>
-              <a:rPr lang="en-US" sz="2200" dirty="0"/>
-              <a:t>Production Cost Trends</a:t>
-            </a:r>
-          </a:p>
-        </p:txBody>
-      </p:sp>
-      <p:sp>
-        <p:nvSpPr>
-          <p:cNvPr id="10" name="Text Placeholder 3">
+              <a:rPr lang="en-US" sz="2400" dirty="0"/>
+              <a:t>Energy Price Trends</a:t>
+            </a:r>
+          </a:p>
+        </p:txBody>
+      </p:sp>
+      <p:sp>
+        <p:nvSpPr>
+          <p:cNvPr id="4" name="Text Placeholder 3">
             <a:extLst>
               <a:ext uri="{FF2B5EF4-FFF2-40B4-BE49-F238E27FC236}">
-                <a16:creationId xmlns:a16="http://schemas.microsoft.com/office/drawing/2014/main" id="{1382F994-5450-43B0-955A-8F242E08DD71}"/>
+                <a16:creationId xmlns:a16="http://schemas.microsoft.com/office/drawing/2014/main" id="{9B408C85-1DEF-4B6F-8926-7A3E11FF7A02}"/>
               </a:ext>
             </a:extLst>
           </p:cNvPr>
@@ -8441,13 +8423,29 @@
         </p:nvSpPr>
         <p:spPr>
           <a:xfrm>
-            <a:off x="8458200" y="2853345"/>
-            <a:ext cx="3161963" cy="2635465"/>
-          </a:xfrm>
-        </p:spPr>
-        <p:txBody>
-          <a:bodyPr/>
+            <a:off x="8458200" y="1987065"/>
+            <a:ext cx="3161963" cy="2655824"/>
+          </a:xfrm>
+        </p:spPr>
+        <p:txBody>
+          <a:bodyPr>
+            <a:normAutofit/>
+          </a:bodyPr>
           <a:lstStyle/>
+          <a:p>
+            <a:pPr algn="ctr"/>
+            <a:r>
+              <a:rPr lang="en-US" sz="1600" dirty="0"/>
+              <a:t>In the last four years the South has had small increments to price.</a:t>
+            </a:r>
+          </a:p>
+          <a:p>
+            <a:pPr algn="ctr"/>
+            <a:r>
+              <a:rPr lang="en-US" sz="1600" dirty="0"/>
+              <a:t>The Midwest has had a high increase between 2007-2017</a:t>
+            </a:r>
+          </a:p>
           <a:p>
             <a:pPr algn="ctr"/>
             <a:r>
@@ -8456,16 +8454,24 @@
             </a:r>
           </a:p>
           <a:p>
-            <a:endParaRPr lang="en-US" dirty="0"/>
-          </a:p>
-        </p:txBody>
-      </p:sp>
-      <p:sp>
-        <p:nvSpPr>
-          <p:cNvPr id="9" name="TextBox 8">
+            <a:pPr algn="ctr"/>
+            <a:endParaRPr lang="en-US" sz="1600" dirty="0"/>
+          </a:p>
+          <a:p>
+            <a:pPr algn="ctr"/>
+            <a:r>
+              <a:rPr lang="en-US" sz="1600" dirty="0"/>
+              <a:t> </a:t>
+            </a:r>
+          </a:p>
+        </p:txBody>
+      </p:sp>
+      <p:sp>
+        <p:nvSpPr>
+          <p:cNvPr id="20" name="TextBox 19">
             <a:extLst>
               <a:ext uri="{FF2B5EF4-FFF2-40B4-BE49-F238E27FC236}">
-                <a16:creationId xmlns:a16="http://schemas.microsoft.com/office/drawing/2014/main" id="{DF365B5A-CD57-4E16-99D4-8756AF59A1F8}"/>
+                <a16:creationId xmlns:a16="http://schemas.microsoft.com/office/drawing/2014/main" id="{4FFF714F-DDA4-4AC3-8B95-20022241CBF5}"/>
               </a:ext>
             </a:extLst>
           </p:cNvPr>
@@ -8474,8 +8480,8 @@
         </p:nvSpPr>
         <p:spPr>
           <a:xfrm>
-            <a:off x="2261975" y="723900"/>
-            <a:ext cx="4291225" cy="646331"/>
+            <a:off x="1907574" y="594548"/>
+            <a:ext cx="4480560" cy="369332"/>
           </a:xfrm>
           <a:prstGeom prst="rect">
             <a:avLst/>
@@ -8520,17 +8526,17 @@
                 <a:ea typeface="+mn-ea"/>
                 <a:cs typeface="+mn-cs"/>
               </a:rPr>
-              <a:t>Side by Side Production Cost Commentary</a:t>
+              <a:t>Energy Price Trends per U.S. Region</a:t>
             </a:r>
           </a:p>
         </p:txBody>
       </p:sp>
       <p:pic>
         <p:nvPicPr>
-          <p:cNvPr id="4" name="Picture 3">
+          <p:cNvPr id="8" name="Picture 7">
             <a:extLst>
               <a:ext uri="{FF2B5EF4-FFF2-40B4-BE49-F238E27FC236}">
-                <a16:creationId xmlns:a16="http://schemas.microsoft.com/office/drawing/2014/main" id="{19123EA1-8C46-43B6-AC91-264848BA878B}"/>
+                <a16:creationId xmlns:a16="http://schemas.microsoft.com/office/drawing/2014/main" id="{33B37FE9-8070-475C-B82E-C5B399B87C02}"/>
               </a:ext>
             </a:extLst>
           </p:cNvPr>
@@ -8547,8 +8553,8 @@
         </p:blipFill>
         <p:spPr>
           <a:xfrm>
-            <a:off x="571837" y="2704022"/>
-            <a:ext cx="3667637" cy="2934109"/>
+            <a:off x="571837" y="1064363"/>
+            <a:ext cx="3373154" cy="2655825"/>
           </a:xfrm>
           <a:prstGeom prst="rect">
             <a:avLst/>
@@ -8557,10 +8563,10 @@
       </p:pic>
       <p:pic>
         <p:nvPicPr>
-          <p:cNvPr id="7" name="Picture 6">
+          <p:cNvPr id="11" name="Picture 10">
             <a:extLst>
               <a:ext uri="{FF2B5EF4-FFF2-40B4-BE49-F238E27FC236}">
-                <a16:creationId xmlns:a16="http://schemas.microsoft.com/office/drawing/2014/main" id="{F91CBC8D-94BB-4A31-A33A-F2D62298010F}"/>
+                <a16:creationId xmlns:a16="http://schemas.microsoft.com/office/drawing/2014/main" id="{FBBF011A-DF74-4D43-B392-7F6D6FE766DB}"/>
               </a:ext>
             </a:extLst>
           </p:cNvPr>
@@ -8577,8 +8583,68 @@
         </p:blipFill>
         <p:spPr>
           <a:xfrm>
-            <a:off x="4524155" y="2383684"/>
-            <a:ext cx="3143689" cy="3334215"/>
+            <a:off x="4559121" y="1064363"/>
+            <a:ext cx="3523924" cy="2694240"/>
+          </a:xfrm>
+          <a:prstGeom prst="rect">
+            <a:avLst/>
+          </a:prstGeom>
+        </p:spPr>
+      </p:pic>
+      <p:pic>
+        <p:nvPicPr>
+          <p:cNvPr id="14" name="Picture 13">
+            <a:extLst>
+              <a:ext uri="{FF2B5EF4-FFF2-40B4-BE49-F238E27FC236}">
+                <a16:creationId xmlns:a16="http://schemas.microsoft.com/office/drawing/2014/main" id="{6D80A884-7D50-4767-8A4A-305B64395AB5}"/>
+              </a:ext>
+            </a:extLst>
+          </p:cNvPr>
+          <p:cNvPicPr>
+            <a:picLocks noChangeAspect="1"/>
+          </p:cNvPicPr>
+          <p:nvPr/>
+        </p:nvPicPr>
+        <p:blipFill>
+          <a:blip r:embed="rId4"/>
+          <a:stretch>
+            <a:fillRect/>
+          </a:stretch>
+        </p:blipFill>
+        <p:spPr>
+          <a:xfrm>
+            <a:off x="571837" y="3976044"/>
+            <a:ext cx="3398409" cy="2655826"/>
+          </a:xfrm>
+          <a:prstGeom prst="rect">
+            <a:avLst/>
+          </a:prstGeom>
+        </p:spPr>
+      </p:pic>
+      <p:pic>
+        <p:nvPicPr>
+          <p:cNvPr id="17" name="Picture 16">
+            <a:extLst>
+              <a:ext uri="{FF2B5EF4-FFF2-40B4-BE49-F238E27FC236}">
+                <a16:creationId xmlns:a16="http://schemas.microsoft.com/office/drawing/2014/main" id="{6A278536-347B-4A9B-8232-745763532DAD}"/>
+              </a:ext>
+            </a:extLst>
+          </p:cNvPr>
+          <p:cNvPicPr>
+            <a:picLocks noChangeAspect="1"/>
+          </p:cNvPicPr>
+          <p:nvPr/>
+        </p:nvPicPr>
+        <p:blipFill>
+          <a:blip r:embed="rId5"/>
+          <a:stretch>
+            <a:fillRect/>
+          </a:stretch>
+        </p:blipFill>
+        <p:spPr>
+          <a:xfrm>
+            <a:off x="4559121" y="3977958"/>
+            <a:ext cx="3398409" cy="2653912"/>
           </a:xfrm>
           <a:prstGeom prst="rect">
             <a:avLst/>
@@ -8588,7 +8654,7 @@
     </p:spTree>
     <p:extLst>
       <p:ext uri="{BB962C8B-B14F-4D97-AF65-F5344CB8AC3E}">
-        <p14:creationId xmlns:p14="http://schemas.microsoft.com/office/powerpoint/2010/main" val="287446111"/>
+        <p14:creationId xmlns:p14="http://schemas.microsoft.com/office/powerpoint/2010/main" val="484813950"/>
       </p:ext>
     </p:extLst>
   </p:cSld>
@@ -8875,21 +8941,21 @@
 </file>
 
 <file path=customXml/item1.xml><?xml version="1.0" encoding="utf-8"?>
+<p:properties xmlns:p="http://schemas.microsoft.com/office/2006/metadata/properties" xmlns:xsi="http://www.w3.org/2001/XMLSchema-instance" xmlns:pc="http://schemas.microsoft.com/office/infopath/2007/PartnerControls">
+  <documentManagement>
+    <Status xmlns="71af3243-3dd4-4a8d-8c0d-dd76da1f02a5">Not started</Status>
+    <MediaServiceKeyPoints xmlns="71af3243-3dd4-4a8d-8c0d-dd76da1f02a5" xsi:nil="true"/>
+  </documentManagement>
+</p:properties>
+</file>
+
+<file path=customXml/item2.xml><?xml version="1.0" encoding="utf-8"?>
 <?mso-contentType ?>
 <FormTemplates xmlns="http://schemas.microsoft.com/sharepoint/v3/contenttype/forms">
   <Display>DocumentLibraryForm</Display>
   <Edit>DocumentLibraryForm</Edit>
   <New>DocumentLibraryForm</New>
 </FormTemplates>
-</file>
-
-<file path=customXml/item2.xml><?xml version="1.0" encoding="utf-8"?>
-<p:properties xmlns:p="http://schemas.microsoft.com/office/2006/metadata/properties" xmlns:xsi="http://www.w3.org/2001/XMLSchema-instance" xmlns:pc="http://schemas.microsoft.com/office/infopath/2007/PartnerControls">
-  <documentManagement>
-    <Status xmlns="71af3243-3dd4-4a8d-8c0d-dd76da1f02a5">Not started</Status>
-    <MediaServiceKeyPoints xmlns="71af3243-3dd4-4a8d-8c0d-dd76da1f02a5" xsi:nil="true"/>
-  </documentManagement>
-</p:properties>
 </file>
 
 <file path=customXml/item3.xml><?xml version="1.0" encoding="utf-8"?>
@@ -9114,19 +9180,19 @@
 </file>
 
 <file path=customXml/itemProps1.xml><?xml version="1.0" encoding="utf-8"?>
-<ds:datastoreItem xmlns:ds="http://schemas.openxmlformats.org/officeDocument/2006/customXml" ds:itemID="{CDB58277-F8DF-46FF-84EC-EF41B835E69F}">
+<ds:datastoreItem xmlns:ds="http://schemas.openxmlformats.org/officeDocument/2006/customXml" ds:itemID="{137651BA-F45C-4845-9AB3-E0A65B39F5E1}">
   <ds:schemaRefs>
-    <ds:schemaRef ds:uri="http://schemas.microsoft.com/sharepoint/v3/contenttype/forms"/>
+    <ds:schemaRef ds:uri="http://schemas.microsoft.com/office/2006/metadata/properties"/>
+    <ds:schemaRef ds:uri="http://schemas.microsoft.com/office/infopath/2007/PartnerControls"/>
+    <ds:schemaRef ds:uri="71af3243-3dd4-4a8d-8c0d-dd76da1f02a5"/>
   </ds:schemaRefs>
 </ds:datastoreItem>
 </file>
 
 <file path=customXml/itemProps2.xml><?xml version="1.0" encoding="utf-8"?>
-<ds:datastoreItem xmlns:ds="http://schemas.openxmlformats.org/officeDocument/2006/customXml" ds:itemID="{137651BA-F45C-4845-9AB3-E0A65B39F5E1}">
+<ds:datastoreItem xmlns:ds="http://schemas.openxmlformats.org/officeDocument/2006/customXml" ds:itemID="{CDB58277-F8DF-46FF-84EC-EF41B835E69F}">
   <ds:schemaRefs>
-    <ds:schemaRef ds:uri="http://schemas.microsoft.com/office/2006/metadata/properties"/>
-    <ds:schemaRef ds:uri="http://schemas.microsoft.com/office/infopath/2007/PartnerControls"/>
-    <ds:schemaRef ds:uri="71af3243-3dd4-4a8d-8c0d-dd76da1f02a5"/>
+    <ds:schemaRef ds:uri="http://schemas.microsoft.com/sharepoint/v3/contenttype/forms"/>
   </ds:schemaRefs>
 </ds:datastoreItem>
 </file>

--- a/Presentaion.pptx
+++ b/Presentaion.pptx
@@ -10,15 +10,18 @@
     <p:sldId id="264" r:id="rId7"/>
     <p:sldId id="263" r:id="rId8"/>
     <p:sldId id="265" r:id="rId9"/>
-    <p:sldId id="272" r:id="rId10"/>
+    <p:sldId id="269" r:id="rId10"/>
     <p:sldId id="271" r:id="rId11"/>
     <p:sldId id="270" r:id="rId12"/>
-    <p:sldId id="269" r:id="rId13"/>
-    <p:sldId id="273" r:id="rId14"/>
-    <p:sldId id="268" r:id="rId15"/>
-    <p:sldId id="267" r:id="rId16"/>
-    <p:sldId id="266" r:id="rId17"/>
-    <p:sldId id="274" r:id="rId18"/>
+    <p:sldId id="272" r:id="rId13"/>
+    <p:sldId id="267" r:id="rId14"/>
+    <p:sldId id="276" r:id="rId15"/>
+    <p:sldId id="268" r:id="rId16"/>
+    <p:sldId id="275" r:id="rId17"/>
+    <p:sldId id="266" r:id="rId18"/>
+    <p:sldId id="274" r:id="rId19"/>
+    <p:sldId id="277" r:id="rId20"/>
+    <p:sldId id="278" r:id="rId21"/>
   </p:sldIdLst>
   <p:sldSz cx="12192000" cy="6858000"/>
   <p:notesSz cx="6858000" cy="9144000"/>
@@ -128,7 +131,7 @@
 <file path=ppt/revisionInfo.xml><?xml version="1.0" encoding="utf-8"?>
 <p1510:revInfo xmlns:a="http://schemas.openxmlformats.org/drawingml/2006/main" xmlns:r="http://schemas.openxmlformats.org/officeDocument/2006/relationships" xmlns:p1510="http://schemas.microsoft.com/office/powerpoint/2015/10/main">
   <p1510:revLst>
-    <p1510:client id="{09195C97-C5F0-4ECB-83D4-D1631AF5F0FD}" v="12" dt="2022-02-16T00:27:06.866"/>
+    <p1510:client id="{09195C97-C5F0-4ECB-83D4-D1631AF5F0FD}" v="24" dt="2022-02-16T02:47:00.268"/>
   </p1510:revLst>
 </p1510:revInfo>
 </file>
@@ -137,8 +140,8 @@
 <pc:chgInfo xmlns:a="http://schemas.openxmlformats.org/drawingml/2006/main" xmlns:r="http://schemas.openxmlformats.org/officeDocument/2006/relationships" xmlns:ac="http://schemas.microsoft.com/office/drawing/2013/main/command" xmlns:pc="http://schemas.microsoft.com/office/powerpoint/2013/main/command">
   <pc:docChgLst>
     <pc:chgData name="Emanuel Villa" userId="5c282a8693169257" providerId="LiveId" clId="{09195C97-C5F0-4ECB-83D4-D1631AF5F0FD}"/>
-    <pc:docChg chg="custSel modSld sldOrd">
-      <pc:chgData name="Emanuel Villa" userId="5c282a8693169257" providerId="LiveId" clId="{09195C97-C5F0-4ECB-83D4-D1631AF5F0FD}" dt="2022-02-16T00:37:16.928" v="564"/>
+    <pc:docChg chg="custSel addSld delSld modSld sldOrd">
+      <pc:chgData name="Emanuel Villa" userId="5c282a8693169257" providerId="LiveId" clId="{09195C97-C5F0-4ECB-83D4-D1631AF5F0FD}" dt="2022-02-16T02:56:00.273" v="1890" actId="20577"/>
       <pc:docMkLst>
         <pc:docMk/>
       </pc:docMkLst>
@@ -181,6 +184,21 @@
         </pc:inkChg>
       </pc:sldChg>
       <pc:sldChg chg="modSp mod">
+        <pc:chgData name="Emanuel Villa" userId="5c282a8693169257" providerId="LiveId" clId="{09195C97-C5F0-4ECB-83D4-D1631AF5F0FD}" dt="2022-02-16T02:38:49.257" v="767" actId="20577"/>
+        <pc:sldMkLst>
+          <pc:docMk/>
+          <pc:sldMk cId="1130826437" sldId="264"/>
+        </pc:sldMkLst>
+        <pc:spChg chg="mod">
+          <ac:chgData name="Emanuel Villa" userId="5c282a8693169257" providerId="LiveId" clId="{09195C97-C5F0-4ECB-83D4-D1631AF5F0FD}" dt="2022-02-16T02:38:49.257" v="767" actId="20577"/>
+          <ac:spMkLst>
+            <pc:docMk/>
+            <pc:sldMk cId="1130826437" sldId="264"/>
+            <ac:spMk id="4" creationId="{703C7C41-ED71-4E91-87B5-8E8236732612}"/>
+          </ac:spMkLst>
+        </pc:spChg>
+      </pc:sldChg>
+      <pc:sldChg chg="modSp mod">
         <pc:chgData name="Emanuel Villa" userId="5c282a8693169257" providerId="LiveId" clId="{09195C97-C5F0-4ECB-83D4-D1631AF5F0FD}" dt="2022-02-15T02:40:18.555" v="198" actId="20577"/>
         <pc:sldMkLst>
           <pc:docMk/>
@@ -250,14 +268,30 @@
           </ac:picMkLst>
         </pc:picChg>
       </pc:sldChg>
-      <pc:sldChg chg="delSp modSp mod ord">
-        <pc:chgData name="Emanuel Villa" userId="5c282a8693169257" providerId="LiveId" clId="{09195C97-C5F0-4ECB-83D4-D1631AF5F0FD}" dt="2022-02-15T16:42:42.982" v="497"/>
+      <pc:sldChg chg="addSp delSp modSp mod ord">
+        <pc:chgData name="Emanuel Villa" userId="5c282a8693169257" providerId="LiveId" clId="{09195C97-C5F0-4ECB-83D4-D1631AF5F0FD}" dt="2022-02-16T02:42:22.106" v="814"/>
         <pc:sldMkLst>
           <pc:docMk/>
           <pc:sldMk cId="3979760519" sldId="267"/>
         </pc:sldMkLst>
         <pc:spChg chg="mod">
-          <ac:chgData name="Emanuel Villa" userId="5c282a8693169257" providerId="LiveId" clId="{09195C97-C5F0-4ECB-83D4-D1631AF5F0FD}" dt="2022-02-15T02:58:51.869" v="350" actId="20577"/>
+          <ac:chgData name="Emanuel Villa" userId="5c282a8693169257" providerId="LiveId" clId="{09195C97-C5F0-4ECB-83D4-D1631AF5F0FD}" dt="2022-02-16T02:40:58.636" v="806" actId="122"/>
+          <ac:spMkLst>
+            <pc:docMk/>
+            <pc:sldMk cId="3979760519" sldId="267"/>
+            <ac:spMk id="2" creationId="{75A77B7C-33FD-483E-844C-A0E4CCD61C67}"/>
+          </ac:spMkLst>
+        </pc:spChg>
+        <pc:spChg chg="add del mod">
+          <ac:chgData name="Emanuel Villa" userId="5c282a8693169257" providerId="LiveId" clId="{09195C97-C5F0-4ECB-83D4-D1631AF5F0FD}" dt="2022-02-16T02:40:32.965" v="789" actId="21"/>
+          <ac:spMkLst>
+            <pc:docMk/>
+            <pc:sldMk cId="3979760519" sldId="267"/>
+            <ac:spMk id="4" creationId="{2B6B7878-9C16-4B86-B7D5-B2921A9CC43C}"/>
+          </ac:spMkLst>
+        </pc:spChg>
+        <pc:spChg chg="mod">
+          <ac:chgData name="Emanuel Villa" userId="5c282a8693169257" providerId="LiveId" clId="{09195C97-C5F0-4ECB-83D4-D1631AF5F0FD}" dt="2022-02-16T02:41:58.843" v="809" actId="313"/>
           <ac:spMkLst>
             <pc:docMk/>
             <pc:sldMk cId="3979760519" sldId="267"/>
@@ -265,15 +299,23 @@
           </ac:spMkLst>
         </pc:spChg>
         <pc:spChg chg="mod">
-          <ac:chgData name="Emanuel Villa" userId="5c282a8693169257" providerId="LiveId" clId="{09195C97-C5F0-4ECB-83D4-D1631AF5F0FD}" dt="2022-02-15T02:59:56.802" v="475" actId="20577"/>
+          <ac:chgData name="Emanuel Villa" userId="5c282a8693169257" providerId="LiveId" clId="{09195C97-C5F0-4ECB-83D4-D1631AF5F0FD}" dt="2022-02-16T02:41:23.475" v="808" actId="2711"/>
           <ac:spMkLst>
             <pc:docMk/>
             <pc:sldMk cId="3979760519" sldId="267"/>
             <ac:spMk id="10" creationId="{1382F994-5450-43B0-955A-8F242E08DD71}"/>
           </ac:spMkLst>
         </pc:spChg>
-        <pc:picChg chg="mod">
-          <ac:chgData name="Emanuel Villa" userId="5c282a8693169257" providerId="LiveId" clId="{09195C97-C5F0-4ECB-83D4-D1631AF5F0FD}" dt="2022-02-15T02:58:42.387" v="345" actId="1076"/>
+        <pc:picChg chg="add mod">
+          <ac:chgData name="Emanuel Villa" userId="5c282a8693169257" providerId="LiveId" clId="{09195C97-C5F0-4ECB-83D4-D1631AF5F0FD}" dt="2022-02-16T02:40:39.799" v="792" actId="1076"/>
+          <ac:picMkLst>
+            <pc:docMk/>
+            <pc:sldMk cId="3979760519" sldId="267"/>
+            <ac:picMk id="6" creationId="{3F2B071C-1879-440C-A1D5-1BBD961A9E74}"/>
+          </ac:picMkLst>
+        </pc:picChg>
+        <pc:picChg chg="del mod">
+          <ac:chgData name="Emanuel Villa" userId="5c282a8693169257" providerId="LiveId" clId="{09195C97-C5F0-4ECB-83D4-D1631AF5F0FD}" dt="2022-02-16T02:40:13.382" v="787" actId="478"/>
           <ac:picMkLst>
             <pc:docMk/>
             <pc:sldMk cId="3979760519" sldId="267"/>
@@ -296,25 +338,89 @@
           <pc:sldMk cId="1703085492" sldId="268"/>
         </pc:sldMkLst>
       </pc:sldChg>
-      <pc:sldChg chg="ord">
-        <pc:chgData name="Emanuel Villa" userId="5c282a8693169257" providerId="LiveId" clId="{09195C97-C5F0-4ECB-83D4-D1631AF5F0FD}" dt="2022-02-16T00:37:16.928" v="564"/>
+      <pc:sldChg chg="modSp mod ord">
+        <pc:chgData name="Emanuel Villa" userId="5c282a8693169257" providerId="LiveId" clId="{09195C97-C5F0-4ECB-83D4-D1631AF5F0FD}" dt="2022-02-16T01:05:45.025" v="650" actId="1076"/>
         <pc:sldMkLst>
           <pc:docMk/>
           <pc:sldMk cId="484813950" sldId="269"/>
         </pc:sldMkLst>
+        <pc:spChg chg="mod">
+          <ac:chgData name="Emanuel Villa" userId="5c282a8693169257" providerId="LiveId" clId="{09195C97-C5F0-4ECB-83D4-D1631AF5F0FD}" dt="2022-02-16T00:43:22.906" v="581" actId="20577"/>
+          <ac:spMkLst>
+            <pc:docMk/>
+            <pc:sldMk cId="484813950" sldId="269"/>
+            <ac:spMk id="4" creationId="{9B408C85-1DEF-4B6F-8926-7A3E11FF7A02}"/>
+          </ac:spMkLst>
+        </pc:spChg>
+        <pc:spChg chg="mod">
+          <ac:chgData name="Emanuel Villa" userId="5c282a8693169257" providerId="LiveId" clId="{09195C97-C5F0-4ECB-83D4-D1631AF5F0FD}" dt="2022-02-16T01:05:45.025" v="650" actId="1076"/>
+          <ac:spMkLst>
+            <pc:docMk/>
+            <pc:sldMk cId="484813950" sldId="269"/>
+            <ac:spMk id="20" creationId="{4FFF714F-DDA4-4AC3-8B95-20022241CBF5}"/>
+          </ac:spMkLst>
+        </pc:spChg>
+        <pc:picChg chg="mod">
+          <ac:chgData name="Emanuel Villa" userId="5c282a8693169257" providerId="LiveId" clId="{09195C97-C5F0-4ECB-83D4-D1631AF5F0FD}" dt="2022-02-16T01:05:42.359" v="649" actId="1076"/>
+          <ac:picMkLst>
+            <pc:docMk/>
+            <pc:sldMk cId="484813950" sldId="269"/>
+            <ac:picMk id="8" creationId="{33B37FE9-8070-475C-B82E-C5B399B87C02}"/>
+          </ac:picMkLst>
+        </pc:picChg>
       </pc:sldChg>
-      <pc:sldChg chg="delSp modSp mod">
-        <pc:chgData name="Emanuel Villa" userId="5c282a8693169257" providerId="LiveId" clId="{09195C97-C5F0-4ECB-83D4-D1631AF5F0FD}" dt="2022-02-16T00:36:45.287" v="561" actId="14100"/>
+      <pc:sldChg chg="addSp delSp modSp mod ord">
+        <pc:chgData name="Emanuel Villa" userId="5c282a8693169257" providerId="LiveId" clId="{09195C97-C5F0-4ECB-83D4-D1631AF5F0FD}" dt="2022-02-16T01:19:32.792" v="658" actId="1076"/>
         <pc:sldMkLst>
           <pc:docMk/>
           <pc:sldMk cId="525377556" sldId="270"/>
         </pc:sldMkLst>
-        <pc:picChg chg="mod">
-          <ac:chgData name="Emanuel Villa" userId="5c282a8693169257" providerId="LiveId" clId="{09195C97-C5F0-4ECB-83D4-D1631AF5F0FD}" dt="2022-02-16T00:36:45.287" v="561" actId="14100"/>
+        <pc:spChg chg="mod">
+          <ac:chgData name="Emanuel Villa" userId="5c282a8693169257" providerId="LiveId" clId="{09195C97-C5F0-4ECB-83D4-D1631AF5F0FD}" dt="2022-02-16T01:06:06.328" v="653" actId="1076"/>
+          <ac:spMkLst>
+            <pc:docMk/>
+            <pc:sldMk cId="525377556" sldId="270"/>
+            <ac:spMk id="2" creationId="{75A77B7C-33FD-483E-844C-A0E4CCD61C67}"/>
+          </ac:spMkLst>
+        </pc:spChg>
+        <pc:spChg chg="mod">
+          <ac:chgData name="Emanuel Villa" userId="5c282a8693169257" providerId="LiveId" clId="{09195C97-C5F0-4ECB-83D4-D1631AF5F0FD}" dt="2022-02-16T00:52:44.811" v="592"/>
+          <ac:spMkLst>
+            <pc:docMk/>
+            <pc:sldMk cId="525377556" sldId="270"/>
+            <ac:spMk id="9" creationId="{DF365B5A-CD57-4E16-99D4-8756AF59A1F8}"/>
+          </ac:spMkLst>
+        </pc:spChg>
+        <pc:spChg chg="mod">
+          <ac:chgData name="Emanuel Villa" userId="5c282a8693169257" providerId="LiveId" clId="{09195C97-C5F0-4ECB-83D4-D1631AF5F0FD}" dt="2022-02-16T01:06:08.513" v="654" actId="1076"/>
+          <ac:spMkLst>
+            <pc:docMk/>
+            <pc:sldMk cId="525377556" sldId="270"/>
+            <ac:spMk id="10" creationId="{1382F994-5450-43B0-955A-8F242E08DD71}"/>
+          </ac:spMkLst>
+        </pc:spChg>
+        <pc:picChg chg="del mod">
+          <ac:chgData name="Emanuel Villa" userId="5c282a8693169257" providerId="LiveId" clId="{09195C97-C5F0-4ECB-83D4-D1631AF5F0FD}" dt="2022-02-16T00:50:47.916" v="589" actId="478"/>
           <ac:picMkLst>
             <pc:docMk/>
             <pc:sldMk cId="525377556" sldId="270"/>
             <ac:picMk id="6" creationId="{F241FF86-48C3-4E72-8401-D3CB8996A640}"/>
+          </ac:picMkLst>
+        </pc:picChg>
+        <pc:picChg chg="add del mod">
+          <ac:chgData name="Emanuel Villa" userId="5c282a8693169257" providerId="LiveId" clId="{09195C97-C5F0-4ECB-83D4-D1631AF5F0FD}" dt="2022-02-16T01:19:25.231" v="655" actId="478"/>
+          <ac:picMkLst>
+            <pc:docMk/>
+            <pc:sldMk cId="525377556" sldId="270"/>
+            <ac:picMk id="7" creationId="{0427F851-DBCA-477C-A60E-2A845FEE274C}"/>
+          </ac:picMkLst>
+        </pc:picChg>
+        <pc:picChg chg="add mod">
+          <ac:chgData name="Emanuel Villa" userId="5c282a8693169257" providerId="LiveId" clId="{09195C97-C5F0-4ECB-83D4-D1631AF5F0FD}" dt="2022-02-16T01:19:32.792" v="658" actId="1076"/>
+          <ac:picMkLst>
+            <pc:docMk/>
+            <pc:sldMk cId="525377556" sldId="270"/>
+            <ac:picMk id="8" creationId="{F8991125-EC1A-4C4B-8399-AC17C7BD5FE4}"/>
           </ac:picMkLst>
         </pc:picChg>
         <pc:picChg chg="del">
@@ -326,8 +432,8 @@
           </ac:picMkLst>
         </pc:picChg>
       </pc:sldChg>
-      <pc:sldChg chg="modSp mod">
-        <pc:chgData name="Emanuel Villa" userId="5c282a8693169257" providerId="LiveId" clId="{09195C97-C5F0-4ECB-83D4-D1631AF5F0FD}" dt="2022-02-16T00:26:03.556" v="502" actId="1076"/>
+      <pc:sldChg chg="modSp mod ord">
+        <pc:chgData name="Emanuel Villa" userId="5c282a8693169257" providerId="LiveId" clId="{09195C97-C5F0-4ECB-83D4-D1631AF5F0FD}" dt="2022-02-16T00:44:39.689" v="585"/>
         <pc:sldMkLst>
           <pc:docMk/>
           <pc:sldMk cId="3271766303" sldId="271"/>
@@ -350,13 +456,13 @@
         </pc:picChg>
       </pc:sldChg>
       <pc:sldChg chg="addSp delSp modSp mod ord">
-        <pc:chgData name="Emanuel Villa" userId="5c282a8693169257" providerId="LiveId" clId="{09195C97-C5F0-4ECB-83D4-D1631AF5F0FD}" dt="2022-02-16T00:29:05.839" v="556" actId="20577"/>
+        <pc:chgData name="Emanuel Villa" userId="5c282a8693169257" providerId="LiveId" clId="{09195C97-C5F0-4ECB-83D4-D1631AF5F0FD}" dt="2022-02-16T02:36:13.081" v="723" actId="20577"/>
         <pc:sldMkLst>
           <pc:docMk/>
           <pc:sldMk cId="1700402683" sldId="272"/>
         </pc:sldMkLst>
         <pc:spChg chg="mod">
-          <ac:chgData name="Emanuel Villa" userId="5c282a8693169257" providerId="LiveId" clId="{09195C97-C5F0-4ECB-83D4-D1631AF5F0FD}" dt="2022-02-16T00:29:05.839" v="556" actId="20577"/>
+          <ac:chgData name="Emanuel Villa" userId="5c282a8693169257" providerId="LiveId" clId="{09195C97-C5F0-4ECB-83D4-D1631AF5F0FD}" dt="2022-02-16T02:36:13.081" v="723" actId="20577"/>
           <ac:spMkLst>
             <pc:docMk/>
             <pc:sldMk cId="1700402683" sldId="272"/>
@@ -436,18 +542,58 @@
           </ac:inkMkLst>
         </pc:inkChg>
       </pc:sldChg>
-      <pc:sldChg chg="delSp modSp mod">
-        <pc:chgData name="Emanuel Villa" userId="5c282a8693169257" providerId="LiveId" clId="{09195C97-C5F0-4ECB-83D4-D1631AF5F0FD}" dt="2022-02-16T00:37:09.305" v="562" actId="1076"/>
+      <pc:sldChg chg="addSp delSp modSp del mod ord">
+        <pc:chgData name="Emanuel Villa" userId="5c282a8693169257" providerId="LiveId" clId="{09195C97-C5F0-4ECB-83D4-D1631AF5F0FD}" dt="2022-02-16T02:42:13.614" v="810" actId="2696"/>
         <pc:sldMkLst>
           <pc:docMk/>
           <pc:sldMk cId="287446111" sldId="273"/>
         </pc:sldMkLst>
-        <pc:picChg chg="mod">
-          <ac:chgData name="Emanuel Villa" userId="5c282a8693169257" providerId="LiveId" clId="{09195C97-C5F0-4ECB-83D4-D1631AF5F0FD}" dt="2022-02-16T00:37:09.305" v="562" actId="1076"/>
+        <pc:spChg chg="mod">
+          <ac:chgData name="Emanuel Villa" userId="5c282a8693169257" providerId="LiveId" clId="{09195C97-C5F0-4ECB-83D4-D1631AF5F0FD}" dt="2022-02-16T01:21:17.114" v="717" actId="20577"/>
+          <ac:spMkLst>
+            <pc:docMk/>
+            <pc:sldMk cId="287446111" sldId="273"/>
+            <ac:spMk id="2" creationId="{75A77B7C-33FD-483E-844C-A0E4CCD61C67}"/>
+          </ac:spMkLst>
+        </pc:spChg>
+        <pc:spChg chg="add mod">
+          <ac:chgData name="Emanuel Villa" userId="5c282a8693169257" providerId="LiveId" clId="{09195C97-C5F0-4ECB-83D4-D1631AF5F0FD}" dt="2022-02-16T01:20:02.008" v="661"/>
+          <ac:spMkLst>
+            <pc:docMk/>
+            <pc:sldMk cId="287446111" sldId="273"/>
+            <ac:spMk id="3" creationId="{08F6A535-582A-405C-AA98-4930A4C56C9C}"/>
+          </ac:spMkLst>
+        </pc:spChg>
+        <pc:spChg chg="del mod">
+          <ac:chgData name="Emanuel Villa" userId="5c282a8693169257" providerId="LiveId" clId="{09195C97-C5F0-4ECB-83D4-D1631AF5F0FD}" dt="2022-02-16T01:04:29.670" v="617"/>
+          <ac:spMkLst>
+            <pc:docMk/>
+            <pc:sldMk cId="287446111" sldId="273"/>
+            <ac:spMk id="9" creationId="{DF365B5A-CD57-4E16-99D4-8756AF59A1F8}"/>
+          </ac:spMkLst>
+        </pc:spChg>
+        <pc:spChg chg="mod">
+          <ac:chgData name="Emanuel Villa" userId="5c282a8693169257" providerId="LiveId" clId="{09195C97-C5F0-4ECB-83D4-D1631AF5F0FD}" dt="2022-02-16T01:21:13.361" v="711" actId="122"/>
+          <ac:spMkLst>
+            <pc:docMk/>
+            <pc:sldMk cId="287446111" sldId="273"/>
+            <ac:spMk id="10" creationId="{1382F994-5450-43B0-955A-8F242E08DD71}"/>
+          </ac:spMkLst>
+        </pc:spChg>
+        <pc:picChg chg="del mod">
+          <ac:chgData name="Emanuel Villa" userId="5c282a8693169257" providerId="LiveId" clId="{09195C97-C5F0-4ECB-83D4-D1631AF5F0FD}" dt="2022-02-16T01:03:58.930" v="596" actId="478"/>
           <ac:picMkLst>
             <pc:docMk/>
             <pc:sldMk cId="287446111" sldId="273"/>
             <ac:picMk id="4" creationId="{19123EA1-8C46-43B6-AC91-264848BA878B}"/>
+          </ac:picMkLst>
+        </pc:picChg>
+        <pc:picChg chg="add del mod">
+          <ac:chgData name="Emanuel Villa" userId="5c282a8693169257" providerId="LiveId" clId="{09195C97-C5F0-4ECB-83D4-D1631AF5F0FD}" dt="2022-02-16T01:20:10.698" v="662" actId="478"/>
+          <ac:picMkLst>
+            <pc:docMk/>
+            <pc:sldMk cId="287446111" sldId="273"/>
+            <ac:picMk id="6" creationId="{C4C637CE-61C5-4B6A-A1DB-F8A031C39F40}"/>
           </ac:picMkLst>
         </pc:picChg>
         <pc:picChg chg="del">
@@ -456,6 +602,14 @@
             <pc:docMk/>
             <pc:sldMk cId="287446111" sldId="273"/>
             <ac:picMk id="7" creationId="{F91CBC8D-94BB-4A31-A33A-F2D62298010F}"/>
+          </ac:picMkLst>
+        </pc:picChg>
+        <pc:picChg chg="add mod">
+          <ac:chgData name="Emanuel Villa" userId="5c282a8693169257" providerId="LiveId" clId="{09195C97-C5F0-4ECB-83D4-D1631AF5F0FD}" dt="2022-02-16T01:20:14.831" v="665" actId="1076"/>
+          <ac:picMkLst>
+            <pc:docMk/>
+            <pc:sldMk cId="287446111" sldId="273"/>
+            <ac:picMk id="8" creationId="{20746E22-072C-4C51-A9F0-B526591D5656}"/>
           </ac:picMkLst>
         </pc:picChg>
       </pc:sldChg>
@@ -553,6 +707,154 @@
             <ac:picMk id="16" creationId="{3758999E-2E86-4BA1-BF31-07377AB9084E}"/>
           </ac:picMkLst>
         </pc:picChg>
+      </pc:sldChg>
+      <pc:sldChg chg="modSp add mod">
+        <pc:chgData name="Emanuel Villa" userId="5c282a8693169257" providerId="LiveId" clId="{09195C97-C5F0-4ECB-83D4-D1631AF5F0FD}" dt="2022-02-16T02:45:06.834" v="955" actId="20577"/>
+        <pc:sldMkLst>
+          <pc:docMk/>
+          <pc:sldMk cId="3720766054" sldId="275"/>
+        </pc:sldMkLst>
+        <pc:spChg chg="mod">
+          <ac:chgData name="Emanuel Villa" userId="5c282a8693169257" providerId="LiveId" clId="{09195C97-C5F0-4ECB-83D4-D1631AF5F0FD}" dt="2022-02-16T02:45:06.834" v="955" actId="20577"/>
+          <ac:spMkLst>
+            <pc:docMk/>
+            <pc:sldMk cId="3720766054" sldId="275"/>
+            <ac:spMk id="10" creationId="{1382F994-5450-43B0-955A-8F242E08DD71}"/>
+          </ac:spMkLst>
+        </pc:spChg>
+      </pc:sldChg>
+      <pc:sldChg chg="addSp delSp modSp mod">
+        <pc:chgData name="Emanuel Villa" userId="5c282a8693169257" providerId="LiveId" clId="{09195C97-C5F0-4ECB-83D4-D1631AF5F0FD}" dt="2022-02-16T02:44:30.778" v="954" actId="20577"/>
+        <pc:sldMkLst>
+          <pc:docMk/>
+          <pc:sldMk cId="3283608081" sldId="276"/>
+        </pc:sldMkLst>
+        <pc:spChg chg="mod">
+          <ac:chgData name="Emanuel Villa" userId="5c282a8693169257" providerId="LiveId" clId="{09195C97-C5F0-4ECB-83D4-D1631AF5F0FD}" dt="2022-02-16T02:43:56.522" v="881" actId="20577"/>
+          <ac:spMkLst>
+            <pc:docMk/>
+            <pc:sldMk cId="3283608081" sldId="276"/>
+            <ac:spMk id="2" creationId="{75A77B7C-33FD-483E-844C-A0E4CCD61C67}"/>
+          </ac:spMkLst>
+        </pc:spChg>
+        <pc:spChg chg="mod">
+          <ac:chgData name="Emanuel Villa" userId="5c282a8693169257" providerId="LiveId" clId="{09195C97-C5F0-4ECB-83D4-D1631AF5F0FD}" dt="2022-02-16T02:43:44.856" v="865" actId="20577"/>
+          <ac:spMkLst>
+            <pc:docMk/>
+            <pc:sldMk cId="3283608081" sldId="276"/>
+            <ac:spMk id="9" creationId="{DF365B5A-CD57-4E16-99D4-8756AF59A1F8}"/>
+          </ac:spMkLst>
+        </pc:spChg>
+        <pc:spChg chg="mod">
+          <ac:chgData name="Emanuel Villa" userId="5c282a8693169257" providerId="LiveId" clId="{09195C97-C5F0-4ECB-83D4-D1631AF5F0FD}" dt="2022-02-16T02:44:30.778" v="954" actId="20577"/>
+          <ac:spMkLst>
+            <pc:docMk/>
+            <pc:sldMk cId="3283608081" sldId="276"/>
+            <ac:spMk id="10" creationId="{1382F994-5450-43B0-955A-8F242E08DD71}"/>
+          </ac:spMkLst>
+        </pc:spChg>
+        <pc:picChg chg="del">
+          <ac:chgData name="Emanuel Villa" userId="5c282a8693169257" providerId="LiveId" clId="{09195C97-C5F0-4ECB-83D4-D1631AF5F0FD}" dt="2022-02-16T02:42:59.378" v="815" actId="478"/>
+          <ac:picMkLst>
+            <pc:docMk/>
+            <pc:sldMk cId="3283608081" sldId="276"/>
+            <ac:picMk id="6" creationId="{3F2B071C-1879-440C-A1D5-1BBD961A9E74}"/>
+          </ac:picMkLst>
+        </pc:picChg>
+        <pc:picChg chg="add mod">
+          <ac:chgData name="Emanuel Villa" userId="5c282a8693169257" providerId="LiveId" clId="{09195C97-C5F0-4ECB-83D4-D1631AF5F0FD}" dt="2022-02-16T02:43:14.352" v="820" actId="1076"/>
+          <ac:picMkLst>
+            <pc:docMk/>
+            <pc:sldMk cId="3283608081" sldId="276"/>
+            <ac:picMk id="7" creationId="{692C003B-A497-4DC8-B64A-7233D24A4E6F}"/>
+          </ac:picMkLst>
+        </pc:picChg>
+      </pc:sldChg>
+      <pc:sldChg chg="addSp delSp modSp add mod">
+        <pc:chgData name="Emanuel Villa" userId="5c282a8693169257" providerId="LiveId" clId="{09195C97-C5F0-4ECB-83D4-D1631AF5F0FD}" dt="2022-02-16T02:50:44.632" v="1328" actId="21"/>
+        <pc:sldMkLst>
+          <pc:docMk/>
+          <pc:sldMk cId="1567398615" sldId="277"/>
+        </pc:sldMkLst>
+        <pc:spChg chg="mod">
+          <ac:chgData name="Emanuel Villa" userId="5c282a8693169257" providerId="LiveId" clId="{09195C97-C5F0-4ECB-83D4-D1631AF5F0FD}" dt="2022-02-16T02:48:11.681" v="994" actId="122"/>
+          <ac:spMkLst>
+            <pc:docMk/>
+            <pc:sldMk cId="1567398615" sldId="277"/>
+            <ac:spMk id="2" creationId="{75A77B7C-33FD-483E-844C-A0E4CCD61C67}"/>
+          </ac:spMkLst>
+        </pc:spChg>
+        <pc:spChg chg="add del mod">
+          <ac:chgData name="Emanuel Villa" userId="5c282a8693169257" providerId="LiveId" clId="{09195C97-C5F0-4ECB-83D4-D1631AF5F0FD}" dt="2022-02-16T02:47:40.615" v="967" actId="478"/>
+          <ac:spMkLst>
+            <pc:docMk/>
+            <pc:sldMk cId="1567398615" sldId="277"/>
+            <ac:spMk id="4" creationId="{0210BA88-BB91-4569-8B12-952A5CE735BC}"/>
+          </ac:spMkLst>
+        </pc:spChg>
+        <pc:spChg chg="mod">
+          <ac:chgData name="Emanuel Villa" userId="5c282a8693169257" providerId="LiveId" clId="{09195C97-C5F0-4ECB-83D4-D1631AF5F0FD}" dt="2022-02-16T02:47:44.276" v="968"/>
+          <ac:spMkLst>
+            <pc:docMk/>
+            <pc:sldMk cId="1567398615" sldId="277"/>
+            <ac:spMk id="9" creationId="{DF365B5A-CD57-4E16-99D4-8756AF59A1F8}"/>
+          </ac:spMkLst>
+        </pc:spChg>
+        <pc:spChg chg="mod">
+          <ac:chgData name="Emanuel Villa" userId="5c282a8693169257" providerId="LiveId" clId="{09195C97-C5F0-4ECB-83D4-D1631AF5F0FD}" dt="2022-02-16T02:50:44.632" v="1328" actId="21"/>
+          <ac:spMkLst>
+            <pc:docMk/>
+            <pc:sldMk cId="1567398615" sldId="277"/>
+            <ac:spMk id="10" creationId="{1382F994-5450-43B0-955A-8F242E08DD71}"/>
+          </ac:spMkLst>
+        </pc:spChg>
+        <pc:picChg chg="del">
+          <ac:chgData name="Emanuel Villa" userId="5c282a8693169257" providerId="LiveId" clId="{09195C97-C5F0-4ECB-83D4-D1631AF5F0FD}" dt="2022-02-16T02:46:45.327" v="957" actId="478"/>
+          <ac:picMkLst>
+            <pc:docMk/>
+            <pc:sldMk cId="1567398615" sldId="277"/>
+            <ac:picMk id="7" creationId="{215BC6F2-D9D7-4A4B-BC06-9197171570DF}"/>
+          </ac:picMkLst>
+        </pc:picChg>
+        <pc:picChg chg="add mod">
+          <ac:chgData name="Emanuel Villa" userId="5c282a8693169257" providerId="LiveId" clId="{09195C97-C5F0-4ECB-83D4-D1631AF5F0FD}" dt="2022-02-16T02:47:08.550" v="964" actId="14100"/>
+          <ac:picMkLst>
+            <pc:docMk/>
+            <pc:sldMk cId="1567398615" sldId="277"/>
+            <ac:picMk id="8" creationId="{FF643964-CD9A-42F5-BB9E-A98A14F44D8C}"/>
+          </ac:picMkLst>
+        </pc:picChg>
+        <pc:picChg chg="add mod">
+          <ac:chgData name="Emanuel Villa" userId="5c282a8693169257" providerId="LiveId" clId="{09195C97-C5F0-4ECB-83D4-D1631AF5F0FD}" dt="2022-02-16T02:47:10.135" v="965" actId="14100"/>
+          <ac:picMkLst>
+            <pc:docMk/>
+            <pc:sldMk cId="1567398615" sldId="277"/>
+            <ac:picMk id="11" creationId="{D87550B1-5A71-469E-92A1-65A368E46371}"/>
+          </ac:picMkLst>
+        </pc:picChg>
+      </pc:sldChg>
+      <pc:sldChg chg="modSp new mod">
+        <pc:chgData name="Emanuel Villa" userId="5c282a8693169257" providerId="LiveId" clId="{09195C97-C5F0-4ECB-83D4-D1631AF5F0FD}" dt="2022-02-16T02:56:00.273" v="1890" actId="20577"/>
+        <pc:sldMkLst>
+          <pc:docMk/>
+          <pc:sldMk cId="2206143857" sldId="278"/>
+        </pc:sldMkLst>
+        <pc:spChg chg="mod">
+          <ac:chgData name="Emanuel Villa" userId="5c282a8693169257" providerId="LiveId" clId="{09195C97-C5F0-4ECB-83D4-D1631AF5F0FD}" dt="2022-02-16T02:54:07.994" v="1735" actId="313"/>
+          <ac:spMkLst>
+            <pc:docMk/>
+            <pc:sldMk cId="2206143857" sldId="278"/>
+            <ac:spMk id="2" creationId="{7689D64B-2F88-4AF5-A84C-CD8110AE03B7}"/>
+          </ac:spMkLst>
+        </pc:spChg>
+        <pc:spChg chg="mod">
+          <ac:chgData name="Emanuel Villa" userId="5c282a8693169257" providerId="LiveId" clId="{09195C97-C5F0-4ECB-83D4-D1631AF5F0FD}" dt="2022-02-16T02:56:00.273" v="1890" actId="20577"/>
+          <ac:spMkLst>
+            <pc:docMk/>
+            <pc:sldMk cId="2206143857" sldId="278"/>
+            <ac:spMk id="3" creationId="{25667228-F237-4ECF-A5D7-4C843C0D298A}"/>
+          </ac:spMkLst>
+        </pc:spChg>
       </pc:sldChg>
     </pc:docChg>
   </pc:docChgLst>
@@ -5327,20 +5629,20 @@
         </p:nvSpPr>
         <p:spPr>
           <a:xfrm>
-            <a:off x="8458200" y="1719072"/>
-            <a:ext cx="3161963" cy="917028"/>
+            <a:off x="8458200" y="2173644"/>
+            <a:ext cx="3161963" cy="462456"/>
           </a:xfrm>
         </p:spPr>
         <p:txBody>
           <a:bodyPr anchor="b">
-            <a:noAutofit/>
+            <a:normAutofit/>
           </a:bodyPr>
           <a:lstStyle/>
           <a:p>
             <a:pPr algn="ctr"/>
             <a:r>
               <a:rPr lang="en-US" sz="2200" dirty="0"/>
-              <a:t>Production Cost Trends</a:t>
+              <a:t>Production Trends</a:t>
             </a:r>
           </a:p>
         </p:txBody>
@@ -5373,6 +5675,14 @@
           <a:p>
             <a:pPr algn="ctr"/>
             <a:r>
+              <a:rPr lang="en-US" sz="1800" dirty="0">
+                <a:effectLst/>
+                <a:ea typeface="Calibri" panose="020F0502020204030204" pitchFamily="34" charset="0"/>
+                <a:cs typeface="Times New Roman" panose="02020603050405020304" pitchFamily="18" charset="0"/>
+              </a:rPr>
+              <a:t>Production costs do vary for every region, but they all show a decrease production costs</a:t>
+            </a:r>
+            <a:r>
               <a:rPr lang="en-US" sz="1600" dirty="0"/>
               <a:t>.</a:t>
             </a:r>
@@ -5397,7 +5707,7 @@
         <p:spPr>
           <a:xfrm>
             <a:off x="2261975" y="723900"/>
-            <a:ext cx="4291225" cy="646331"/>
+            <a:ext cx="4291225" cy="369332"/>
           </a:xfrm>
           <a:prstGeom prst="rect">
             <a:avLst/>
@@ -5410,49 +5720,20 @@
           </a:bodyPr>
           <a:lstStyle/>
           <a:p>
-            <a:pPr marL="0" marR="0" lvl="0" indent="0" algn="ctr" defTabSz="914400" rtl="0" eaLnBrk="1" fontAlgn="auto" latinLnBrk="0" hangingPunct="1">
-              <a:lnSpc>
-                <a:spcPct val="100000"/>
-              </a:lnSpc>
-              <a:spcBef>
-                <a:spcPts val="0"/>
-              </a:spcBef>
-              <a:spcAft>
-                <a:spcPts val="0"/>
-              </a:spcAft>
-              <a:buClrTx/>
-              <a:buSzTx/>
-              <a:buFontTx/>
-              <a:buNone/>
-              <a:tabLst/>
-              <a:defRPr/>
-            </a:pPr>
-            <a:r>
-              <a:rPr kumimoji="0" lang="en-US" sz="1800" b="0" i="0" u="none" strike="noStrike" kern="1200" cap="none" spc="0" normalizeH="0" baseline="0" noProof="0" dirty="0">
-                <a:ln>
-                  <a:noFill/>
-                </a:ln>
-                <a:solidFill>
-                  <a:prstClr val="black"/>
-                </a:solidFill>
-                <a:effectLst/>
-                <a:uLnTx/>
-                <a:uFillTx/>
-                <a:latin typeface="Century Gothic" panose="020F0302020204030204"/>
-                <a:ea typeface="+mn-ea"/>
-                <a:cs typeface="+mn-cs"/>
-              </a:rPr>
-              <a:t>Side by Side Production Cost Commentary</a:t>
+            <a:pPr algn="ctr"/>
+            <a:r>
+              <a:rPr lang="en-US" dirty="0"/>
+              <a:t>Production Costs</a:t>
             </a:r>
           </a:p>
         </p:txBody>
       </p:sp>
       <p:pic>
         <p:nvPicPr>
-          <p:cNvPr id="4" name="Picture 3">
+          <p:cNvPr id="6" name="Picture 5" descr="Chart, line chart&#10;&#10;Description automatically generated">
             <a:extLst>
               <a:ext uri="{FF2B5EF4-FFF2-40B4-BE49-F238E27FC236}">
-                <a16:creationId xmlns:a16="http://schemas.microsoft.com/office/drawing/2014/main" id="{19123EA1-8C46-43B6-AC91-264848BA878B}"/>
+                <a16:creationId xmlns:a16="http://schemas.microsoft.com/office/drawing/2014/main" id="{3F2B071C-1879-440C-A1D5-1BBD961A9E74}"/>
               </a:ext>
             </a:extLst>
           </p:cNvPr>
@@ -5469,8 +5750,8 @@
         </p:blipFill>
         <p:spPr>
           <a:xfrm>
-            <a:off x="2573768" y="2177586"/>
-            <a:ext cx="3667637" cy="2934109"/>
+            <a:off x="1965061" y="1438753"/>
+            <a:ext cx="4885051" cy="3605094"/>
           </a:xfrm>
           <a:prstGeom prst="rect">
             <a:avLst/>
@@ -5480,7 +5761,7 @@
     </p:spTree>
     <p:extLst>
       <p:ext uri="{BB962C8B-B14F-4D97-AF65-F5344CB8AC3E}">
-        <p14:creationId xmlns:p14="http://schemas.microsoft.com/office/powerpoint/2010/main" val="287446111"/>
+        <p14:creationId xmlns:p14="http://schemas.microsoft.com/office/powerpoint/2010/main" val="3979760519"/>
       </p:ext>
     </p:extLst>
   </p:cSld>
@@ -5512,7 +5793,7 @@
           <p:cNvPr id="2" name="Title 1">
             <a:extLst>
               <a:ext uri="{FF2B5EF4-FFF2-40B4-BE49-F238E27FC236}">
-                <a16:creationId xmlns:a16="http://schemas.microsoft.com/office/drawing/2014/main" id="{EAD0C8B5-6B5B-4F41-A718-7FBA3FEA3AB4}"/>
+                <a16:creationId xmlns:a16="http://schemas.microsoft.com/office/drawing/2014/main" id="{75A77B7C-33FD-483E-844C-A0E4CCD61C67}"/>
               </a:ext>
             </a:extLst>
           </p:cNvPr>
@@ -5525,59 +5806,30 @@
         </p:nvSpPr>
         <p:spPr>
           <a:xfrm>
-            <a:off x="8458200" y="1132405"/>
-            <a:ext cx="3161963" cy="526464"/>
-          </a:xfrm>
-        </p:spPr>
-        <p:txBody>
-          <a:bodyPr>
-            <a:normAutofit fontScale="90000"/>
+            <a:off x="8458200" y="2173644"/>
+            <a:ext cx="3161963" cy="462456"/>
+          </a:xfrm>
+        </p:spPr>
+        <p:txBody>
+          <a:bodyPr anchor="b">
+            <a:normAutofit/>
           </a:bodyPr>
           <a:lstStyle/>
           <a:p>
             <a:pPr algn="ctr"/>
             <a:r>
-              <a:rPr lang="en-US" sz="2400" dirty="0"/>
-              <a:t>Energy Usage Trends</a:t>
-            </a:r>
-          </a:p>
-        </p:txBody>
-      </p:sp>
-      <p:pic>
-        <p:nvPicPr>
-          <p:cNvPr id="6" name="Content Placeholder 5">
+              <a:rPr lang="en-US" sz="2200" dirty="0"/>
+              <a:t>Energy Usage Table</a:t>
+            </a:r>
+          </a:p>
+        </p:txBody>
+      </p:sp>
+      <p:sp>
+        <p:nvSpPr>
+          <p:cNvPr id="10" name="Text Placeholder 3">
             <a:extLst>
               <a:ext uri="{FF2B5EF4-FFF2-40B4-BE49-F238E27FC236}">
-                <a16:creationId xmlns:a16="http://schemas.microsoft.com/office/drawing/2014/main" id="{F9485AFD-D5E2-4711-941A-9849EF62DB70}"/>
-              </a:ext>
-            </a:extLst>
-          </p:cNvPr>
-          <p:cNvPicPr>
-            <a:picLocks noGrp="1" noChangeAspect="1"/>
-          </p:cNvPicPr>
-          <p:nvPr>
-            <p:ph idx="1"/>
-          </p:nvPr>
-        </p:nvPicPr>
-        <p:blipFill>
-          <a:blip r:embed="rId2"/>
-          <a:stretch>
-            <a:fillRect/>
-          </a:stretch>
-        </p:blipFill>
-        <p:spPr>
-          <a:xfrm>
-            <a:off x="4147854" y="1289304"/>
-            <a:ext cx="3359371" cy="2434556"/>
-          </a:xfrm>
-        </p:spPr>
-      </p:pic>
-      <p:sp>
-        <p:nvSpPr>
-          <p:cNvPr id="4" name="Text Placeholder 3">
-            <a:extLst>
-              <a:ext uri="{FF2B5EF4-FFF2-40B4-BE49-F238E27FC236}">
-                <a16:creationId xmlns:a16="http://schemas.microsoft.com/office/drawing/2014/main" id="{9B408C85-1DEF-4B6F-8926-7A3E11FF7A02}"/>
+                <a16:creationId xmlns:a16="http://schemas.microsoft.com/office/drawing/2014/main" id="{1382F994-5450-43B0-955A-8F242E08DD71}"/>
               </a:ext>
             </a:extLst>
           </p:cNvPr>
@@ -5590,55 +5842,107 @@
         </p:nvSpPr>
         <p:spPr>
           <a:xfrm>
-            <a:off x="8458200" y="1987065"/>
-            <a:ext cx="3161963" cy="2655824"/>
-          </a:xfrm>
-        </p:spPr>
-        <p:txBody>
-          <a:bodyPr>
-            <a:normAutofit fontScale="85000" lnSpcReduction="10000"/>
+            <a:off x="8458200" y="2853345"/>
+            <a:ext cx="3161963" cy="2635465"/>
+          </a:xfrm>
+        </p:spPr>
+        <p:txBody>
+          <a:bodyPr/>
+          <a:lstStyle/>
+          <a:p>
+            <a:pPr algn="ctr"/>
+            <a:r>
+              <a:rPr lang="en-US" sz="1800" dirty="0">
+                <a:effectLst/>
+                <a:ea typeface="Calibri" panose="020F0502020204030204" pitchFamily="34" charset="0"/>
+                <a:cs typeface="Times New Roman" panose="02020603050405020304" pitchFamily="18" charset="0"/>
+              </a:rPr>
+              <a:t>Snapshot of Usage average and other information.</a:t>
+            </a:r>
+            <a:endParaRPr lang="en-US" sz="1600" dirty="0"/>
+          </a:p>
+          <a:p>
+            <a:endParaRPr lang="en-US" dirty="0"/>
+          </a:p>
+        </p:txBody>
+      </p:sp>
+      <p:sp>
+        <p:nvSpPr>
+          <p:cNvPr id="9" name="TextBox 8">
+            <a:extLst>
+              <a:ext uri="{FF2B5EF4-FFF2-40B4-BE49-F238E27FC236}">
+                <a16:creationId xmlns:a16="http://schemas.microsoft.com/office/drawing/2014/main" id="{DF365B5A-CD57-4E16-99D4-8756AF59A1F8}"/>
+              </a:ext>
+            </a:extLst>
+          </p:cNvPr>
+          <p:cNvSpPr txBox="1"/>
+          <p:nvPr/>
+        </p:nvSpPr>
+        <p:spPr>
+          <a:xfrm>
+            <a:off x="2261975" y="723900"/>
+            <a:ext cx="4291225" cy="369332"/>
+          </a:xfrm>
+          <a:prstGeom prst="rect">
+            <a:avLst/>
+          </a:prstGeom>
+          <a:noFill/>
+        </p:spPr>
+        <p:txBody>
+          <a:bodyPr wrap="square" rtlCol="0">
+            <a:spAutoFit/>
           </a:bodyPr>
           <a:lstStyle/>
           <a:p>
-            <a:pPr algn="ctr"/>
-            <a:r>
-              <a:rPr lang="en-US" sz="1600" dirty="0"/>
-              <a:t>Energy usage is considerable higher in the South region.</a:t>
-            </a:r>
-          </a:p>
-          <a:p>
-            <a:pPr algn="ctr"/>
-            <a:r>
-              <a:rPr lang="en-US" sz="1600" dirty="0"/>
-              <a:t>Usage in the West has a low rate of increase, despite having California as much higher usage state.</a:t>
-            </a:r>
-          </a:p>
-          <a:p>
-            <a:pPr algn="ctr"/>
-            <a:r>
-              <a:rPr lang="en-US" sz="1600" dirty="0"/>
-              <a:t>The Midwest showed a higher rate of increase during this time period.</a:t>
-            </a:r>
-          </a:p>
-          <a:p>
-            <a:pPr algn="ctr"/>
-            <a:endParaRPr lang="en-US" sz="1600" dirty="0"/>
-          </a:p>
-          <a:p>
-            <a:pPr algn="ctr"/>
-            <a:r>
-              <a:rPr lang="en-US" sz="1600" dirty="0"/>
-              <a:t> </a:t>
-            </a:r>
+            <a:pPr marL="0" marR="0" lvl="0" indent="0" algn="ctr" defTabSz="914400" rtl="0" eaLnBrk="1" fontAlgn="auto" latinLnBrk="0" hangingPunct="1">
+              <a:lnSpc>
+                <a:spcPct val="100000"/>
+              </a:lnSpc>
+              <a:spcBef>
+                <a:spcPts val="0"/>
+              </a:spcBef>
+              <a:spcAft>
+                <a:spcPts val="0"/>
+              </a:spcAft>
+              <a:buClrTx/>
+              <a:buSzTx/>
+              <a:buFontTx/>
+              <a:buNone/>
+              <a:tabLst/>
+              <a:defRPr/>
+            </a:pPr>
+            <a:r>
+              <a:rPr lang="en-US" dirty="0">
+                <a:solidFill>
+                  <a:prstClr val="black"/>
+                </a:solidFill>
+                <a:latin typeface="Century Gothic" panose="020F0302020204030204"/>
+              </a:rPr>
+              <a:t>Energy Usage and Consumption</a:t>
+            </a:r>
+            <a:endParaRPr kumimoji="0" lang="en-US" sz="1800" b="0" i="0" u="none" strike="noStrike" kern="1200" cap="none" spc="0" normalizeH="0" baseline="0" noProof="0" dirty="0">
+              <a:ln>
+                <a:noFill/>
+              </a:ln>
+              <a:solidFill>
+                <a:prstClr val="black"/>
+              </a:solidFill>
+              <a:effectLst/>
+              <a:uLnTx/>
+              <a:uFillTx/>
+              <a:latin typeface="Century Gothic" panose="020F0302020204030204"/>
+              <a:ea typeface="+mn-ea"/>
+              <a:cs typeface="+mn-cs"/>
+            </a:endParaRPr>
           </a:p>
         </p:txBody>
       </p:sp>
       <p:pic>
         <p:nvPicPr>
-          <p:cNvPr id="9" name="Picture 8">
+          <p:cNvPr id="7" name="Picture 6" descr="Table&#10;&#10;Description automatically generated">
             <a:extLst>
               <a:ext uri="{FF2B5EF4-FFF2-40B4-BE49-F238E27FC236}">
-                <a16:creationId xmlns:a16="http://schemas.microsoft.com/office/drawing/2014/main" id="{312CC7AB-6711-4256-BFD8-9C0C93A7C727}"/>
+                <a16:creationId xmlns:a16="http://schemas.microsoft.com/office/drawing/2014/main" id="{692C003B-A497-4DC8-B64A-7233D24A4E6F}"/>
               </a:ext>
             </a:extLst>
           </p:cNvPr>
@@ -5648,121 +5952,25 @@
           <p:nvPr/>
         </p:nvPicPr>
         <p:blipFill>
-          <a:blip r:embed="rId3"/>
+          <a:blip r:embed="rId2"/>
           <a:stretch>
             <a:fillRect/>
           </a:stretch>
         </p:blipFill>
         <p:spPr>
           <a:xfrm>
-            <a:off x="566169" y="1395637"/>
-            <a:ext cx="3331010" cy="2402695"/>
+            <a:off x="1601664" y="1709023"/>
+            <a:ext cx="5611845" cy="3439953"/>
           </a:xfrm>
           <a:prstGeom prst="rect">
             <a:avLst/>
           </a:prstGeom>
         </p:spPr>
       </p:pic>
-      <p:pic>
-        <p:nvPicPr>
-          <p:cNvPr id="12" name="Picture 11">
-            <a:extLst>
-              <a:ext uri="{FF2B5EF4-FFF2-40B4-BE49-F238E27FC236}">
-                <a16:creationId xmlns:a16="http://schemas.microsoft.com/office/drawing/2014/main" id="{B5C93C7E-31A0-40BF-91D9-691CB9A7A87A}"/>
-              </a:ext>
-            </a:extLst>
-          </p:cNvPr>
-          <p:cNvPicPr>
-            <a:picLocks noChangeAspect="1"/>
-          </p:cNvPicPr>
-          <p:nvPr/>
-        </p:nvPicPr>
-        <p:blipFill>
-          <a:blip r:embed="rId4"/>
-          <a:stretch>
-            <a:fillRect/>
-          </a:stretch>
-        </p:blipFill>
-        <p:spPr>
-          <a:xfrm>
-            <a:off x="566169" y="4014216"/>
-            <a:ext cx="3359370" cy="2446066"/>
-          </a:xfrm>
-          <a:prstGeom prst="rect">
-            <a:avLst/>
-          </a:prstGeom>
-        </p:spPr>
-      </p:pic>
-      <p:pic>
-        <p:nvPicPr>
-          <p:cNvPr id="15" name="Picture 14">
-            <a:extLst>
-              <a:ext uri="{FF2B5EF4-FFF2-40B4-BE49-F238E27FC236}">
-                <a16:creationId xmlns:a16="http://schemas.microsoft.com/office/drawing/2014/main" id="{A75C6BF4-9A35-4278-B62B-0A8A117BA323}"/>
-              </a:ext>
-            </a:extLst>
-          </p:cNvPr>
-          <p:cNvPicPr>
-            <a:picLocks noChangeAspect="1"/>
-          </p:cNvPicPr>
-          <p:nvPr/>
-        </p:nvPicPr>
-        <p:blipFill>
-          <a:blip r:embed="rId5"/>
-          <a:stretch>
-            <a:fillRect/>
-          </a:stretch>
-        </p:blipFill>
-        <p:spPr>
-          <a:xfrm>
-            <a:off x="4147854" y="3945128"/>
-            <a:ext cx="3359370" cy="2448220"/>
-          </a:xfrm>
-          <a:prstGeom prst="rect">
-            <a:avLst/>
-          </a:prstGeom>
-        </p:spPr>
-      </p:pic>
-      <p:sp>
-        <p:nvSpPr>
-          <p:cNvPr id="20" name="TextBox 19">
-            <a:extLst>
-              <a:ext uri="{FF2B5EF4-FFF2-40B4-BE49-F238E27FC236}">
-                <a16:creationId xmlns:a16="http://schemas.microsoft.com/office/drawing/2014/main" id="{4FFF714F-DDA4-4AC3-8B95-20022241CBF5}"/>
-              </a:ext>
-            </a:extLst>
-          </p:cNvPr>
-          <p:cNvSpPr txBox="1"/>
-          <p:nvPr/>
-        </p:nvSpPr>
-        <p:spPr>
-          <a:xfrm>
-            <a:off x="1907574" y="594548"/>
-            <a:ext cx="4480560" cy="369332"/>
-          </a:xfrm>
-          <a:prstGeom prst="rect">
-            <a:avLst/>
-          </a:prstGeom>
-          <a:noFill/>
-        </p:spPr>
-        <p:txBody>
-          <a:bodyPr wrap="square" rtlCol="0">
-            <a:spAutoFit/>
-          </a:bodyPr>
-          <a:lstStyle/>
-          <a:p>
-            <a:pPr algn="ctr"/>
-            <a:r>
-              <a:rPr lang="en-US" dirty="0"/>
-              <a:t>Energy Usage Trends per U.S. Region</a:t>
-            </a:r>
-          </a:p>
-        </p:txBody>
-      </p:sp>
     </p:spTree>
     <p:extLst>
       <p:ext uri="{BB962C8B-B14F-4D97-AF65-F5344CB8AC3E}">
-        <p14:creationId xmlns:p14="http://schemas.microsoft.com/office/powerpoint/2010/main" val="1703085492"/>
+        <p14:creationId xmlns:p14="http://schemas.microsoft.com/office/powerpoint/2010/main" val="3283608081"/>
       </p:ext>
     </p:extLst>
   </p:cSld>
@@ -5794,7 +6002,7 @@
           <p:cNvPr id="2" name="Title 1">
             <a:extLst>
               <a:ext uri="{FF2B5EF4-FFF2-40B4-BE49-F238E27FC236}">
-                <a16:creationId xmlns:a16="http://schemas.microsoft.com/office/drawing/2014/main" id="{75A77B7C-33FD-483E-844C-A0E4CCD61C67}"/>
+                <a16:creationId xmlns:a16="http://schemas.microsoft.com/office/drawing/2014/main" id="{EAD0C8B5-6B5B-4F41-A718-7FBA3FEA3AB4}"/>
               </a:ext>
             </a:extLst>
           </p:cNvPr>
@@ -5807,73 +6015,30 @@
         </p:nvSpPr>
         <p:spPr>
           <a:xfrm>
-            <a:off x="8458200" y="2173644"/>
-            <a:ext cx="3161963" cy="462456"/>
-          </a:xfrm>
-        </p:spPr>
-        <p:txBody>
-          <a:bodyPr anchor="b">
-            <a:normAutofit/>
+            <a:off x="8458200" y="1132405"/>
+            <a:ext cx="3161963" cy="526464"/>
+          </a:xfrm>
+        </p:spPr>
+        <p:txBody>
+          <a:bodyPr>
+            <a:normAutofit fontScale="90000"/>
           </a:bodyPr>
           <a:lstStyle/>
           <a:p>
-            <a:r>
-              <a:rPr lang="en-US" sz="2200" dirty="0"/>
+            <a:pPr algn="ctr"/>
+            <a:r>
+              <a:rPr lang="en-US" sz="2400" dirty="0"/>
               <a:t>Energy Usage Trends</a:t>
             </a:r>
           </a:p>
         </p:txBody>
       </p:sp>
-      <p:sp>
-        <p:nvSpPr>
-          <p:cNvPr id="10" name="Text Placeholder 3">
+      <p:pic>
+        <p:nvPicPr>
+          <p:cNvPr id="6" name="Content Placeholder 5">
             <a:extLst>
               <a:ext uri="{FF2B5EF4-FFF2-40B4-BE49-F238E27FC236}">
-                <a16:creationId xmlns:a16="http://schemas.microsoft.com/office/drawing/2014/main" id="{1382F994-5450-43B0-955A-8F242E08DD71}"/>
-              </a:ext>
-            </a:extLst>
-          </p:cNvPr>
-          <p:cNvSpPr>
-            <a:spLocks noGrp="1"/>
-          </p:cNvSpPr>
-          <p:nvPr>
-            <p:ph type="body" sz="half" idx="2"/>
-          </p:nvPr>
-        </p:nvSpPr>
-        <p:spPr>
-          <a:xfrm>
-            <a:off x="8458200" y="2853345"/>
-            <a:ext cx="3161963" cy="2635465"/>
-          </a:xfrm>
-        </p:spPr>
-        <p:txBody>
-          <a:bodyPr/>
-          <a:lstStyle/>
-          <a:p>
-            <a:pPr algn="ctr"/>
-            <a:r>
-              <a:rPr lang="en-US" sz="1600" dirty="0"/>
-              <a:t>Energy usage will increase year after year.</a:t>
-            </a:r>
-          </a:p>
-          <a:p>
-            <a:pPr algn="ctr"/>
-            <a:r>
-              <a:rPr lang="en-US" sz="1600" dirty="0"/>
-              <a:t>.</a:t>
-            </a:r>
-          </a:p>
-          <a:p>
-            <a:endParaRPr lang="en-US" dirty="0"/>
-          </a:p>
-        </p:txBody>
-      </p:sp>
-      <p:pic>
-        <p:nvPicPr>
-          <p:cNvPr id="7" name="Content Placeholder 6">
-            <a:extLst>
-              <a:ext uri="{FF2B5EF4-FFF2-40B4-BE49-F238E27FC236}">
-                <a16:creationId xmlns:a16="http://schemas.microsoft.com/office/drawing/2014/main" id="{215BC6F2-D9D7-4A4B-BC06-9197171570DF}"/>
+                <a16:creationId xmlns:a16="http://schemas.microsoft.com/office/drawing/2014/main" id="{F9485AFD-D5E2-4711-941A-9849EF62DB70}"/>
               </a:ext>
             </a:extLst>
           </p:cNvPr>
@@ -5892,20 +6057,168 @@
         </p:blipFill>
         <p:spPr>
           <a:xfrm>
-            <a:off x="1811990" y="1508969"/>
-            <a:ext cx="5191193" cy="3840061"/>
+            <a:off x="4147854" y="1289304"/>
+            <a:ext cx="3359371" cy="2434556"/>
+          </a:xfrm>
+        </p:spPr>
+      </p:pic>
+      <p:sp>
+        <p:nvSpPr>
+          <p:cNvPr id="4" name="Text Placeholder 3">
+            <a:extLst>
+              <a:ext uri="{FF2B5EF4-FFF2-40B4-BE49-F238E27FC236}">
+                <a16:creationId xmlns:a16="http://schemas.microsoft.com/office/drawing/2014/main" id="{9B408C85-1DEF-4B6F-8926-7A3E11FF7A02}"/>
+              </a:ext>
+            </a:extLst>
+          </p:cNvPr>
+          <p:cNvSpPr>
+            <a:spLocks noGrp="1"/>
+          </p:cNvSpPr>
+          <p:nvPr>
+            <p:ph type="body" sz="half" idx="2"/>
+          </p:nvPr>
+        </p:nvSpPr>
+        <p:spPr>
+          <a:xfrm>
+            <a:off x="8458200" y="1987065"/>
+            <a:ext cx="3161963" cy="2655824"/>
+          </a:xfrm>
+        </p:spPr>
+        <p:txBody>
+          <a:bodyPr>
+            <a:normAutofit fontScale="85000" lnSpcReduction="10000"/>
+          </a:bodyPr>
+          <a:lstStyle/>
+          <a:p>
+            <a:pPr algn="ctr"/>
+            <a:r>
+              <a:rPr lang="en-US" sz="1600" dirty="0"/>
+              <a:t>Energy usage is considerable higher in the South region.</a:t>
+            </a:r>
+          </a:p>
+          <a:p>
+            <a:pPr algn="ctr"/>
+            <a:r>
+              <a:rPr lang="en-US" sz="1600" dirty="0"/>
+              <a:t>Usage in the West has a low rate of increase, despite having California as much higher usage state.</a:t>
+            </a:r>
+          </a:p>
+          <a:p>
+            <a:pPr algn="ctr"/>
+            <a:r>
+              <a:rPr lang="en-US" sz="1600" dirty="0"/>
+              <a:t>The Midwest showed a higher rate of increase during this time period.</a:t>
+            </a:r>
+          </a:p>
+          <a:p>
+            <a:pPr algn="ctr"/>
+            <a:endParaRPr lang="en-US" sz="1600" dirty="0"/>
+          </a:p>
+          <a:p>
+            <a:pPr algn="ctr"/>
+            <a:r>
+              <a:rPr lang="en-US" sz="1600" dirty="0"/>
+              <a:t> </a:t>
+            </a:r>
+          </a:p>
+        </p:txBody>
+      </p:sp>
+      <p:pic>
+        <p:nvPicPr>
+          <p:cNvPr id="9" name="Picture 8">
+            <a:extLst>
+              <a:ext uri="{FF2B5EF4-FFF2-40B4-BE49-F238E27FC236}">
+                <a16:creationId xmlns:a16="http://schemas.microsoft.com/office/drawing/2014/main" id="{312CC7AB-6711-4256-BFD8-9C0C93A7C727}"/>
+              </a:ext>
+            </a:extLst>
+          </p:cNvPr>
+          <p:cNvPicPr>
+            <a:picLocks noChangeAspect="1"/>
+          </p:cNvPicPr>
+          <p:nvPr/>
+        </p:nvPicPr>
+        <p:blipFill>
+          <a:blip r:embed="rId3"/>
+          <a:stretch>
+            <a:fillRect/>
+          </a:stretch>
+        </p:blipFill>
+        <p:spPr>
+          <a:xfrm>
+            <a:off x="566169" y="1395637"/>
+            <a:ext cx="3331010" cy="2402695"/>
           </a:xfrm>
           <a:prstGeom prst="rect">
             <a:avLst/>
           </a:prstGeom>
         </p:spPr>
       </p:pic>
-      <p:sp>
-        <p:nvSpPr>
-          <p:cNvPr id="9" name="TextBox 8">
+      <p:pic>
+        <p:nvPicPr>
+          <p:cNvPr id="12" name="Picture 11">
             <a:extLst>
               <a:ext uri="{FF2B5EF4-FFF2-40B4-BE49-F238E27FC236}">
-                <a16:creationId xmlns:a16="http://schemas.microsoft.com/office/drawing/2014/main" id="{DF365B5A-CD57-4E16-99D4-8756AF59A1F8}"/>
+                <a16:creationId xmlns:a16="http://schemas.microsoft.com/office/drawing/2014/main" id="{B5C93C7E-31A0-40BF-91D9-691CB9A7A87A}"/>
+              </a:ext>
+            </a:extLst>
+          </p:cNvPr>
+          <p:cNvPicPr>
+            <a:picLocks noChangeAspect="1"/>
+          </p:cNvPicPr>
+          <p:nvPr/>
+        </p:nvPicPr>
+        <p:blipFill>
+          <a:blip r:embed="rId4"/>
+          <a:stretch>
+            <a:fillRect/>
+          </a:stretch>
+        </p:blipFill>
+        <p:spPr>
+          <a:xfrm>
+            <a:off x="566169" y="4014216"/>
+            <a:ext cx="3359370" cy="2446066"/>
+          </a:xfrm>
+          <a:prstGeom prst="rect">
+            <a:avLst/>
+          </a:prstGeom>
+        </p:spPr>
+      </p:pic>
+      <p:pic>
+        <p:nvPicPr>
+          <p:cNvPr id="15" name="Picture 14">
+            <a:extLst>
+              <a:ext uri="{FF2B5EF4-FFF2-40B4-BE49-F238E27FC236}">
+                <a16:creationId xmlns:a16="http://schemas.microsoft.com/office/drawing/2014/main" id="{A75C6BF4-9A35-4278-B62B-0A8A117BA323}"/>
+              </a:ext>
+            </a:extLst>
+          </p:cNvPr>
+          <p:cNvPicPr>
+            <a:picLocks noChangeAspect="1"/>
+          </p:cNvPicPr>
+          <p:nvPr/>
+        </p:nvPicPr>
+        <p:blipFill>
+          <a:blip r:embed="rId5"/>
+          <a:stretch>
+            <a:fillRect/>
+          </a:stretch>
+        </p:blipFill>
+        <p:spPr>
+          <a:xfrm>
+            <a:off x="4147854" y="3945128"/>
+            <a:ext cx="3359370" cy="2448220"/>
+          </a:xfrm>
+          <a:prstGeom prst="rect">
+            <a:avLst/>
+          </a:prstGeom>
+        </p:spPr>
+      </p:pic>
+      <p:sp>
+        <p:nvSpPr>
+          <p:cNvPr id="20" name="TextBox 19">
+            <a:extLst>
+              <a:ext uri="{FF2B5EF4-FFF2-40B4-BE49-F238E27FC236}">
+                <a16:creationId xmlns:a16="http://schemas.microsoft.com/office/drawing/2014/main" id="{4FFF714F-DDA4-4AC3-8B95-20022241CBF5}"/>
               </a:ext>
             </a:extLst>
           </p:cNvPr>
@@ -5914,8 +6227,8 @@
         </p:nvSpPr>
         <p:spPr>
           <a:xfrm>
-            <a:off x="2261975" y="723900"/>
-            <a:ext cx="4291225" cy="369332"/>
+            <a:off x="1907574" y="594548"/>
+            <a:ext cx="4480560" cy="369332"/>
           </a:xfrm>
           <a:prstGeom prst="rect">
             <a:avLst/>
@@ -5931,7 +6244,7 @@
             <a:pPr algn="ctr"/>
             <a:r>
               <a:rPr lang="en-US" dirty="0"/>
-              <a:t>Projected Energy Usage</a:t>
+              <a:t>Energy Usage Trends per U.S. Region</a:t>
             </a:r>
           </a:p>
         </p:txBody>
@@ -5939,7 +6252,7 @@
     </p:spTree>
     <p:extLst>
       <p:ext uri="{BB962C8B-B14F-4D97-AF65-F5344CB8AC3E}">
-        <p14:creationId xmlns:p14="http://schemas.microsoft.com/office/powerpoint/2010/main" val="3979760519"/>
+        <p14:creationId xmlns:p14="http://schemas.microsoft.com/office/powerpoint/2010/main" val="1703085492"/>
       </p:ext>
     </p:extLst>
   </p:cSld>
@@ -5984,8 +6297,8 @@
         </p:nvSpPr>
         <p:spPr>
           <a:xfrm>
-            <a:off x="8458200" y="607392"/>
-            <a:ext cx="3161963" cy="1355632"/>
+            <a:off x="8458200" y="2173644"/>
+            <a:ext cx="3161963" cy="462456"/>
           </a:xfrm>
         </p:spPr>
         <p:txBody>
@@ -5994,20 +6307,60 @@
           </a:bodyPr>
           <a:lstStyle/>
           <a:p>
+            <a:r>
+              <a:rPr lang="en-US" sz="2200" dirty="0"/>
+              <a:t>Energy Usage Trends</a:t>
+            </a:r>
+          </a:p>
+        </p:txBody>
+      </p:sp>
+      <p:sp>
+        <p:nvSpPr>
+          <p:cNvPr id="10" name="Text Placeholder 3">
+            <a:extLst>
+              <a:ext uri="{FF2B5EF4-FFF2-40B4-BE49-F238E27FC236}">
+                <a16:creationId xmlns:a16="http://schemas.microsoft.com/office/drawing/2014/main" id="{1382F994-5450-43B0-955A-8F242E08DD71}"/>
+              </a:ext>
+            </a:extLst>
+          </p:cNvPr>
+          <p:cNvSpPr>
+            <a:spLocks noGrp="1"/>
+          </p:cNvSpPr>
+          <p:nvPr>
+            <p:ph type="body" sz="half" idx="2"/>
+          </p:nvPr>
+        </p:nvSpPr>
+        <p:spPr>
+          <a:xfrm>
+            <a:off x="8458200" y="2853345"/>
+            <a:ext cx="3161963" cy="2635465"/>
+          </a:xfrm>
+        </p:spPr>
+        <p:txBody>
+          <a:bodyPr/>
+          <a:lstStyle/>
+          <a:p>
             <a:pPr algn="ctr"/>
             <a:r>
-              <a:rPr lang="en-US" sz="2200" dirty="0"/>
-              <a:t>Average Price over 10 years vs Average Usage over 10 years.</a:t>
-            </a:r>
+              <a:rPr lang="en-US" sz="1600" dirty="0"/>
+              <a:t>Energy usage will increase year after year.</a:t>
+            </a:r>
+          </a:p>
+          <a:p>
+            <a:pPr algn="ctr"/>
+            <a:endParaRPr lang="en-US" sz="1600" dirty="0"/>
+          </a:p>
+          <a:p>
+            <a:endParaRPr lang="en-US" dirty="0"/>
           </a:p>
         </p:txBody>
       </p:sp>
       <p:pic>
         <p:nvPicPr>
-          <p:cNvPr id="5" name="Content Placeholder 4">
+          <p:cNvPr id="7" name="Content Placeholder 6">
             <a:extLst>
               <a:ext uri="{FF2B5EF4-FFF2-40B4-BE49-F238E27FC236}">
-                <a16:creationId xmlns:a16="http://schemas.microsoft.com/office/drawing/2014/main" id="{B3B0B8DA-3871-4240-A2A3-156249A0B487}"/>
+                <a16:creationId xmlns:a16="http://schemas.microsoft.com/office/drawing/2014/main" id="{215BC6F2-D9D7-4A4B-BC06-9197171570DF}"/>
               </a:ext>
             </a:extLst>
           </p:cNvPr>
@@ -6026,72 +6379,20 @@
         </p:blipFill>
         <p:spPr>
           <a:xfrm>
-            <a:off x="2174576" y="4140199"/>
-            <a:ext cx="4110228" cy="2142663"/>
-          </a:xfrm>
-          <a:noFill/>
+            <a:off x="1811990" y="1508969"/>
+            <a:ext cx="5191193" cy="3840061"/>
+          </a:xfrm>
+          <a:prstGeom prst="rect">
+            <a:avLst/>
+          </a:prstGeom>
         </p:spPr>
       </p:pic>
       <p:sp>
         <p:nvSpPr>
-          <p:cNvPr id="10" name="Text Placeholder 3">
+          <p:cNvPr id="9" name="TextBox 8">
             <a:extLst>
               <a:ext uri="{FF2B5EF4-FFF2-40B4-BE49-F238E27FC236}">
-                <a16:creationId xmlns:a16="http://schemas.microsoft.com/office/drawing/2014/main" id="{1382F994-5450-43B0-955A-8F242E08DD71}"/>
-              </a:ext>
-            </a:extLst>
-          </p:cNvPr>
-          <p:cNvSpPr>
-            <a:spLocks noGrp="1"/>
-          </p:cNvSpPr>
-          <p:nvPr>
-            <p:ph type="body" sz="half" idx="2"/>
-          </p:nvPr>
-        </p:nvSpPr>
-        <p:spPr>
-          <a:xfrm>
-            <a:off x="8458200" y="2336800"/>
-            <a:ext cx="3161963" cy="3606800"/>
-          </a:xfrm>
-        </p:spPr>
-        <p:txBody>
-          <a:bodyPr>
-            <a:normAutofit/>
-          </a:bodyPr>
-          <a:lstStyle/>
-          <a:p>
-            <a:pPr algn="ctr"/>
-            <a:r>
-              <a:rPr lang="en-US" sz="1600" dirty="0"/>
-              <a:t>The price is much higher in the northern region.</a:t>
-            </a:r>
-          </a:p>
-          <a:p>
-            <a:pPr algn="ctr"/>
-            <a:r>
-              <a:rPr lang="en-US" sz="1600" dirty="0"/>
-              <a:t>California seems to have higher usage compared to the other state in its region.</a:t>
-            </a:r>
-          </a:p>
-          <a:p>
-            <a:pPr algn="ctr"/>
-            <a:r>
-              <a:rPr lang="en-US" sz="1600" dirty="0"/>
-              <a:t>Consumption in the South is very high as a Region.</a:t>
-            </a:r>
-          </a:p>
-          <a:p>
-            <a:pPr algn="ctr"/>
-            <a:endParaRPr lang="en-US" sz="1600" dirty="0"/>
-          </a:p>
-        </p:txBody>
-      </p:sp>
-      <p:sp>
-        <p:nvSpPr>
-          <p:cNvPr id="6" name="TextBox 5">
-            <a:extLst>
-              <a:ext uri="{FF2B5EF4-FFF2-40B4-BE49-F238E27FC236}">
-                <a16:creationId xmlns:a16="http://schemas.microsoft.com/office/drawing/2014/main" id="{D6B28FEB-2209-4F9F-B088-9DB4D9A3C5C1}"/>
+                <a16:creationId xmlns:a16="http://schemas.microsoft.com/office/drawing/2014/main" id="{DF365B5A-CD57-4E16-99D4-8756AF59A1F8}"/>
               </a:ext>
             </a:extLst>
           </p:cNvPr>
@@ -6100,8 +6401,8 @@
         </p:nvSpPr>
         <p:spPr>
           <a:xfrm>
-            <a:off x="2231135" y="437544"/>
-            <a:ext cx="3931920" cy="369332"/>
+            <a:off x="2261975" y="723900"/>
+            <a:ext cx="4291225" cy="369332"/>
           </a:xfrm>
           <a:prstGeom prst="rect">
             <a:avLst/>
@@ -6114,112 +6415,39 @@
           </a:bodyPr>
           <a:lstStyle/>
           <a:p>
-            <a:pPr algn="ctr"/>
-            <a:r>
-              <a:rPr lang="en-US" dirty="0"/>
-              <a:t>Comparing Price vs Usage</a:t>
-            </a:r>
-          </a:p>
-        </p:txBody>
-      </p:sp>
-      <p:pic>
-        <p:nvPicPr>
-          <p:cNvPr id="9" name="Picture 8">
-            <a:extLst>
-              <a:ext uri="{FF2B5EF4-FFF2-40B4-BE49-F238E27FC236}">
-                <a16:creationId xmlns:a16="http://schemas.microsoft.com/office/drawing/2014/main" id="{90F3EE2C-28A3-480D-A7CE-EDABCA4D26C2}"/>
-              </a:ext>
-            </a:extLst>
-          </p:cNvPr>
-          <p:cNvPicPr>
-            <a:picLocks noChangeAspect="1"/>
-          </p:cNvPicPr>
-          <p:nvPr/>
-        </p:nvPicPr>
-        <p:blipFill>
-          <a:blip r:embed="rId3"/>
-          <a:stretch>
-            <a:fillRect/>
-          </a:stretch>
-        </p:blipFill>
-        <p:spPr>
-          <a:xfrm>
-            <a:off x="2109385" y="1384924"/>
-            <a:ext cx="4175419" cy="2142664"/>
-          </a:xfrm>
-          <a:prstGeom prst="rect">
-            <a:avLst/>
-          </a:prstGeom>
-        </p:spPr>
-      </p:pic>
-      <p:sp>
-        <p:nvSpPr>
-          <p:cNvPr id="11" name="TextBox 10">
-            <a:extLst>
-              <a:ext uri="{FF2B5EF4-FFF2-40B4-BE49-F238E27FC236}">
-                <a16:creationId xmlns:a16="http://schemas.microsoft.com/office/drawing/2014/main" id="{C4ED3154-1D82-4225-B5F2-980B2CA44101}"/>
-              </a:ext>
-            </a:extLst>
-          </p:cNvPr>
-          <p:cNvSpPr txBox="1"/>
-          <p:nvPr/>
-        </p:nvSpPr>
-        <p:spPr>
-          <a:xfrm>
-            <a:off x="3168986" y="3832422"/>
-            <a:ext cx="2121408" cy="307777"/>
-          </a:xfrm>
-          <a:prstGeom prst="rect">
-            <a:avLst/>
-          </a:prstGeom>
-          <a:noFill/>
-        </p:spPr>
-        <p:txBody>
-          <a:bodyPr wrap="square" rtlCol="0">
-            <a:spAutoFit/>
-          </a:bodyPr>
-          <a:lstStyle/>
-          <a:p>
-            <a:pPr algn="ctr"/>
-            <a:r>
-              <a:rPr lang="en-US" sz="1400" dirty="0"/>
-              <a:t>Price Heatmap</a:t>
-            </a:r>
-          </a:p>
-        </p:txBody>
-      </p:sp>
-      <p:sp>
-        <p:nvSpPr>
-          <p:cNvPr id="12" name="TextBox 11">
-            <a:extLst>
-              <a:ext uri="{FF2B5EF4-FFF2-40B4-BE49-F238E27FC236}">
-                <a16:creationId xmlns:a16="http://schemas.microsoft.com/office/drawing/2014/main" id="{65A327CB-5DB1-42C3-91CF-456EE71D9FD9}"/>
-              </a:ext>
-            </a:extLst>
-          </p:cNvPr>
-          <p:cNvSpPr txBox="1"/>
-          <p:nvPr/>
-        </p:nvSpPr>
-        <p:spPr>
-          <a:xfrm>
-            <a:off x="3136390" y="1077146"/>
-            <a:ext cx="2121408" cy="307777"/>
-          </a:xfrm>
-          <a:prstGeom prst="rect">
-            <a:avLst/>
-          </a:prstGeom>
-          <a:noFill/>
-        </p:spPr>
-        <p:txBody>
-          <a:bodyPr wrap="square" rtlCol="0">
-            <a:spAutoFit/>
-          </a:bodyPr>
-          <a:lstStyle/>
-          <a:p>
-            <a:pPr algn="ctr"/>
-            <a:r>
-              <a:rPr lang="en-US" sz="1400" dirty="0"/>
-              <a:t>Usage Heatmap</a:t>
+            <a:pPr marL="0" marR="0" lvl="0" indent="0" algn="ctr" defTabSz="914400" rtl="0" eaLnBrk="1" fontAlgn="auto" latinLnBrk="0" hangingPunct="1">
+              <a:lnSpc>
+                <a:spcPct val="100000"/>
+              </a:lnSpc>
+              <a:spcBef>
+                <a:spcPts val="0"/>
+              </a:spcBef>
+              <a:spcAft>
+                <a:spcPts val="0"/>
+              </a:spcAft>
+              <a:buClrTx/>
+              <a:buSzTx/>
+              <a:buFontTx/>
+              <a:buNone/>
+              <a:tabLst/>
+              <a:defRPr/>
+            </a:pPr>
+            <a:r>
+              <a:rPr kumimoji="0" lang="en-US" sz="1800" b="0" i="0" u="none" strike="noStrike" kern="1200" cap="none" spc="0" normalizeH="0" baseline="0" noProof="0" dirty="0">
+                <a:ln>
+                  <a:noFill/>
+                </a:ln>
+                <a:solidFill>
+                  <a:prstClr val="black"/>
+                </a:solidFill>
+                <a:effectLst/>
+                <a:uLnTx/>
+                <a:uFillTx/>
+                <a:latin typeface="Century Gothic" panose="020F0302020204030204"/>
+                <a:ea typeface="+mn-ea"/>
+                <a:cs typeface="+mn-cs"/>
+              </a:rPr>
+              <a:t>Projected Energy Usage</a:t>
             </a:r>
           </a:p>
         </p:txBody>
@@ -6227,7 +6455,7 @@
     </p:spTree>
     <p:extLst>
       <p:ext uri="{BB962C8B-B14F-4D97-AF65-F5344CB8AC3E}">
-        <p14:creationId xmlns:p14="http://schemas.microsoft.com/office/powerpoint/2010/main" val="213121028"/>
+        <p14:creationId xmlns:p14="http://schemas.microsoft.com/office/powerpoint/2010/main" val="3720766054"/>
       </p:ext>
     </p:extLst>
   </p:cSld>
@@ -6259,6 +6487,294 @@
           <p:cNvPr id="2" name="Title 1">
             <a:extLst>
               <a:ext uri="{FF2B5EF4-FFF2-40B4-BE49-F238E27FC236}">
+                <a16:creationId xmlns:a16="http://schemas.microsoft.com/office/drawing/2014/main" id="{75A77B7C-33FD-483E-844C-A0E4CCD61C67}"/>
+              </a:ext>
+            </a:extLst>
+          </p:cNvPr>
+          <p:cNvSpPr>
+            <a:spLocks noGrp="1"/>
+          </p:cNvSpPr>
+          <p:nvPr>
+            <p:ph type="title"/>
+          </p:nvPr>
+        </p:nvSpPr>
+        <p:spPr>
+          <a:xfrm>
+            <a:off x="8458200" y="607392"/>
+            <a:ext cx="3161963" cy="1355632"/>
+          </a:xfrm>
+        </p:spPr>
+        <p:txBody>
+          <a:bodyPr anchor="b">
+            <a:normAutofit/>
+          </a:bodyPr>
+          <a:lstStyle/>
+          <a:p>
+            <a:pPr algn="ctr"/>
+            <a:r>
+              <a:rPr lang="en-US" sz="2200" dirty="0"/>
+              <a:t>Average Price over 10 years vs Average Usage over 10 years.</a:t>
+            </a:r>
+          </a:p>
+        </p:txBody>
+      </p:sp>
+      <p:pic>
+        <p:nvPicPr>
+          <p:cNvPr id="5" name="Content Placeholder 4">
+            <a:extLst>
+              <a:ext uri="{FF2B5EF4-FFF2-40B4-BE49-F238E27FC236}">
+                <a16:creationId xmlns:a16="http://schemas.microsoft.com/office/drawing/2014/main" id="{B3B0B8DA-3871-4240-A2A3-156249A0B487}"/>
+              </a:ext>
+            </a:extLst>
+          </p:cNvPr>
+          <p:cNvPicPr>
+            <a:picLocks noGrp="1" noChangeAspect="1"/>
+          </p:cNvPicPr>
+          <p:nvPr>
+            <p:ph idx="1"/>
+          </p:nvPr>
+        </p:nvPicPr>
+        <p:blipFill>
+          <a:blip r:embed="rId2"/>
+          <a:stretch>
+            <a:fillRect/>
+          </a:stretch>
+        </p:blipFill>
+        <p:spPr>
+          <a:xfrm>
+            <a:off x="2174576" y="4140199"/>
+            <a:ext cx="4110228" cy="2142663"/>
+          </a:xfrm>
+          <a:noFill/>
+        </p:spPr>
+      </p:pic>
+      <p:sp>
+        <p:nvSpPr>
+          <p:cNvPr id="10" name="Text Placeholder 3">
+            <a:extLst>
+              <a:ext uri="{FF2B5EF4-FFF2-40B4-BE49-F238E27FC236}">
+                <a16:creationId xmlns:a16="http://schemas.microsoft.com/office/drawing/2014/main" id="{1382F994-5450-43B0-955A-8F242E08DD71}"/>
+              </a:ext>
+            </a:extLst>
+          </p:cNvPr>
+          <p:cNvSpPr>
+            <a:spLocks noGrp="1"/>
+          </p:cNvSpPr>
+          <p:nvPr>
+            <p:ph type="body" sz="half" idx="2"/>
+          </p:nvPr>
+        </p:nvSpPr>
+        <p:spPr>
+          <a:xfrm>
+            <a:off x="8458200" y="2336800"/>
+            <a:ext cx="3161963" cy="3606800"/>
+          </a:xfrm>
+        </p:spPr>
+        <p:txBody>
+          <a:bodyPr>
+            <a:normAutofit/>
+          </a:bodyPr>
+          <a:lstStyle/>
+          <a:p>
+            <a:pPr algn="ctr"/>
+            <a:r>
+              <a:rPr lang="en-US" sz="1600" dirty="0"/>
+              <a:t>The price is much higher in the northern region.</a:t>
+            </a:r>
+          </a:p>
+          <a:p>
+            <a:pPr algn="ctr"/>
+            <a:r>
+              <a:rPr lang="en-US" sz="1600" dirty="0"/>
+              <a:t>California seems to have higher usage compared to the other state in its region.</a:t>
+            </a:r>
+          </a:p>
+          <a:p>
+            <a:pPr algn="ctr"/>
+            <a:r>
+              <a:rPr lang="en-US" sz="1600" dirty="0"/>
+              <a:t>Consumption in the South is very high as a Region.</a:t>
+            </a:r>
+          </a:p>
+          <a:p>
+            <a:pPr algn="ctr"/>
+            <a:endParaRPr lang="en-US" sz="1600" dirty="0"/>
+          </a:p>
+        </p:txBody>
+      </p:sp>
+      <p:sp>
+        <p:nvSpPr>
+          <p:cNvPr id="6" name="TextBox 5">
+            <a:extLst>
+              <a:ext uri="{FF2B5EF4-FFF2-40B4-BE49-F238E27FC236}">
+                <a16:creationId xmlns:a16="http://schemas.microsoft.com/office/drawing/2014/main" id="{D6B28FEB-2209-4F9F-B088-9DB4D9A3C5C1}"/>
+              </a:ext>
+            </a:extLst>
+          </p:cNvPr>
+          <p:cNvSpPr txBox="1"/>
+          <p:nvPr/>
+        </p:nvSpPr>
+        <p:spPr>
+          <a:xfrm>
+            <a:off x="2231135" y="437544"/>
+            <a:ext cx="3931920" cy="369332"/>
+          </a:xfrm>
+          <a:prstGeom prst="rect">
+            <a:avLst/>
+          </a:prstGeom>
+          <a:noFill/>
+        </p:spPr>
+        <p:txBody>
+          <a:bodyPr wrap="square" rtlCol="0">
+            <a:spAutoFit/>
+          </a:bodyPr>
+          <a:lstStyle/>
+          <a:p>
+            <a:pPr algn="ctr"/>
+            <a:r>
+              <a:rPr lang="en-US" dirty="0"/>
+              <a:t>Comparing Price vs Usage</a:t>
+            </a:r>
+          </a:p>
+        </p:txBody>
+      </p:sp>
+      <p:pic>
+        <p:nvPicPr>
+          <p:cNvPr id="9" name="Picture 8">
+            <a:extLst>
+              <a:ext uri="{FF2B5EF4-FFF2-40B4-BE49-F238E27FC236}">
+                <a16:creationId xmlns:a16="http://schemas.microsoft.com/office/drawing/2014/main" id="{90F3EE2C-28A3-480D-A7CE-EDABCA4D26C2}"/>
+              </a:ext>
+            </a:extLst>
+          </p:cNvPr>
+          <p:cNvPicPr>
+            <a:picLocks noChangeAspect="1"/>
+          </p:cNvPicPr>
+          <p:nvPr/>
+        </p:nvPicPr>
+        <p:blipFill>
+          <a:blip r:embed="rId3"/>
+          <a:stretch>
+            <a:fillRect/>
+          </a:stretch>
+        </p:blipFill>
+        <p:spPr>
+          <a:xfrm>
+            <a:off x="2109385" y="1384924"/>
+            <a:ext cx="4175419" cy="2142664"/>
+          </a:xfrm>
+          <a:prstGeom prst="rect">
+            <a:avLst/>
+          </a:prstGeom>
+        </p:spPr>
+      </p:pic>
+      <p:sp>
+        <p:nvSpPr>
+          <p:cNvPr id="11" name="TextBox 10">
+            <a:extLst>
+              <a:ext uri="{FF2B5EF4-FFF2-40B4-BE49-F238E27FC236}">
+                <a16:creationId xmlns:a16="http://schemas.microsoft.com/office/drawing/2014/main" id="{C4ED3154-1D82-4225-B5F2-980B2CA44101}"/>
+              </a:ext>
+            </a:extLst>
+          </p:cNvPr>
+          <p:cNvSpPr txBox="1"/>
+          <p:nvPr/>
+        </p:nvSpPr>
+        <p:spPr>
+          <a:xfrm>
+            <a:off x="3168986" y="3832422"/>
+            <a:ext cx="2121408" cy="307777"/>
+          </a:xfrm>
+          <a:prstGeom prst="rect">
+            <a:avLst/>
+          </a:prstGeom>
+          <a:noFill/>
+        </p:spPr>
+        <p:txBody>
+          <a:bodyPr wrap="square" rtlCol="0">
+            <a:spAutoFit/>
+          </a:bodyPr>
+          <a:lstStyle/>
+          <a:p>
+            <a:pPr algn="ctr"/>
+            <a:r>
+              <a:rPr lang="en-US" sz="1400" dirty="0"/>
+              <a:t>Price Heatmap</a:t>
+            </a:r>
+          </a:p>
+        </p:txBody>
+      </p:sp>
+      <p:sp>
+        <p:nvSpPr>
+          <p:cNvPr id="12" name="TextBox 11">
+            <a:extLst>
+              <a:ext uri="{FF2B5EF4-FFF2-40B4-BE49-F238E27FC236}">
+                <a16:creationId xmlns:a16="http://schemas.microsoft.com/office/drawing/2014/main" id="{65A327CB-5DB1-42C3-91CF-456EE71D9FD9}"/>
+              </a:ext>
+            </a:extLst>
+          </p:cNvPr>
+          <p:cNvSpPr txBox="1"/>
+          <p:nvPr/>
+        </p:nvSpPr>
+        <p:spPr>
+          <a:xfrm>
+            <a:off x="3136390" y="1077146"/>
+            <a:ext cx="2121408" cy="307777"/>
+          </a:xfrm>
+          <a:prstGeom prst="rect">
+            <a:avLst/>
+          </a:prstGeom>
+          <a:noFill/>
+        </p:spPr>
+        <p:txBody>
+          <a:bodyPr wrap="square" rtlCol="0">
+            <a:spAutoFit/>
+          </a:bodyPr>
+          <a:lstStyle/>
+          <a:p>
+            <a:pPr algn="ctr"/>
+            <a:r>
+              <a:rPr lang="en-US" sz="1400" dirty="0"/>
+              <a:t>Usage Heatmap</a:t>
+            </a:r>
+          </a:p>
+        </p:txBody>
+      </p:sp>
+    </p:spTree>
+    <p:extLst>
+      <p:ext uri="{BB962C8B-B14F-4D97-AF65-F5344CB8AC3E}">
+        <p14:creationId xmlns:p14="http://schemas.microsoft.com/office/powerpoint/2010/main" val="213121028"/>
+      </p:ext>
+    </p:extLst>
+  </p:cSld>
+  <p:clrMapOvr>
+    <a:masterClrMapping/>
+  </p:clrMapOvr>
+</p:sld>
+</file>
+
+<file path=ppt/slides/slide15.xml><?xml version="1.0" encoding="utf-8"?>
+<p:sld xmlns:a="http://schemas.openxmlformats.org/drawingml/2006/main" xmlns:r="http://schemas.openxmlformats.org/officeDocument/2006/relationships" xmlns:p="http://schemas.openxmlformats.org/presentationml/2006/main">
+  <p:cSld>
+    <p:spTree>
+      <p:nvGrpSpPr>
+        <p:cNvPr id="1" name=""/>
+        <p:cNvGrpSpPr/>
+        <p:nvPr/>
+      </p:nvGrpSpPr>
+      <p:grpSpPr>
+        <a:xfrm>
+          <a:off x="0" y="0"/>
+          <a:ext cx="0" cy="0"/>
+          <a:chOff x="0" y="0"/>
+          <a:chExt cx="0" cy="0"/>
+        </a:xfrm>
+      </p:grpSpPr>
+      <p:sp>
+        <p:nvSpPr>
+          <p:cNvPr id="2" name="Title 1">
+            <a:extLst>
+              <a:ext uri="{FF2B5EF4-FFF2-40B4-BE49-F238E27FC236}">
                 <a16:creationId xmlns:a16="http://schemas.microsoft.com/office/drawing/2014/main" id="{EAD0C8B5-6B5B-4F41-A718-7FBA3FEA3AB4}"/>
               </a:ext>
             </a:extLst>
@@ -6542,6 +7058,347 @@
     <p:extLst>
       <p:ext uri="{BB962C8B-B14F-4D97-AF65-F5344CB8AC3E}">
         <p14:creationId xmlns:p14="http://schemas.microsoft.com/office/powerpoint/2010/main" val="1892987204"/>
+      </p:ext>
+    </p:extLst>
+  </p:cSld>
+  <p:clrMapOvr>
+    <a:masterClrMapping/>
+  </p:clrMapOvr>
+</p:sld>
+</file>
+
+<file path=ppt/slides/slide16.xml><?xml version="1.0" encoding="utf-8"?>
+<p:sld xmlns:a="http://schemas.openxmlformats.org/drawingml/2006/main" xmlns:r="http://schemas.openxmlformats.org/officeDocument/2006/relationships" xmlns:p="http://schemas.openxmlformats.org/presentationml/2006/main">
+  <p:cSld>
+    <p:spTree>
+      <p:nvGrpSpPr>
+        <p:cNvPr id="1" name=""/>
+        <p:cNvGrpSpPr/>
+        <p:nvPr/>
+      </p:nvGrpSpPr>
+      <p:grpSpPr>
+        <a:xfrm>
+          <a:off x="0" y="0"/>
+          <a:ext cx="0" cy="0"/>
+          <a:chOff x="0" y="0"/>
+          <a:chExt cx="0" cy="0"/>
+        </a:xfrm>
+      </p:grpSpPr>
+      <p:sp>
+        <p:nvSpPr>
+          <p:cNvPr id="2" name="Title 1">
+            <a:extLst>
+              <a:ext uri="{FF2B5EF4-FFF2-40B4-BE49-F238E27FC236}">
+                <a16:creationId xmlns:a16="http://schemas.microsoft.com/office/drawing/2014/main" id="{75A77B7C-33FD-483E-844C-A0E4CCD61C67}"/>
+              </a:ext>
+            </a:extLst>
+          </p:cNvPr>
+          <p:cNvSpPr>
+            <a:spLocks noGrp="1"/>
+          </p:cNvSpPr>
+          <p:nvPr>
+            <p:ph type="title"/>
+          </p:nvPr>
+        </p:nvSpPr>
+        <p:spPr>
+          <a:xfrm>
+            <a:off x="8458200" y="2173644"/>
+            <a:ext cx="3161963" cy="462456"/>
+          </a:xfrm>
+        </p:spPr>
+        <p:txBody>
+          <a:bodyPr anchor="b">
+            <a:normAutofit/>
+          </a:bodyPr>
+          <a:lstStyle/>
+          <a:p>
+            <a:pPr algn="ctr"/>
+            <a:r>
+              <a:rPr lang="en-US" sz="2200" dirty="0"/>
+              <a:t>Usage vs Price</a:t>
+            </a:r>
+          </a:p>
+        </p:txBody>
+      </p:sp>
+      <p:sp>
+        <p:nvSpPr>
+          <p:cNvPr id="10" name="Text Placeholder 3">
+            <a:extLst>
+              <a:ext uri="{FF2B5EF4-FFF2-40B4-BE49-F238E27FC236}">
+                <a16:creationId xmlns:a16="http://schemas.microsoft.com/office/drawing/2014/main" id="{1382F994-5450-43B0-955A-8F242E08DD71}"/>
+              </a:ext>
+            </a:extLst>
+          </p:cNvPr>
+          <p:cNvSpPr>
+            <a:spLocks noGrp="1"/>
+          </p:cNvSpPr>
+          <p:nvPr>
+            <p:ph type="body" sz="half" idx="2"/>
+          </p:nvPr>
+        </p:nvSpPr>
+        <p:spPr>
+          <a:xfrm>
+            <a:off x="8458200" y="2853345"/>
+            <a:ext cx="3161963" cy="2635465"/>
+          </a:xfrm>
+        </p:spPr>
+        <p:txBody>
+          <a:bodyPr/>
+          <a:lstStyle/>
+          <a:p>
+            <a:pPr algn="ctr"/>
+            <a:r>
+              <a:rPr lang="en-US" sz="1600" dirty="0"/>
+              <a:t>As we time goes on we continue to use Energy. Our consumption increase and the Supply and Demand curve have no effect how we consume energy. </a:t>
+            </a:r>
+            <a:endParaRPr lang="en-US" dirty="0"/>
+          </a:p>
+        </p:txBody>
+      </p:sp>
+      <p:sp>
+        <p:nvSpPr>
+          <p:cNvPr id="9" name="TextBox 8">
+            <a:extLst>
+              <a:ext uri="{FF2B5EF4-FFF2-40B4-BE49-F238E27FC236}">
+                <a16:creationId xmlns:a16="http://schemas.microsoft.com/office/drawing/2014/main" id="{DF365B5A-CD57-4E16-99D4-8756AF59A1F8}"/>
+              </a:ext>
+            </a:extLst>
+          </p:cNvPr>
+          <p:cNvSpPr txBox="1"/>
+          <p:nvPr/>
+        </p:nvSpPr>
+        <p:spPr>
+          <a:xfrm>
+            <a:off x="2261975" y="723900"/>
+            <a:ext cx="4291225" cy="369332"/>
+          </a:xfrm>
+          <a:prstGeom prst="rect">
+            <a:avLst/>
+          </a:prstGeom>
+          <a:noFill/>
+        </p:spPr>
+        <p:txBody>
+          <a:bodyPr wrap="square" rtlCol="0">
+            <a:spAutoFit/>
+          </a:bodyPr>
+          <a:lstStyle/>
+          <a:p>
+            <a:pPr marL="0" marR="0" lvl="0" indent="0" algn="ctr" defTabSz="914400" rtl="0" eaLnBrk="1" fontAlgn="auto" latinLnBrk="0" hangingPunct="1">
+              <a:lnSpc>
+                <a:spcPct val="100000"/>
+              </a:lnSpc>
+              <a:spcBef>
+                <a:spcPts val="0"/>
+              </a:spcBef>
+              <a:spcAft>
+                <a:spcPts val="0"/>
+              </a:spcAft>
+              <a:buClrTx/>
+              <a:buSzTx/>
+              <a:buFontTx/>
+              <a:buNone/>
+              <a:tabLst/>
+              <a:defRPr/>
+            </a:pPr>
+            <a:r>
+              <a:rPr kumimoji="0" lang="en-US" sz="1800" b="0" i="0" u="none" strike="noStrike" kern="1200" cap="none" spc="0" normalizeH="0" baseline="0" noProof="0" dirty="0">
+                <a:ln>
+                  <a:noFill/>
+                </a:ln>
+                <a:solidFill>
+                  <a:prstClr val="black"/>
+                </a:solidFill>
+                <a:effectLst/>
+                <a:uLnTx/>
+                <a:uFillTx/>
+                <a:latin typeface="Century Gothic" panose="020F0302020204030204"/>
+                <a:ea typeface="+mn-ea"/>
+                <a:cs typeface="+mn-cs"/>
+              </a:rPr>
+              <a:t>Energy Usage vs Price</a:t>
+            </a:r>
+          </a:p>
+        </p:txBody>
+      </p:sp>
+      <p:pic>
+        <p:nvPicPr>
+          <p:cNvPr id="8" name="Picture 7" descr="Chart, line chart&#10;&#10;Description automatically generated">
+            <a:extLst>
+              <a:ext uri="{FF2B5EF4-FFF2-40B4-BE49-F238E27FC236}">
+                <a16:creationId xmlns:a16="http://schemas.microsoft.com/office/drawing/2014/main" id="{FF643964-CD9A-42F5-BB9E-A98A14F44D8C}"/>
+              </a:ext>
+            </a:extLst>
+          </p:cNvPr>
+          <p:cNvPicPr>
+            <a:picLocks noChangeAspect="1"/>
+          </p:cNvPicPr>
+          <p:nvPr/>
+        </p:nvPicPr>
+        <p:blipFill>
+          <a:blip r:embed="rId2"/>
+          <a:stretch>
+            <a:fillRect/>
+          </a:stretch>
+        </p:blipFill>
+        <p:spPr>
+          <a:xfrm>
+            <a:off x="795013" y="1725872"/>
+            <a:ext cx="3759231" cy="2623442"/>
+          </a:xfrm>
+          <a:prstGeom prst="rect">
+            <a:avLst/>
+          </a:prstGeom>
+        </p:spPr>
+      </p:pic>
+      <p:pic>
+        <p:nvPicPr>
+          <p:cNvPr id="11" name="Picture 10" descr="Chart&#10;&#10;Description automatically generated">
+            <a:extLst>
+              <a:ext uri="{FF2B5EF4-FFF2-40B4-BE49-F238E27FC236}">
+                <a16:creationId xmlns:a16="http://schemas.microsoft.com/office/drawing/2014/main" id="{D87550B1-5A71-469E-92A1-65A368E46371}"/>
+              </a:ext>
+            </a:extLst>
+          </p:cNvPr>
+          <p:cNvPicPr>
+            <a:picLocks noChangeAspect="1"/>
+          </p:cNvPicPr>
+          <p:nvPr/>
+        </p:nvPicPr>
+        <p:blipFill>
+          <a:blip r:embed="rId3"/>
+          <a:stretch>
+            <a:fillRect/>
+          </a:stretch>
+        </p:blipFill>
+        <p:spPr>
+          <a:xfrm>
+            <a:off x="4538323" y="1725872"/>
+            <a:ext cx="2786568" cy="2559315"/>
+          </a:xfrm>
+          <a:prstGeom prst="rect">
+            <a:avLst/>
+          </a:prstGeom>
+        </p:spPr>
+      </p:pic>
+    </p:spTree>
+    <p:extLst>
+      <p:ext uri="{BB962C8B-B14F-4D97-AF65-F5344CB8AC3E}">
+        <p14:creationId xmlns:p14="http://schemas.microsoft.com/office/powerpoint/2010/main" val="1567398615"/>
+      </p:ext>
+    </p:extLst>
+  </p:cSld>
+  <p:clrMapOvr>
+    <a:masterClrMapping/>
+  </p:clrMapOvr>
+</p:sld>
+</file>
+
+<file path=ppt/slides/slide17.xml><?xml version="1.0" encoding="utf-8"?>
+<p:sld xmlns:a="http://schemas.openxmlformats.org/drawingml/2006/main" xmlns:r="http://schemas.openxmlformats.org/officeDocument/2006/relationships" xmlns:p="http://schemas.openxmlformats.org/presentationml/2006/main">
+  <p:cSld>
+    <p:spTree>
+      <p:nvGrpSpPr>
+        <p:cNvPr id="1" name=""/>
+        <p:cNvGrpSpPr/>
+        <p:nvPr/>
+      </p:nvGrpSpPr>
+      <p:grpSpPr>
+        <a:xfrm>
+          <a:off x="0" y="0"/>
+          <a:ext cx="0" cy="0"/>
+          <a:chOff x="0" y="0"/>
+          <a:chExt cx="0" cy="0"/>
+        </a:xfrm>
+      </p:grpSpPr>
+      <p:sp>
+        <p:nvSpPr>
+          <p:cNvPr id="2" name="Title 1">
+            <a:extLst>
+              <a:ext uri="{FF2B5EF4-FFF2-40B4-BE49-F238E27FC236}">
+                <a16:creationId xmlns:a16="http://schemas.microsoft.com/office/drawing/2014/main" id="{7689D64B-2F88-4AF5-A84C-CD8110AE03B7}"/>
+              </a:ext>
+            </a:extLst>
+          </p:cNvPr>
+          <p:cNvSpPr>
+            <a:spLocks noGrp="1"/>
+          </p:cNvSpPr>
+          <p:nvPr>
+            <p:ph type="title"/>
+          </p:nvPr>
+        </p:nvSpPr>
+        <p:spPr/>
+        <p:txBody>
+          <a:bodyPr/>
+          <a:lstStyle/>
+          <a:p>
+            <a:r>
+              <a:rPr lang="en-US" dirty="0"/>
+              <a:t>Conclusion</a:t>
+            </a:r>
+          </a:p>
+        </p:txBody>
+      </p:sp>
+      <p:sp>
+        <p:nvSpPr>
+          <p:cNvPr id="3" name="Content Placeholder 2">
+            <a:extLst>
+              <a:ext uri="{FF2B5EF4-FFF2-40B4-BE49-F238E27FC236}">
+                <a16:creationId xmlns:a16="http://schemas.microsoft.com/office/drawing/2014/main" id="{25667228-F237-4ECF-A5D7-4C843C0D298A}"/>
+              </a:ext>
+            </a:extLst>
+          </p:cNvPr>
+          <p:cNvSpPr>
+            <a:spLocks noGrp="1"/>
+          </p:cNvSpPr>
+          <p:nvPr>
+            <p:ph idx="1"/>
+          </p:nvPr>
+        </p:nvSpPr>
+        <p:spPr/>
+        <p:txBody>
+          <a:bodyPr>
+            <a:normAutofit/>
+          </a:bodyPr>
+          <a:lstStyle/>
+          <a:p>
+            <a:pPr marL="0" indent="0" algn="ctr">
+              <a:buNone/>
+            </a:pPr>
+            <a:r>
+              <a:rPr lang="en-US" sz="2400" dirty="0"/>
+              <a:t>As we continue to increase in population and find new devices to plug-in into our homes, we will continue to demand more power.</a:t>
+            </a:r>
+          </a:p>
+          <a:p>
+            <a:pPr marL="0" indent="0" algn="ctr">
+              <a:buNone/>
+            </a:pPr>
+            <a:r>
+              <a:rPr lang="en-US" sz="2400" dirty="0"/>
+              <a:t>Electrical companies have enjoyed profits due lowered production costs and our unsatiable need for energy. </a:t>
+            </a:r>
+          </a:p>
+          <a:p>
+            <a:pPr marL="0" indent="0" algn="ctr">
+              <a:buNone/>
+            </a:pPr>
+            <a:r>
+              <a:rPr lang="en-US" sz="2400" dirty="0"/>
+              <a:t>Price ultimately, has little baring to our consumer demand and thus we will likely continue our habits of energy consumption.</a:t>
+            </a:r>
+          </a:p>
+          <a:p>
+            <a:pPr marL="0" indent="0" algn="ctr">
+              <a:buNone/>
+            </a:pPr>
+            <a:endParaRPr lang="en-US" sz="2400" dirty="0"/>
+          </a:p>
+        </p:txBody>
+      </p:sp>
+    </p:spTree>
+    <p:extLst>
+      <p:ext uri="{BB962C8B-B14F-4D97-AF65-F5344CB8AC3E}">
+        <p14:creationId xmlns:p14="http://schemas.microsoft.com/office/powerpoint/2010/main" val="2206143857"/>
       </p:ext>
     </p:extLst>
   </p:cSld>
@@ -7029,49 +7886,100 @@
         <p:spPr>
           <a:xfrm>
             <a:off x="8458200" y="1581912"/>
-            <a:ext cx="3161963" cy="3273552"/>
+            <a:ext cx="3161963" cy="3904488"/>
           </a:xfrm>
         </p:spPr>
         <p:txBody>
           <a:bodyPr>
-            <a:normAutofit/>
+            <a:normAutofit lnSpcReduction="10000"/>
           </a:bodyPr>
           <a:lstStyle/>
           <a:p>
-            <a:r>
-              <a:rPr lang="en-US" b="0" i="0" dirty="0">
+            <a:pPr marR="0" lvl="0" algn="ctr">
+              <a:lnSpc>
+                <a:spcPct val="107000"/>
+              </a:lnSpc>
+              <a:spcBef>
+                <a:spcPts val="0"/>
+              </a:spcBef>
+              <a:spcAft>
+                <a:spcPts val="800"/>
+              </a:spcAft>
+            </a:pPr>
+            <a:r>
+              <a:rPr lang="en-US" sz="1800" dirty="0">
                 <a:effectLst/>
                 <a:latin typeface="Arial" panose="020B0604020202020204" pitchFamily="34" charset="0"/>
+                <a:ea typeface="Calibri" panose="020F0502020204030204" pitchFamily="34" charset="0"/>
+                <a:cs typeface="Arial" panose="020B0604020202020204" pitchFamily="34" charset="0"/>
               </a:rPr>
-              <a:t>Do price changes affect usage?</a:t>
-            </a:r>
-          </a:p>
-          <a:p>
-            <a:r>
-              <a:rPr lang="en-US" b="0" i="0" dirty="0">
+              <a:t>Do energy sales as a utility overall match the supply and demand curve?</a:t>
+            </a:r>
+          </a:p>
+          <a:p>
+            <a:pPr marR="0" lvl="0" algn="ctr">
+              <a:lnSpc>
+                <a:spcPct val="107000"/>
+              </a:lnSpc>
+              <a:spcBef>
+                <a:spcPts val="0"/>
+              </a:spcBef>
+              <a:spcAft>
+                <a:spcPts val="800"/>
+              </a:spcAft>
+            </a:pPr>
+            <a:r>
+              <a:rPr lang="en-US" sz="1800" dirty="0">
                 <a:effectLst/>
                 <a:latin typeface="Arial" panose="020B0604020202020204" pitchFamily="34" charset="0"/>
+                <a:ea typeface="Calibri" panose="020F0502020204030204" pitchFamily="34" charset="0"/>
+                <a:cs typeface="Arial" panose="020B0604020202020204" pitchFamily="34" charset="0"/>
               </a:rPr>
-              <a:t>Does energy’s status as a utility create a base usage outside of normal </a:t>
-            </a:r>
-            <a:br>
-              <a:rPr lang="en-US" dirty="0"/>
-            </a:br>
-            <a:r>
-              <a:rPr lang="en-US" b="0" i="0" dirty="0">
+              <a:t>At what price point does it stop being profitable to sell energy?</a:t>
+            </a:r>
+          </a:p>
+          <a:p>
+            <a:pPr marR="0" lvl="0" algn="ctr">
+              <a:lnSpc>
+                <a:spcPct val="106000"/>
+              </a:lnSpc>
+              <a:spcBef>
+                <a:spcPts val="0"/>
+              </a:spcBef>
+              <a:spcAft>
+                <a:spcPts val="800"/>
+              </a:spcAft>
+            </a:pPr>
+            <a:r>
+              <a:rPr lang="en-US" sz="1800" dirty="0">
                 <a:effectLst/>
                 <a:latin typeface="Arial" panose="020B0604020202020204" pitchFamily="34" charset="0"/>
+                <a:ea typeface="Calibri" panose="020F0502020204030204" pitchFamily="34" charset="0"/>
+                <a:cs typeface="Arial" panose="020B0604020202020204" pitchFamily="34" charset="0"/>
               </a:rPr>
-              <a:t>purchasing?</a:t>
-            </a:r>
-          </a:p>
-          <a:p>
-            <a:r>
-              <a:rPr lang="en-US" b="0" i="0" dirty="0">
+              <a:t>At what price point do people reduce energy usage by region?</a:t>
+            </a:r>
+          </a:p>
+          <a:p>
+            <a:pPr algn="ctr">
+              <a:lnSpc>
+                <a:spcPct val="106000"/>
+              </a:lnSpc>
+              <a:spcBef>
+                <a:spcPts val="0"/>
+              </a:spcBef>
+              <a:spcAft>
+                <a:spcPts val="800"/>
+              </a:spcAft>
+            </a:pPr>
+            <a:r>
+              <a:rPr lang="en-US" sz="1800" dirty="0">
                 <a:effectLst/>
                 <a:latin typeface="Arial" panose="020B0604020202020204" pitchFamily="34" charset="0"/>
+                <a:ea typeface="Calibri" panose="020F0502020204030204" pitchFamily="34" charset="0"/>
+                <a:cs typeface="Arial" panose="020B0604020202020204" pitchFamily="34" charset="0"/>
               </a:rPr>
-              <a:t>What is the expected tolerance by consumers to price change?</a:t>
+              <a:t>Compared to the energy cost, at what price point does it stop being profitable to sell energy?</a:t>
             </a:r>
           </a:p>
         </p:txBody>
@@ -7694,20 +8602,20 @@
         </p:nvSpPr>
         <p:spPr>
           <a:xfrm>
-            <a:off x="8482385" y="1498165"/>
+            <a:off x="8458200" y="1132405"/>
             <a:ext cx="3161963" cy="526464"/>
           </a:xfrm>
         </p:spPr>
         <p:txBody>
           <a:bodyPr>
-            <a:normAutofit fontScale="90000"/>
+            <a:normAutofit/>
           </a:bodyPr>
           <a:lstStyle/>
           <a:p>
             <a:pPr algn="ctr"/>
             <a:r>
               <a:rPr lang="en-US" sz="2400" dirty="0"/>
-              <a:t>Production Cost Trends</a:t>
+              <a:t>Energy Price Trends</a:t>
             </a:r>
           </a:p>
         </p:txBody>
@@ -7730,49 +8638,32 @@
         </p:nvSpPr>
         <p:spPr>
           <a:xfrm>
-            <a:off x="8484939" y="2362925"/>
+            <a:off x="8458200" y="1987065"/>
             <a:ext cx="3161963" cy="2655824"/>
           </a:xfrm>
         </p:spPr>
         <p:txBody>
           <a:bodyPr>
-            <a:normAutofit lnSpcReduction="10000"/>
+            <a:normAutofit/>
           </a:bodyPr>
           <a:lstStyle/>
           <a:p>
             <a:pPr algn="ctr"/>
             <a:r>
               <a:rPr lang="en-US" sz="1600" dirty="0"/>
-              <a:t>Monthly Rate of increase of Production Costs:</a:t>
+              <a:t>In the last four years the South has had small increments to price.</a:t>
             </a:r>
           </a:p>
           <a:p>
             <a:pPr algn="ctr"/>
             <a:r>
               <a:rPr lang="en-US" sz="1600" dirty="0"/>
-              <a:t>North: 14.28%</a:t>
+              <a:t>The Midwest has had a high increase between 2007-2017</a:t>
             </a:r>
           </a:p>
           <a:p>
             <a:pPr algn="ctr"/>
-            <a:r>
-              <a:rPr lang="en-US" sz="1600" dirty="0"/>
-              <a:t>South: -3.89%</a:t>
-            </a:r>
-          </a:p>
-          <a:p>
-            <a:pPr algn="ctr"/>
-            <a:r>
-              <a:rPr lang="en-US" sz="1600" dirty="0"/>
-              <a:t>Mid-West: -1.64%</a:t>
-            </a:r>
-          </a:p>
-          <a:p>
-            <a:pPr algn="ctr"/>
-            <a:r>
-              <a:rPr lang="en-US" sz="1600" dirty="0"/>
-              <a:t>West: -0.74%</a:t>
-            </a:r>
+            <a:endParaRPr lang="en-US" sz="1600" dirty="0"/>
           </a:p>
           <a:p>
             <a:pPr algn="ctr"/>
@@ -7801,8 +8692,8 @@
         </p:nvSpPr>
         <p:spPr>
           <a:xfrm>
-            <a:off x="1907574" y="594548"/>
-            <a:ext cx="4480560" cy="369332"/>
+            <a:off x="1943686" y="418032"/>
+            <a:ext cx="4480560" cy="646331"/>
           </a:xfrm>
           <a:prstGeom prst="rect">
             <a:avLst/>
@@ -7847,17 +8738,52 @@
                 <a:ea typeface="+mn-ea"/>
                 <a:cs typeface="+mn-cs"/>
               </a:rPr>
-              <a:t>Production Cost Trends per U.S. Region</a:t>
+              <a:t>Energy </a:t>
+            </a:r>
+            <a:r>
+              <a:rPr lang="en-US" dirty="0" err="1">
+                <a:solidFill>
+                  <a:prstClr val="black"/>
+                </a:solidFill>
+                <a:latin typeface="Century Gothic" panose="020F0302020204030204"/>
+              </a:rPr>
+              <a:t>Retal</a:t>
+            </a:r>
+            <a:r>
+              <a:rPr lang="en-US" dirty="0">
+                <a:solidFill>
+                  <a:prstClr val="black"/>
+                </a:solidFill>
+                <a:latin typeface="Century Gothic" panose="020F0302020204030204"/>
+              </a:rPr>
+              <a:t> </a:t>
+            </a:r>
+            <a:r>
+              <a:rPr kumimoji="0" lang="en-US" sz="1800" b="0" i="0" u="none" strike="noStrike" kern="1200" cap="none" spc="0" normalizeH="0" baseline="0" noProof="0" dirty="0">
+                <a:ln>
+                  <a:noFill/>
+                </a:ln>
+                <a:solidFill>
+                  <a:prstClr val="black"/>
+                </a:solidFill>
+                <a:effectLst/>
+                <a:uLnTx/>
+                <a:uFillTx/>
+                <a:latin typeface="Century Gothic" panose="020F0302020204030204"/>
+                <a:ea typeface="+mn-ea"/>
+                <a:cs typeface="+mn-cs"/>
+              </a:rPr>
+              <a:t>Price Trends per U.S. Region</a:t>
             </a:r>
           </a:p>
         </p:txBody>
       </p:sp>
       <p:pic>
         <p:nvPicPr>
-          <p:cNvPr id="9" name="Picture 8" descr="Chart, scatter chart&#10;&#10;Description automatically generated">
+          <p:cNvPr id="8" name="Picture 7">
             <a:extLst>
               <a:ext uri="{FF2B5EF4-FFF2-40B4-BE49-F238E27FC236}">
-                <a16:creationId xmlns:a16="http://schemas.microsoft.com/office/drawing/2014/main" id="{16A3AC93-EC61-4236-978B-FC19FA6F99CD}"/>
+                <a16:creationId xmlns:a16="http://schemas.microsoft.com/office/drawing/2014/main" id="{33B37FE9-8070-475C-B82E-C5B399B87C02}"/>
               </a:ext>
             </a:extLst>
           </p:cNvPr>
@@ -7874,8 +8800,8 @@
         </p:blipFill>
         <p:spPr>
           <a:xfrm>
-            <a:off x="701727" y="1498165"/>
-            <a:ext cx="3361297" cy="2510858"/>
+            <a:off x="571837" y="1102778"/>
+            <a:ext cx="3373154" cy="2655825"/>
           </a:xfrm>
           <a:prstGeom prst="rect">
             <a:avLst/>
@@ -7884,10 +8810,10 @@
       </p:pic>
       <p:pic>
         <p:nvPicPr>
-          <p:cNvPr id="11" name="Picture 10" descr="Chart, scatter chart&#10;&#10;Description automatically generated">
+          <p:cNvPr id="11" name="Picture 10">
             <a:extLst>
               <a:ext uri="{FF2B5EF4-FFF2-40B4-BE49-F238E27FC236}">
-                <a16:creationId xmlns:a16="http://schemas.microsoft.com/office/drawing/2014/main" id="{2DBA5F8E-F749-4732-9906-A29263407075}"/>
+                <a16:creationId xmlns:a16="http://schemas.microsoft.com/office/drawing/2014/main" id="{FBBF011A-DF74-4D43-B392-7F6D6FE766DB}"/>
               </a:ext>
             </a:extLst>
           </p:cNvPr>
@@ -7904,8 +8830,8 @@
         </p:blipFill>
         <p:spPr>
           <a:xfrm>
-            <a:off x="4063024" y="1498164"/>
-            <a:ext cx="3361296" cy="2527197"/>
+            <a:off x="4559121" y="1064363"/>
+            <a:ext cx="3523924" cy="2694240"/>
           </a:xfrm>
           <a:prstGeom prst="rect">
             <a:avLst/>
@@ -7914,10 +8840,10 @@
       </p:pic>
       <p:pic>
         <p:nvPicPr>
-          <p:cNvPr id="12" name="Picture 11" descr="Chart, scatter chart&#10;&#10;Description automatically generated">
+          <p:cNvPr id="14" name="Picture 13">
             <a:extLst>
               <a:ext uri="{FF2B5EF4-FFF2-40B4-BE49-F238E27FC236}">
-                <a16:creationId xmlns:a16="http://schemas.microsoft.com/office/drawing/2014/main" id="{118DE550-012A-496A-AA20-2F34588244D5}"/>
+                <a16:creationId xmlns:a16="http://schemas.microsoft.com/office/drawing/2014/main" id="{6D80A884-7D50-4767-8A4A-305B64395AB5}"/>
               </a:ext>
             </a:extLst>
           </p:cNvPr>
@@ -7934,8 +8860,8 @@
         </p:blipFill>
         <p:spPr>
           <a:xfrm>
-            <a:off x="701728" y="4080772"/>
-            <a:ext cx="3361296" cy="2517082"/>
+            <a:off x="571837" y="3976044"/>
+            <a:ext cx="3398409" cy="2655826"/>
           </a:xfrm>
           <a:prstGeom prst="rect">
             <a:avLst/>
@@ -7944,10 +8870,10 @@
       </p:pic>
       <p:pic>
         <p:nvPicPr>
-          <p:cNvPr id="14" name="Picture 13" descr="Chart, scatter chart&#10;&#10;Description automatically generated">
+          <p:cNvPr id="17" name="Picture 16">
             <a:extLst>
               <a:ext uri="{FF2B5EF4-FFF2-40B4-BE49-F238E27FC236}">
-                <a16:creationId xmlns:a16="http://schemas.microsoft.com/office/drawing/2014/main" id="{C69C40BD-0EB4-41F2-A562-5EB987070BC8}"/>
+                <a16:creationId xmlns:a16="http://schemas.microsoft.com/office/drawing/2014/main" id="{6A278536-347B-4A9B-8232-745763532DAD}"/>
               </a:ext>
             </a:extLst>
           </p:cNvPr>
@@ -7964,8 +8890,8 @@
         </p:blipFill>
         <p:spPr>
           <a:xfrm>
-            <a:off x="4147854" y="4080771"/>
-            <a:ext cx="3276466" cy="2541601"/>
+            <a:off x="4559121" y="3977958"/>
+            <a:ext cx="3398409" cy="2653912"/>
           </a:xfrm>
           <a:prstGeom prst="rect">
             <a:avLst/>
@@ -7975,7 +8901,7 @@
     </p:spTree>
     <p:extLst>
       <p:ext uri="{BB962C8B-B14F-4D97-AF65-F5344CB8AC3E}">
-        <p14:creationId xmlns:p14="http://schemas.microsoft.com/office/powerpoint/2010/main" val="1700402683"/>
+        <p14:creationId xmlns:p14="http://schemas.microsoft.com/office/powerpoint/2010/main" val="484813950"/>
       </p:ext>
     </p:extLst>
   </p:cSld>
@@ -8190,7 +9116,7 @@
         </p:nvSpPr>
         <p:spPr>
           <a:xfrm>
-            <a:off x="8458200" y="2173644"/>
+            <a:off x="8458199" y="1319712"/>
             <a:ext cx="3161963" cy="462456"/>
           </a:xfrm>
         </p:spPr>
@@ -8225,7 +9151,7 @@
         </p:nvSpPr>
         <p:spPr>
           <a:xfrm>
-            <a:off x="8458200" y="2853345"/>
+            <a:off x="8458198" y="2111267"/>
             <a:ext cx="3161963" cy="2635465"/>
           </a:xfrm>
         </p:spPr>
@@ -8237,6 +9163,18 @@
             <a:r>
               <a:rPr lang="en-US" sz="1600" dirty="0"/>
               <a:t>.</a:t>
+            </a:r>
+          </a:p>
+          <a:p>
+            <a:pPr algn="ctr"/>
+            <a:r>
+              <a:rPr lang="en-US" sz="1800" dirty="0">
+                <a:effectLst/>
+                <a:latin typeface="Calibri" panose="020F0502020204030204" pitchFamily="34" charset="0"/>
+                <a:ea typeface="Calibri" panose="020F0502020204030204" pitchFamily="34" charset="0"/>
+                <a:cs typeface="Times New Roman" panose="02020603050405020304" pitchFamily="18" charset="0"/>
+              </a:rPr>
+              <a:t>Throughout the US, we see that Prices for Electricity has maintained a steady upward trend, with all regions experiencing a similar percentage in rate of increase.</a:t>
             </a:r>
           </a:p>
           <a:p>
@@ -8272,49 +9210,20 @@
           </a:bodyPr>
           <a:lstStyle/>
           <a:p>
-            <a:pPr marL="0" marR="0" lvl="0" indent="0" algn="ctr" defTabSz="914400" rtl="0" eaLnBrk="1" fontAlgn="auto" latinLnBrk="0" hangingPunct="1">
-              <a:lnSpc>
-                <a:spcPct val="100000"/>
-              </a:lnSpc>
-              <a:spcBef>
-                <a:spcPts val="0"/>
-              </a:spcBef>
-              <a:spcAft>
-                <a:spcPts val="0"/>
-              </a:spcAft>
-              <a:buClrTx/>
-              <a:buSzTx/>
-              <a:buFontTx/>
-              <a:buNone/>
-              <a:tabLst/>
-              <a:defRPr/>
-            </a:pPr>
-            <a:r>
-              <a:rPr kumimoji="0" lang="en-US" sz="1800" b="0" i="0" u="none" strike="noStrike" kern="1200" cap="none" spc="0" normalizeH="0" baseline="0" noProof="0" dirty="0">
-                <a:ln>
-                  <a:noFill/>
-                </a:ln>
-                <a:solidFill>
-                  <a:prstClr val="black"/>
-                </a:solidFill>
-                <a:effectLst/>
-                <a:uLnTx/>
-                <a:uFillTx/>
-                <a:latin typeface="Century Gothic" panose="020F0302020204030204"/>
-                <a:ea typeface="+mn-ea"/>
-                <a:cs typeface="+mn-cs"/>
-              </a:rPr>
-              <a:t>Side by Side Price Commentary</a:t>
+            <a:pPr algn="ctr"/>
+            <a:r>
+              <a:rPr lang="en-US" dirty="0"/>
+              <a:t>Retail Price for Electricity</a:t>
             </a:r>
           </a:p>
         </p:txBody>
       </p:sp>
       <p:pic>
         <p:nvPicPr>
-          <p:cNvPr id="6" name="Picture 5">
+          <p:cNvPr id="8" name="Picture 7" descr="Chart, line chart&#10;&#10;Description automatically generated">
             <a:extLst>
               <a:ext uri="{FF2B5EF4-FFF2-40B4-BE49-F238E27FC236}">
-                <a16:creationId xmlns:a16="http://schemas.microsoft.com/office/drawing/2014/main" id="{F241FF86-48C3-4E72-8401-D3CB8996A640}"/>
+                <a16:creationId xmlns:a16="http://schemas.microsoft.com/office/drawing/2014/main" id="{F8991125-EC1A-4C4B-8399-AC17C7BD5FE4}"/>
               </a:ext>
             </a:extLst>
           </p:cNvPr>
@@ -8331,8 +9240,8 @@
         </p:blipFill>
         <p:spPr>
           <a:xfrm>
-            <a:off x="2027485" y="2137674"/>
-            <a:ext cx="4525714" cy="3534256"/>
+            <a:off x="1540001" y="1610262"/>
+            <a:ext cx="5735172" cy="4138205"/>
           </a:xfrm>
           <a:prstGeom prst="rect">
             <a:avLst/>
@@ -8387,20 +9296,20 @@
         </p:nvSpPr>
         <p:spPr>
           <a:xfrm>
-            <a:off x="8458200" y="1132405"/>
+            <a:off x="8482385" y="1498165"/>
             <a:ext cx="3161963" cy="526464"/>
           </a:xfrm>
         </p:spPr>
         <p:txBody>
           <a:bodyPr>
-            <a:normAutofit/>
+            <a:normAutofit fontScale="90000"/>
           </a:bodyPr>
           <a:lstStyle/>
           <a:p>
             <a:pPr algn="ctr"/>
             <a:r>
               <a:rPr lang="en-US" sz="2400" dirty="0"/>
-              <a:t>Energy Price Trends</a:t>
+              <a:t>Production Cost Trends</a:t>
             </a:r>
           </a:p>
         </p:txBody>
@@ -8423,34 +9332,48 @@
         </p:nvSpPr>
         <p:spPr>
           <a:xfrm>
-            <a:off x="8458200" y="1987065"/>
+            <a:off x="8484939" y="2362925"/>
             <a:ext cx="3161963" cy="2655824"/>
           </a:xfrm>
         </p:spPr>
         <p:txBody>
           <a:bodyPr>
-            <a:normAutofit/>
+            <a:normAutofit lnSpcReduction="10000"/>
           </a:bodyPr>
           <a:lstStyle/>
           <a:p>
             <a:pPr algn="ctr"/>
             <a:r>
               <a:rPr lang="en-US" sz="1600" dirty="0"/>
-              <a:t>In the last four years the South has had small increments to price.</a:t>
+              <a:t>Monthly Rate of increase of Production Costs:</a:t>
             </a:r>
           </a:p>
           <a:p>
             <a:pPr algn="ctr"/>
             <a:r>
               <a:rPr lang="en-US" sz="1600" dirty="0"/>
-              <a:t>The Midwest has had a high increase between 2007-2017</a:t>
+              <a:t>North: -4.00%</a:t>
             </a:r>
           </a:p>
           <a:p>
             <a:pPr algn="ctr"/>
             <a:r>
               <a:rPr lang="en-US" sz="1600" dirty="0"/>
-              <a:t>.</a:t>
+              <a:t>South: -3.89%</a:t>
+            </a:r>
+          </a:p>
+          <a:p>
+            <a:pPr algn="ctr"/>
+            <a:r>
+              <a:rPr lang="en-US" sz="1600" dirty="0"/>
+              <a:t>Mid-West: -1.64%</a:t>
+            </a:r>
+          </a:p>
+          <a:p>
+            <a:pPr algn="ctr"/>
+            <a:r>
+              <a:rPr lang="en-US" sz="1600" dirty="0"/>
+              <a:t>West: -0.74%</a:t>
             </a:r>
           </a:p>
           <a:p>
@@ -8526,17 +9449,17 @@
                 <a:ea typeface="+mn-ea"/>
                 <a:cs typeface="+mn-cs"/>
               </a:rPr>
-              <a:t>Energy Price Trends per U.S. Region</a:t>
+              <a:t>Production Cost Trends per U.S. Region</a:t>
             </a:r>
           </a:p>
         </p:txBody>
       </p:sp>
       <p:pic>
         <p:nvPicPr>
-          <p:cNvPr id="8" name="Picture 7">
+          <p:cNvPr id="9" name="Picture 8" descr="Chart, scatter chart&#10;&#10;Description automatically generated">
             <a:extLst>
               <a:ext uri="{FF2B5EF4-FFF2-40B4-BE49-F238E27FC236}">
-                <a16:creationId xmlns:a16="http://schemas.microsoft.com/office/drawing/2014/main" id="{33B37FE9-8070-475C-B82E-C5B399B87C02}"/>
+                <a16:creationId xmlns:a16="http://schemas.microsoft.com/office/drawing/2014/main" id="{16A3AC93-EC61-4236-978B-FC19FA6F99CD}"/>
               </a:ext>
             </a:extLst>
           </p:cNvPr>
@@ -8553,8 +9476,8 @@
         </p:blipFill>
         <p:spPr>
           <a:xfrm>
-            <a:off x="571837" y="1064363"/>
-            <a:ext cx="3373154" cy="2655825"/>
+            <a:off x="701727" y="1498165"/>
+            <a:ext cx="3361297" cy="2510858"/>
           </a:xfrm>
           <a:prstGeom prst="rect">
             <a:avLst/>
@@ -8563,10 +9486,10 @@
       </p:pic>
       <p:pic>
         <p:nvPicPr>
-          <p:cNvPr id="11" name="Picture 10">
+          <p:cNvPr id="11" name="Picture 10" descr="Chart, scatter chart&#10;&#10;Description automatically generated">
             <a:extLst>
               <a:ext uri="{FF2B5EF4-FFF2-40B4-BE49-F238E27FC236}">
-                <a16:creationId xmlns:a16="http://schemas.microsoft.com/office/drawing/2014/main" id="{FBBF011A-DF74-4D43-B392-7F6D6FE766DB}"/>
+                <a16:creationId xmlns:a16="http://schemas.microsoft.com/office/drawing/2014/main" id="{2DBA5F8E-F749-4732-9906-A29263407075}"/>
               </a:ext>
             </a:extLst>
           </p:cNvPr>
@@ -8583,8 +9506,8 @@
         </p:blipFill>
         <p:spPr>
           <a:xfrm>
-            <a:off x="4559121" y="1064363"/>
-            <a:ext cx="3523924" cy="2694240"/>
+            <a:off x="4063024" y="1498164"/>
+            <a:ext cx="3361296" cy="2527197"/>
           </a:xfrm>
           <a:prstGeom prst="rect">
             <a:avLst/>
@@ -8593,10 +9516,10 @@
       </p:pic>
       <p:pic>
         <p:nvPicPr>
-          <p:cNvPr id="14" name="Picture 13">
+          <p:cNvPr id="12" name="Picture 11" descr="Chart, scatter chart&#10;&#10;Description automatically generated">
             <a:extLst>
               <a:ext uri="{FF2B5EF4-FFF2-40B4-BE49-F238E27FC236}">
-                <a16:creationId xmlns:a16="http://schemas.microsoft.com/office/drawing/2014/main" id="{6D80A884-7D50-4767-8A4A-305B64395AB5}"/>
+                <a16:creationId xmlns:a16="http://schemas.microsoft.com/office/drawing/2014/main" id="{118DE550-012A-496A-AA20-2F34588244D5}"/>
               </a:ext>
             </a:extLst>
           </p:cNvPr>
@@ -8613,8 +9536,8 @@
         </p:blipFill>
         <p:spPr>
           <a:xfrm>
-            <a:off x="571837" y="3976044"/>
-            <a:ext cx="3398409" cy="2655826"/>
+            <a:off x="701728" y="4080772"/>
+            <a:ext cx="3361296" cy="2517082"/>
           </a:xfrm>
           <a:prstGeom prst="rect">
             <a:avLst/>
@@ -8623,10 +9546,10 @@
       </p:pic>
       <p:pic>
         <p:nvPicPr>
-          <p:cNvPr id="17" name="Picture 16">
+          <p:cNvPr id="14" name="Picture 13" descr="Chart, scatter chart&#10;&#10;Description automatically generated">
             <a:extLst>
               <a:ext uri="{FF2B5EF4-FFF2-40B4-BE49-F238E27FC236}">
-                <a16:creationId xmlns:a16="http://schemas.microsoft.com/office/drawing/2014/main" id="{6A278536-347B-4A9B-8232-745763532DAD}"/>
+                <a16:creationId xmlns:a16="http://schemas.microsoft.com/office/drawing/2014/main" id="{C69C40BD-0EB4-41F2-A562-5EB987070BC8}"/>
               </a:ext>
             </a:extLst>
           </p:cNvPr>
@@ -8643,8 +9566,8 @@
         </p:blipFill>
         <p:spPr>
           <a:xfrm>
-            <a:off x="4559121" y="3977958"/>
-            <a:ext cx="3398409" cy="2653912"/>
+            <a:off x="4147854" y="4080771"/>
+            <a:ext cx="3276466" cy="2541601"/>
           </a:xfrm>
           <a:prstGeom prst="rect">
             <a:avLst/>
@@ -8654,7 +9577,7 @@
     </p:spTree>
     <p:extLst>
       <p:ext uri="{BB962C8B-B14F-4D97-AF65-F5344CB8AC3E}">
-        <p14:creationId xmlns:p14="http://schemas.microsoft.com/office/powerpoint/2010/main" val="484813950"/>
+        <p14:creationId xmlns:p14="http://schemas.microsoft.com/office/powerpoint/2010/main" val="1700402683"/>
       </p:ext>
     </p:extLst>
   </p:cSld>
@@ -8941,21 +9864,21 @@
 </file>
 
 <file path=customXml/item1.xml><?xml version="1.0" encoding="utf-8"?>
+<?mso-contentType ?>
+<FormTemplates xmlns="http://schemas.microsoft.com/sharepoint/v3/contenttype/forms">
+  <Display>DocumentLibraryForm</Display>
+  <Edit>DocumentLibraryForm</Edit>
+  <New>DocumentLibraryForm</New>
+</FormTemplates>
+</file>
+
+<file path=customXml/item2.xml><?xml version="1.0" encoding="utf-8"?>
 <p:properties xmlns:p="http://schemas.microsoft.com/office/2006/metadata/properties" xmlns:xsi="http://www.w3.org/2001/XMLSchema-instance" xmlns:pc="http://schemas.microsoft.com/office/infopath/2007/PartnerControls">
   <documentManagement>
     <Status xmlns="71af3243-3dd4-4a8d-8c0d-dd76da1f02a5">Not started</Status>
     <MediaServiceKeyPoints xmlns="71af3243-3dd4-4a8d-8c0d-dd76da1f02a5" xsi:nil="true"/>
   </documentManagement>
 </p:properties>
-</file>
-
-<file path=customXml/item2.xml><?xml version="1.0" encoding="utf-8"?>
-<?mso-contentType ?>
-<FormTemplates xmlns="http://schemas.microsoft.com/sharepoint/v3/contenttype/forms">
-  <Display>DocumentLibraryForm</Display>
-  <Edit>DocumentLibraryForm</Edit>
-  <New>DocumentLibraryForm</New>
-</FormTemplates>
 </file>
 
 <file path=customXml/item3.xml><?xml version="1.0" encoding="utf-8"?>
@@ -9180,19 +10103,19 @@
 </file>
 
 <file path=customXml/itemProps1.xml><?xml version="1.0" encoding="utf-8"?>
+<ds:datastoreItem xmlns:ds="http://schemas.openxmlformats.org/officeDocument/2006/customXml" ds:itemID="{CDB58277-F8DF-46FF-84EC-EF41B835E69F}">
+  <ds:schemaRefs>
+    <ds:schemaRef ds:uri="http://schemas.microsoft.com/sharepoint/v3/contenttype/forms"/>
+  </ds:schemaRefs>
+</ds:datastoreItem>
+</file>
+
+<file path=customXml/itemProps2.xml><?xml version="1.0" encoding="utf-8"?>
 <ds:datastoreItem xmlns:ds="http://schemas.openxmlformats.org/officeDocument/2006/customXml" ds:itemID="{137651BA-F45C-4845-9AB3-E0A65B39F5E1}">
   <ds:schemaRefs>
     <ds:schemaRef ds:uri="http://schemas.microsoft.com/office/2006/metadata/properties"/>
     <ds:schemaRef ds:uri="http://schemas.microsoft.com/office/infopath/2007/PartnerControls"/>
     <ds:schemaRef ds:uri="71af3243-3dd4-4a8d-8c0d-dd76da1f02a5"/>
-  </ds:schemaRefs>
-</ds:datastoreItem>
-</file>
-
-<file path=customXml/itemProps2.xml><?xml version="1.0" encoding="utf-8"?>
-<ds:datastoreItem xmlns:ds="http://schemas.openxmlformats.org/officeDocument/2006/customXml" ds:itemID="{CDB58277-F8DF-46FF-84EC-EF41B835E69F}">
-  <ds:schemaRefs>
-    <ds:schemaRef ds:uri="http://schemas.microsoft.com/sharepoint/v3/contenttype/forms"/>
   </ds:schemaRefs>
 </ds:datastoreItem>
 </file>
